--- a/presentation/Distributed.pptx
+++ b/presentation/Distributed.pptx
@@ -18,7 +18,7 @@
     <p:sldId id="268" r:id="rId12"/>
     <p:sldId id="269" r:id="rId13"/>
     <p:sldId id="266" r:id="rId14"/>
-    <p:sldId id="270" r:id="rId15"/>
+    <p:sldId id="271" r:id="rId15"/>
   </p:sldIdLst>
   <p:sldSz cx="12192000" cy="6858000"/>
   <p:notesSz cx="6858000" cy="9144000"/>
@@ -5852,10 +5852,44 @@
       </p:grpSpPr>
       <p:sp>
         <p:nvSpPr>
+          <p:cNvPr id="2" name="Title 1">
+            <a:extLst>
+              <a:ext uri="{FF2B5EF4-FFF2-40B4-BE49-F238E27FC236}">
+                <a16:creationId xmlns:a16="http://schemas.microsoft.com/office/drawing/2014/main" id="{2A52BDD2-E9F1-4BF2-8BA3-E512FAA57375}"/>
+              </a:ext>
+            </a:extLst>
+          </p:cNvPr>
+          <p:cNvSpPr>
+            <a:spLocks noGrp="1"/>
+          </p:cNvSpPr>
+          <p:nvPr>
+            <p:ph type="title"/>
+          </p:nvPr>
+        </p:nvSpPr>
+        <p:spPr>
+          <a:xfrm>
+            <a:off x="581190" y="1813560"/>
+            <a:ext cx="11029616" cy="603096"/>
+          </a:xfrm>
+        </p:spPr>
+        <p:txBody>
+          <a:bodyPr/>
+          <a:lstStyle/>
+          <a:p>
+            <a:pPr algn="ctr"/>
+            <a:r>
+              <a:rPr lang="en-US" dirty="0"/>
+              <a:t>Thanks for your attention</a:t>
+            </a:r>
+          </a:p>
+        </p:txBody>
+      </p:sp>
+      <p:sp>
+        <p:nvSpPr>
           <p:cNvPr id="3" name="Content Placeholder 2">
             <a:extLst>
               <a:ext uri="{FF2B5EF4-FFF2-40B4-BE49-F238E27FC236}">
-                <a16:creationId xmlns:a16="http://schemas.microsoft.com/office/drawing/2014/main" id="{9F00552C-215F-49E7-B979-B57984576BB1}"/>
+                <a16:creationId xmlns:a16="http://schemas.microsoft.com/office/drawing/2014/main" id="{36F803A8-5C14-4D05-BC56-2104C1120520}"/>
               </a:ext>
             </a:extLst>
           </p:cNvPr>
@@ -5868,51 +5902,64 @@
         </p:nvSpPr>
         <p:spPr>
           <a:xfrm>
-            <a:off x="581192" y="1432560"/>
-            <a:ext cx="11029615" cy="4542790"/>
-          </a:xfrm>
-        </p:spPr>
-        <p:txBody>
-          <a:bodyPr>
-            <a:normAutofit/>
-          </a:bodyPr>
+            <a:off x="581191" y="4000500"/>
+            <a:ext cx="11029615" cy="1121410"/>
+          </a:xfrm>
+        </p:spPr>
+        <p:txBody>
+          <a:bodyPr/>
           <a:lstStyle/>
           <a:p>
             <a:r>
-              <a:rPr lang="en-US" sz="2800" dirty="0">
+              <a:rPr lang="en-US" sz="2400" dirty="0">
                 <a:solidFill>
                   <a:schemeClr val="tx1"/>
                 </a:solidFill>
-                <a:hlinkClick r:id="rId2" tooltip="Leslie Lamport Quotes: A distributed system is one in which the">
-                  <a:extLst>
-                    <a:ext uri="{A12FA001-AC4F-418D-AE19-62706E023703}">
-                      <ahyp:hlinkClr xmlns:ahyp="http://schemas.microsoft.com/office/drawing/2018/hyperlinkcolor" val="tx"/>
-                    </a:ext>
-                  </a:extLst>
-                </a:hlinkClick>
-              </a:rPr>
-              <a:t>A distributed system is one in which the failure of a computer you didn't even know existed can render your own computer unusable. </a:t>
-            </a:r>
-            <a:r>
-              <a:rPr lang="en-US" sz="2800" dirty="0"/>
+              </a:rPr>
+              <a:t>“</a:t>
+            </a:r>
+            <a:r>
+              <a:rPr lang="en-US" sz="2400" dirty="0">
+                <a:solidFill>
+                  <a:schemeClr val="tx2">
+                    <a:lumMod val="60000"/>
+                    <a:lumOff val="40000"/>
+                  </a:schemeClr>
+                </a:solidFill>
+              </a:rPr>
+              <a:t>A distributed system is one in which the failure of a computer you didn't even know existed can render your own computer unusable</a:t>
+            </a:r>
+            <a:r>
+              <a:rPr lang="en-US" sz="2400" dirty="0">
+                <a:solidFill>
+                  <a:schemeClr val="tx1"/>
+                </a:solidFill>
+              </a:rPr>
+              <a:t>” </a:t>
+            </a:r>
+            <a:r>
+              <a:rPr lang="en-US" sz="2400" dirty="0"/>
               <a:t>— </a:t>
             </a:r>
             <a:r>
-              <a:rPr lang="en-US" sz="2800" b="1" dirty="0"/>
+              <a:rPr lang="en-US" sz="2400" b="1" dirty="0"/>
               <a:t>Leslie </a:t>
             </a:r>
             <a:r>
-              <a:rPr lang="en-US" sz="2800" b="1" dirty="0" err="1"/>
+              <a:rPr lang="en-US" sz="2400" b="1" dirty="0" err="1"/>
               <a:t>Lamport</a:t>
             </a:r>
-            <a:endParaRPr lang="en-US" sz="2800" dirty="0"/>
+            <a:endParaRPr lang="en-US" sz="2400" dirty="0"/>
+          </a:p>
+          <a:p>
+            <a:endParaRPr lang="en-US" dirty="0"/>
           </a:p>
         </p:txBody>
       </p:sp>
     </p:spTree>
     <p:extLst>
       <p:ext uri="{BB962C8B-B14F-4D97-AF65-F5344CB8AC3E}">
-        <p14:creationId xmlns:p14="http://schemas.microsoft.com/office/powerpoint/2010/main" val="2810146379"/>
+        <p14:creationId xmlns:p14="http://schemas.microsoft.com/office/powerpoint/2010/main" val="316766979"/>
       </p:ext>
     </p:extLst>
   </p:cSld>
@@ -7472,6 +7519,102 @@
               <a:rPr lang="en-US" dirty="0"/>
               <a:t>Replica set</a:t>
             </a:r>
+          </a:p>
+        </p:txBody>
+      </p:sp>
+      <p:sp>
+        <p:nvSpPr>
+          <p:cNvPr id="27" name="Arc 26">
+            <a:extLst>
+              <a:ext uri="{FF2B5EF4-FFF2-40B4-BE49-F238E27FC236}">
+                <a16:creationId xmlns:a16="http://schemas.microsoft.com/office/drawing/2014/main" id="{D1B93E9C-0EAB-4B3F-9D91-FBF957B8A404}"/>
+              </a:ext>
+            </a:extLst>
+          </p:cNvPr>
+          <p:cNvSpPr/>
+          <p:nvPr/>
+        </p:nvSpPr>
+        <p:spPr>
+          <a:xfrm flipH="1">
+            <a:off x="2775309" y="2177014"/>
+            <a:ext cx="1177798" cy="3084984"/>
+          </a:xfrm>
+          <a:prstGeom prst="arc">
+            <a:avLst>
+              <a:gd name="adj1" fmla="val 16462013"/>
+              <a:gd name="adj2" fmla="val 5461772"/>
+            </a:avLst>
+          </a:prstGeom>
+        </p:spPr>
+        <p:style>
+          <a:lnRef idx="1">
+            <a:schemeClr val="dk1"/>
+          </a:lnRef>
+          <a:fillRef idx="0">
+            <a:schemeClr val="dk1"/>
+          </a:fillRef>
+          <a:effectRef idx="0">
+            <a:schemeClr val="dk1"/>
+          </a:effectRef>
+          <a:fontRef idx="minor">
+            <a:schemeClr val="tx1"/>
+          </a:fontRef>
+        </p:style>
+        <p:txBody>
+          <a:bodyPr rtlCol="0" anchor="ctr"/>
+          <a:lstStyle/>
+          <a:p>
+            <a:pPr algn="ctr"/>
+            <a:endParaRPr lang="en-US"/>
+          </a:p>
+        </p:txBody>
+      </p:sp>
+      <p:sp>
+        <p:nvSpPr>
+          <p:cNvPr id="29" name="Isosceles Triangle 28">
+            <a:extLst>
+              <a:ext uri="{FF2B5EF4-FFF2-40B4-BE49-F238E27FC236}">
+                <a16:creationId xmlns:a16="http://schemas.microsoft.com/office/drawing/2014/main" id="{54A8E9A4-B930-420F-ACE9-5057C0D393E2}"/>
+              </a:ext>
+            </a:extLst>
+          </p:cNvPr>
+          <p:cNvSpPr/>
+          <p:nvPr/>
+        </p:nvSpPr>
+        <p:spPr>
+          <a:xfrm rot="2970918">
+            <a:off x="3239001" y="2159650"/>
+            <a:ext cx="65293" cy="57473"/>
+          </a:xfrm>
+          <a:prstGeom prst="triangle">
+            <a:avLst/>
+          </a:prstGeom>
+          <a:ln>
+            <a:noFill/>
+          </a:ln>
+        </p:spPr>
+        <p:style>
+          <a:lnRef idx="2">
+            <a:schemeClr val="dk1">
+              <a:shade val="50000"/>
+            </a:schemeClr>
+          </a:lnRef>
+          <a:fillRef idx="1">
+            <a:schemeClr val="dk1"/>
+          </a:fillRef>
+          <a:effectRef idx="0">
+            <a:schemeClr val="dk1"/>
+          </a:effectRef>
+          <a:fontRef idx="minor">
+            <a:schemeClr val="lt1"/>
+          </a:fontRef>
+        </p:style>
+        <p:txBody>
+          <a:bodyPr rtlCol="0" anchor="ctr"/>
+          <a:lstStyle/>
+          <a:p>
+            <a:pPr algn="ctr"/>
+            <a:endParaRPr lang="en-US"/>
           </a:p>
         </p:txBody>
       </p:sp>

--- a/presentation/Distributed.pptx
+++ b/presentation/Distributed.pptx
@@ -17,8 +17,9 @@
     <p:sldId id="265" r:id="rId11"/>
     <p:sldId id="268" r:id="rId12"/>
     <p:sldId id="269" r:id="rId13"/>
-    <p:sldId id="266" r:id="rId14"/>
-    <p:sldId id="271" r:id="rId15"/>
+    <p:sldId id="272" r:id="rId14"/>
+    <p:sldId id="266" r:id="rId15"/>
+    <p:sldId id="271" r:id="rId16"/>
   </p:sldIdLst>
   <p:sldSz cx="12192000" cy="6858000"/>
   <p:notesSz cx="6858000" cy="9144000"/>
@@ -5446,7 +5447,7 @@
           <p:cNvPr id="2" name="Title 1">
             <a:extLst>
               <a:ext uri="{FF2B5EF4-FFF2-40B4-BE49-F238E27FC236}">
-                <a16:creationId xmlns:a16="http://schemas.microsoft.com/office/drawing/2014/main" id="{8DA089F9-1348-4869-B55A-15C9A31361AF}"/>
+                <a16:creationId xmlns:a16="http://schemas.microsoft.com/office/drawing/2014/main" id="{888F497E-9F16-4202-BF6B-4BB9EBB5AD2B}"/>
               </a:ext>
             </a:extLst>
           </p:cNvPr>
@@ -5464,20 +5465,8 @@
           <a:p>
             <a:r>
               <a:rPr lang="en-US" dirty="0"/>
-              <a:t>Fault tolerance: </a:t>
-            </a:r>
-            <a:r>
-              <a:rPr lang="en-US" dirty="0" err="1"/>
-              <a:t>playmaster</a:t>
-            </a:r>
-            <a:r>
-              <a:rPr lang="en-US" dirty="0"/>
-              <a:t> is down</a:t>
-            </a:r>
-            <a:br>
-              <a:rPr lang="en-US" dirty="0"/>
-            </a:br>
-            <a:endParaRPr lang="en-US" dirty="0"/>
+              <a:t>Nginx</a:t>
+            </a:r>
           </a:p>
         </p:txBody>
       </p:sp>
@@ -5486,7 +5475,7 @@
           <p:cNvPr id="3" name="Content Placeholder 2">
             <a:extLst>
               <a:ext uri="{FF2B5EF4-FFF2-40B4-BE49-F238E27FC236}">
-                <a16:creationId xmlns:a16="http://schemas.microsoft.com/office/drawing/2014/main" id="{0CFA87F2-5723-4398-BD91-ACB4D905C092}"/>
+                <a16:creationId xmlns:a16="http://schemas.microsoft.com/office/drawing/2014/main" id="{09062427-24B8-45C7-BAB9-2BD54764DBC5}"/>
               </a:ext>
             </a:extLst>
           </p:cNvPr>
@@ -5497,325 +5486,69 @@
             <p:ph idx="1"/>
           </p:nvPr>
         </p:nvSpPr>
-        <p:spPr>
-          <a:xfrm>
-            <a:off x="581193" y="1578864"/>
-            <a:ext cx="11029615" cy="4943856"/>
-          </a:xfrm>
-        </p:spPr>
-        <p:txBody>
-          <a:bodyPr>
-            <a:normAutofit/>
-          </a:bodyPr>
+        <p:spPr/>
+        <p:txBody>
+          <a:bodyPr/>
           <a:lstStyle/>
           <a:p>
             <a:r>
               <a:rPr lang="en-US" dirty="0"/>
-              <a:t>Consider the scenario: “</a:t>
-            </a:r>
-            <a:r>
-              <a:rPr lang="en-US" u="sng" dirty="0" err="1">
-                <a:solidFill>
-                  <a:schemeClr val="accent1">
-                    <a:lumMod val="75000"/>
-                  </a:schemeClr>
-                </a:solidFill>
-              </a:rPr>
-              <a:t>Playmaster</a:t>
-            </a:r>
-            <a:r>
-              <a:rPr lang="en-US" u="sng" dirty="0"/>
-              <a:t> of an active game dies”</a:t>
-            </a:r>
-          </a:p>
-          <a:p>
-            <a:r>
-              <a:rPr lang="en-US" dirty="0"/>
-              <a:t>The followings steps are followed:</a:t>
+              <a:t>Serves static web UI</a:t>
+            </a:r>
+          </a:p>
+          <a:p>
+            <a:r>
+              <a:rPr lang="en-US" dirty="0"/>
+              <a:t>All traffic from the outside world passes through NGINX</a:t>
+            </a:r>
+          </a:p>
+          <a:p>
+            <a:r>
+              <a:rPr lang="en-US" dirty="0"/>
+              <a:t>Used as reverse proxy for:</a:t>
             </a:r>
           </a:p>
           <a:p>
             <a:pPr lvl="1"/>
             <a:r>
-              <a:rPr lang="en-US" dirty="0">
-                <a:solidFill>
-                  <a:schemeClr val="accent5">
-                    <a:lumMod val="75000"/>
-                  </a:schemeClr>
-                </a:solidFill>
-              </a:rPr>
-              <a:t>UI</a:t>
-            </a:r>
-            <a:r>
-              <a:rPr lang="en-US" dirty="0"/>
-              <a:t> socket connection times out ⟶ </a:t>
-            </a:r>
-            <a:r>
-              <a:rPr lang="en-US" dirty="0">
-                <a:solidFill>
-                  <a:schemeClr val="accent5">
-                    <a:lumMod val="75000"/>
-                  </a:schemeClr>
-                </a:solidFill>
-              </a:rPr>
-              <a:t>UI</a:t>
-            </a:r>
-            <a:r>
-              <a:rPr lang="en-US" dirty="0"/>
-              <a:t> detects </a:t>
-            </a:r>
-            <a:r>
-              <a:rPr lang="en-US" dirty="0" err="1">
-                <a:solidFill>
-                  <a:schemeClr val="accent1">
-                    <a:lumMod val="75000"/>
-                  </a:schemeClr>
-                </a:solidFill>
-              </a:rPr>
-              <a:t>Playmaster</a:t>
-            </a:r>
-            <a:r>
-              <a:rPr lang="en-US" dirty="0"/>
-              <a:t> is down</a:t>
+              <a:rPr lang="en-US" dirty="0"/>
+              <a:t>Connection with </a:t>
+            </a:r>
+            <a:r>
+              <a:rPr lang="en-US" dirty="0" err="1"/>
+              <a:t>playmaster</a:t>
+            </a:r>
+            <a:r>
+              <a:rPr lang="en-US" dirty="0"/>
+              <a:t> (</a:t>
+            </a:r>
+            <a:r>
+              <a:rPr lang="en-US" dirty="0" err="1"/>
+              <a:t>sockets+REST</a:t>
+            </a:r>
+            <a:r>
+              <a:rPr lang="en-US" dirty="0"/>
+              <a:t>)</a:t>
             </a:r>
           </a:p>
           <a:p>
             <a:pPr lvl="1"/>
             <a:r>
-              <a:rPr lang="en-US" dirty="0">
-                <a:solidFill>
-                  <a:schemeClr val="accent5">
-                    <a:lumMod val="75000"/>
-                  </a:schemeClr>
-                </a:solidFill>
-              </a:rPr>
-              <a:t>UI</a:t>
-            </a:r>
-            <a:r>
-              <a:rPr lang="en-US" dirty="0"/>
-              <a:t> requests from </a:t>
-            </a:r>
-            <a:r>
-              <a:rPr lang="en-US" dirty="0">
-                <a:solidFill>
-                  <a:srgbClr val="0070C0"/>
-                </a:solidFill>
-              </a:rPr>
-              <a:t>Gamemaster</a:t>
-            </a:r>
-            <a:r>
-              <a:rPr lang="en-US" dirty="0"/>
-              <a:t> to re-join the game</a:t>
+              <a:rPr lang="en-US" dirty="0"/>
+              <a:t>Connection with Gamemaster</a:t>
             </a:r>
           </a:p>
           <a:p>
             <a:pPr lvl="1"/>
             <a:r>
-              <a:rPr lang="en-US" dirty="0">
-                <a:solidFill>
-                  <a:srgbClr val="0070C0"/>
-                </a:solidFill>
-              </a:rPr>
-              <a:t>Gamemaster</a:t>
-            </a:r>
-            <a:r>
-              <a:rPr lang="en-US" dirty="0"/>
-              <a:t> checks zookeeper to ensure </a:t>
-            </a:r>
-            <a:r>
-              <a:rPr lang="en-US" dirty="0" err="1">
-                <a:solidFill>
-                  <a:schemeClr val="accent1">
-                    <a:lumMod val="75000"/>
-                  </a:schemeClr>
-                </a:solidFill>
-              </a:rPr>
-              <a:t>Playmaster</a:t>
-            </a:r>
-            <a:r>
-              <a:rPr lang="en-US" dirty="0"/>
-              <a:t> is dead</a:t>
-            </a:r>
-          </a:p>
-          <a:p>
-            <a:pPr lvl="1"/>
-            <a:r>
-              <a:rPr lang="en-US" dirty="0">
-                <a:solidFill>
-                  <a:srgbClr val="0070C0"/>
-                </a:solidFill>
-              </a:rPr>
-              <a:t>Gamemaster </a:t>
-            </a:r>
-            <a:r>
-              <a:rPr lang="en-US" dirty="0"/>
-              <a:t>queries zookeeper to get a new </a:t>
-            </a:r>
-            <a:r>
-              <a:rPr lang="en-US" dirty="0" err="1">
-                <a:solidFill>
-                  <a:schemeClr val="accent1">
-                    <a:lumMod val="75000"/>
-                  </a:schemeClr>
-                </a:solidFill>
-              </a:rPr>
-              <a:t>Playmaster</a:t>
-            </a:r>
-            <a:r>
-              <a:rPr lang="el-GR" dirty="0">
-                <a:solidFill>
-                  <a:schemeClr val="accent1">
-                    <a:lumMod val="75000"/>
-                  </a:schemeClr>
-                </a:solidFill>
-              </a:rPr>
-              <a:t> </a:t>
-            </a:r>
-            <a:r>
-              <a:rPr lang="en-US" dirty="0">
-                <a:solidFill>
-                  <a:schemeClr val="tx1"/>
-                </a:solidFill>
-              </a:rPr>
-              <a:t>(with the </a:t>
-            </a:r>
-            <a:r>
-              <a:rPr lang="en-US" u="sng" dirty="0">
-                <a:solidFill>
-                  <a:schemeClr val="tx1"/>
-                </a:solidFill>
-              </a:rPr>
-              <a:t>least active games</a:t>
-            </a:r>
-            <a:r>
-              <a:rPr lang="en-US" dirty="0">
-                <a:solidFill>
-                  <a:schemeClr val="tx1"/>
-                </a:solidFill>
-              </a:rPr>
-              <a:t>)</a:t>
-            </a:r>
-          </a:p>
-          <a:p>
-            <a:pPr lvl="1"/>
-            <a:r>
-              <a:rPr lang="en-US" dirty="0">
-                <a:solidFill>
-                  <a:srgbClr val="0070C0"/>
-                </a:solidFill>
-              </a:rPr>
-              <a:t>Gamemaster </a:t>
-            </a:r>
-            <a:r>
-              <a:rPr lang="en-US" dirty="0"/>
-              <a:t>returns the new </a:t>
-            </a:r>
-            <a:r>
-              <a:rPr lang="en-US" dirty="0" err="1">
-                <a:solidFill>
-                  <a:schemeClr val="accent1">
-                    <a:lumMod val="75000"/>
-                  </a:schemeClr>
-                </a:solidFill>
-              </a:rPr>
-              <a:t>Playmaster</a:t>
-            </a:r>
-            <a:endParaRPr lang="el-GR" dirty="0">
-              <a:solidFill>
-                <a:schemeClr val="accent1">
-                  <a:lumMod val="75000"/>
-                </a:schemeClr>
-              </a:solidFill>
-            </a:endParaRPr>
-          </a:p>
-          <a:p>
-            <a:pPr lvl="1"/>
-            <a:r>
-              <a:rPr lang="en-US" dirty="0"/>
-              <a:t>Users join the new </a:t>
-            </a:r>
-            <a:r>
-              <a:rPr lang="en-US" dirty="0" err="1">
-                <a:solidFill>
-                  <a:schemeClr val="accent1">
-                    <a:lumMod val="75000"/>
-                  </a:schemeClr>
-                </a:solidFill>
-              </a:rPr>
-              <a:t>Playmaster</a:t>
-            </a:r>
-            <a:endParaRPr lang="en-US" dirty="0">
-              <a:solidFill>
-                <a:schemeClr val="accent1">
-                  <a:lumMod val="75000"/>
-                </a:schemeClr>
-              </a:solidFill>
-            </a:endParaRPr>
-          </a:p>
-          <a:p>
-            <a:pPr lvl="1"/>
-            <a:r>
-              <a:rPr lang="en-US" dirty="0"/>
-              <a:t>The new </a:t>
-            </a:r>
-            <a:r>
-              <a:rPr lang="en-US" dirty="0" err="1">
-                <a:solidFill>
-                  <a:schemeClr val="accent1">
-                    <a:lumMod val="75000"/>
-                  </a:schemeClr>
-                </a:solidFill>
-              </a:rPr>
-              <a:t>Playmaster</a:t>
-            </a:r>
-            <a:r>
-              <a:rPr lang="en-US" dirty="0">
-                <a:solidFill>
-                  <a:schemeClr val="accent1">
-                    <a:lumMod val="75000"/>
-                  </a:schemeClr>
-                </a:solidFill>
-              </a:rPr>
-              <a:t> </a:t>
-            </a:r>
-            <a:r>
-              <a:rPr lang="en-US" dirty="0">
-                <a:solidFill>
-                  <a:schemeClr val="tx1"/>
-                </a:solidFill>
-              </a:rPr>
-              <a:t>loads the game from the shared </a:t>
-            </a:r>
-            <a:r>
-              <a:rPr lang="en-US" dirty="0">
-                <a:solidFill>
-                  <a:srgbClr val="00B050"/>
-                </a:solidFill>
-              </a:rPr>
-              <a:t>MongoDB</a:t>
-            </a:r>
-            <a:r>
-              <a:rPr lang="en-US" dirty="0">
-                <a:solidFill>
-                  <a:schemeClr val="tx1"/>
-                </a:solidFill>
-              </a:rPr>
-              <a:t> cluster</a:t>
-            </a:r>
+              <a:rPr lang="en-US" dirty="0"/>
+              <a:t>Authentication service</a:t>
+            </a:r>
+          </a:p>
+          <a:p>
             <a:endParaRPr lang="en-US" dirty="0"/>
           </a:p>
           <a:p>
-            <a:pPr marL="0" indent="0">
-              <a:buNone/>
-            </a:pPr>
-            <a:endParaRPr lang="en-US" dirty="0"/>
-          </a:p>
-          <a:p>
-            <a:pPr lvl="2"/>
-            <a:endParaRPr lang="en-US" dirty="0"/>
-          </a:p>
-          <a:p>
-            <a:pPr lvl="2"/>
             <a:endParaRPr lang="en-US" dirty="0"/>
           </a:p>
         </p:txBody>
@@ -5823,7 +5556,7 @@
     </p:spTree>
     <p:extLst>
       <p:ext uri="{BB962C8B-B14F-4D97-AF65-F5344CB8AC3E}">
-        <p14:creationId xmlns:p14="http://schemas.microsoft.com/office/powerpoint/2010/main" val="2828401449"/>
+        <p14:creationId xmlns:p14="http://schemas.microsoft.com/office/powerpoint/2010/main" val="4292305343"/>
       </p:ext>
     </p:extLst>
   </p:cSld>
@@ -5855,7 +5588,7 @@
           <p:cNvPr id="2" name="Title 1">
             <a:extLst>
               <a:ext uri="{FF2B5EF4-FFF2-40B4-BE49-F238E27FC236}">
-                <a16:creationId xmlns:a16="http://schemas.microsoft.com/office/drawing/2014/main" id="{2A52BDD2-E9F1-4BF2-8BA3-E512FAA57375}"/>
+                <a16:creationId xmlns:a16="http://schemas.microsoft.com/office/drawing/2014/main" id="{8DA089F9-1348-4869-B55A-15C9A31361AF}"/>
               </a:ext>
             </a:extLst>
           </p:cNvPr>
@@ -5866,9 +5599,418 @@
             <p:ph type="title"/>
           </p:nvPr>
         </p:nvSpPr>
+        <p:spPr/>
+        <p:txBody>
+          <a:bodyPr/>
+          <a:lstStyle/>
+          <a:p>
+            <a:r>
+              <a:rPr lang="en-US" dirty="0"/>
+              <a:t>Fault tolerance: </a:t>
+            </a:r>
+            <a:r>
+              <a:rPr lang="en-US" dirty="0" err="1"/>
+              <a:t>playmaster</a:t>
+            </a:r>
+            <a:r>
+              <a:rPr lang="en-US" dirty="0"/>
+              <a:t> is down</a:t>
+            </a:r>
+            <a:br>
+              <a:rPr lang="en-US" dirty="0"/>
+            </a:br>
+            <a:endParaRPr lang="en-US" dirty="0"/>
+          </a:p>
+        </p:txBody>
+      </p:sp>
+      <p:sp>
+        <p:nvSpPr>
+          <p:cNvPr id="3" name="Content Placeholder 2">
+            <a:extLst>
+              <a:ext uri="{FF2B5EF4-FFF2-40B4-BE49-F238E27FC236}">
+                <a16:creationId xmlns:a16="http://schemas.microsoft.com/office/drawing/2014/main" id="{0CFA87F2-5723-4398-BD91-ACB4D905C092}"/>
+              </a:ext>
+            </a:extLst>
+          </p:cNvPr>
+          <p:cNvSpPr>
+            <a:spLocks noGrp="1"/>
+          </p:cNvSpPr>
+          <p:nvPr>
+            <p:ph idx="1"/>
+          </p:nvPr>
+        </p:nvSpPr>
         <p:spPr>
           <a:xfrm>
-            <a:off x="581190" y="1813560"/>
+            <a:off x="581193" y="1578864"/>
+            <a:ext cx="11029615" cy="4943856"/>
+          </a:xfrm>
+        </p:spPr>
+        <p:txBody>
+          <a:bodyPr>
+            <a:normAutofit/>
+          </a:bodyPr>
+          <a:lstStyle/>
+          <a:p>
+            <a:r>
+              <a:rPr lang="en-US" dirty="0"/>
+              <a:t>Consider the scenario: “</a:t>
+            </a:r>
+            <a:r>
+              <a:rPr lang="en-US" u="sng" dirty="0" err="1">
+                <a:solidFill>
+                  <a:schemeClr val="accent1">
+                    <a:lumMod val="75000"/>
+                  </a:schemeClr>
+                </a:solidFill>
+              </a:rPr>
+              <a:t>Playmaster</a:t>
+            </a:r>
+            <a:r>
+              <a:rPr lang="en-US" u="sng" dirty="0"/>
+              <a:t> of an active game dies”</a:t>
+            </a:r>
+          </a:p>
+          <a:p>
+            <a:r>
+              <a:rPr lang="en-US" dirty="0"/>
+              <a:t>The followings steps are followed:</a:t>
+            </a:r>
+          </a:p>
+          <a:p>
+            <a:pPr lvl="1"/>
+            <a:r>
+              <a:rPr lang="en-US" dirty="0">
+                <a:solidFill>
+                  <a:schemeClr val="accent5">
+                    <a:lumMod val="75000"/>
+                  </a:schemeClr>
+                </a:solidFill>
+              </a:rPr>
+              <a:t>UI</a:t>
+            </a:r>
+            <a:r>
+              <a:rPr lang="en-US" dirty="0"/>
+              <a:t> socket connection times out ⟶ </a:t>
+            </a:r>
+            <a:r>
+              <a:rPr lang="en-US" dirty="0">
+                <a:solidFill>
+                  <a:schemeClr val="accent5">
+                    <a:lumMod val="75000"/>
+                  </a:schemeClr>
+                </a:solidFill>
+              </a:rPr>
+              <a:t>UI</a:t>
+            </a:r>
+            <a:r>
+              <a:rPr lang="en-US" dirty="0"/>
+              <a:t> detects </a:t>
+            </a:r>
+            <a:r>
+              <a:rPr lang="en-US" dirty="0" err="1">
+                <a:solidFill>
+                  <a:schemeClr val="accent1">
+                    <a:lumMod val="75000"/>
+                  </a:schemeClr>
+                </a:solidFill>
+              </a:rPr>
+              <a:t>Playmaster</a:t>
+            </a:r>
+            <a:r>
+              <a:rPr lang="en-US" dirty="0"/>
+              <a:t> is down</a:t>
+            </a:r>
+          </a:p>
+          <a:p>
+            <a:pPr lvl="1"/>
+            <a:r>
+              <a:rPr lang="en-US" dirty="0">
+                <a:solidFill>
+                  <a:schemeClr val="accent5">
+                    <a:lumMod val="75000"/>
+                  </a:schemeClr>
+                </a:solidFill>
+              </a:rPr>
+              <a:t>UI</a:t>
+            </a:r>
+            <a:r>
+              <a:rPr lang="en-US" dirty="0"/>
+              <a:t> requests from </a:t>
+            </a:r>
+            <a:r>
+              <a:rPr lang="en-US" dirty="0">
+                <a:solidFill>
+                  <a:srgbClr val="0070C0"/>
+                </a:solidFill>
+              </a:rPr>
+              <a:t>Gamemaster</a:t>
+            </a:r>
+            <a:r>
+              <a:rPr lang="en-US" dirty="0"/>
+              <a:t> to re-join the game</a:t>
+            </a:r>
+          </a:p>
+          <a:p>
+            <a:pPr lvl="1"/>
+            <a:r>
+              <a:rPr lang="en-US" dirty="0">
+                <a:solidFill>
+                  <a:srgbClr val="0070C0"/>
+                </a:solidFill>
+              </a:rPr>
+              <a:t>Gamemaster</a:t>
+            </a:r>
+            <a:r>
+              <a:rPr lang="en-US" dirty="0"/>
+              <a:t> checks zookeeper to ensure </a:t>
+            </a:r>
+            <a:r>
+              <a:rPr lang="en-US" dirty="0" err="1">
+                <a:solidFill>
+                  <a:schemeClr val="accent1">
+                    <a:lumMod val="75000"/>
+                  </a:schemeClr>
+                </a:solidFill>
+              </a:rPr>
+              <a:t>Playmaster</a:t>
+            </a:r>
+            <a:r>
+              <a:rPr lang="en-US" dirty="0"/>
+              <a:t> is dead</a:t>
+            </a:r>
+          </a:p>
+          <a:p>
+            <a:pPr lvl="1"/>
+            <a:r>
+              <a:rPr lang="en-US" dirty="0">
+                <a:solidFill>
+                  <a:srgbClr val="0070C0"/>
+                </a:solidFill>
+              </a:rPr>
+              <a:t>Gamemaster </a:t>
+            </a:r>
+            <a:r>
+              <a:rPr lang="en-US" dirty="0"/>
+              <a:t>queries zookeeper to get a new </a:t>
+            </a:r>
+            <a:r>
+              <a:rPr lang="en-US" dirty="0" err="1">
+                <a:solidFill>
+                  <a:schemeClr val="accent1">
+                    <a:lumMod val="75000"/>
+                  </a:schemeClr>
+                </a:solidFill>
+              </a:rPr>
+              <a:t>Playmaster</a:t>
+            </a:r>
+            <a:r>
+              <a:rPr lang="el-GR" dirty="0">
+                <a:solidFill>
+                  <a:schemeClr val="accent1">
+                    <a:lumMod val="75000"/>
+                  </a:schemeClr>
+                </a:solidFill>
+              </a:rPr>
+              <a:t> </a:t>
+            </a:r>
+            <a:r>
+              <a:rPr lang="en-US" dirty="0">
+                <a:solidFill>
+                  <a:schemeClr val="tx1"/>
+                </a:solidFill>
+              </a:rPr>
+              <a:t>(with the </a:t>
+            </a:r>
+            <a:r>
+              <a:rPr lang="en-US" u="sng" dirty="0">
+                <a:solidFill>
+                  <a:schemeClr val="tx1"/>
+                </a:solidFill>
+              </a:rPr>
+              <a:t>least active games</a:t>
+            </a:r>
+            <a:r>
+              <a:rPr lang="en-US" dirty="0">
+                <a:solidFill>
+                  <a:schemeClr val="tx1"/>
+                </a:solidFill>
+              </a:rPr>
+              <a:t>)</a:t>
+            </a:r>
+          </a:p>
+          <a:p>
+            <a:pPr lvl="1"/>
+            <a:r>
+              <a:rPr lang="en-US" dirty="0">
+                <a:solidFill>
+                  <a:srgbClr val="0070C0"/>
+                </a:solidFill>
+              </a:rPr>
+              <a:t>Gamemaster </a:t>
+            </a:r>
+            <a:r>
+              <a:rPr lang="en-US" dirty="0"/>
+              <a:t>returns the new </a:t>
+            </a:r>
+            <a:r>
+              <a:rPr lang="en-US" dirty="0" err="1">
+                <a:solidFill>
+                  <a:schemeClr val="accent1">
+                    <a:lumMod val="75000"/>
+                  </a:schemeClr>
+                </a:solidFill>
+              </a:rPr>
+              <a:t>Playmaster</a:t>
+            </a:r>
+            <a:endParaRPr lang="el-GR" dirty="0">
+              <a:solidFill>
+                <a:schemeClr val="accent1">
+                  <a:lumMod val="75000"/>
+                </a:schemeClr>
+              </a:solidFill>
+            </a:endParaRPr>
+          </a:p>
+          <a:p>
+            <a:pPr lvl="1"/>
+            <a:r>
+              <a:rPr lang="en-US" dirty="0"/>
+              <a:t>Users join the new </a:t>
+            </a:r>
+            <a:r>
+              <a:rPr lang="en-US" dirty="0" err="1">
+                <a:solidFill>
+                  <a:schemeClr val="accent1">
+                    <a:lumMod val="75000"/>
+                  </a:schemeClr>
+                </a:solidFill>
+              </a:rPr>
+              <a:t>Playmaster</a:t>
+            </a:r>
+            <a:endParaRPr lang="en-US" dirty="0">
+              <a:solidFill>
+                <a:schemeClr val="accent1">
+                  <a:lumMod val="75000"/>
+                </a:schemeClr>
+              </a:solidFill>
+            </a:endParaRPr>
+          </a:p>
+          <a:p>
+            <a:pPr lvl="1"/>
+            <a:r>
+              <a:rPr lang="en-US" dirty="0"/>
+              <a:t>The new </a:t>
+            </a:r>
+            <a:r>
+              <a:rPr lang="en-US" dirty="0" err="1">
+                <a:solidFill>
+                  <a:schemeClr val="accent1">
+                    <a:lumMod val="75000"/>
+                  </a:schemeClr>
+                </a:solidFill>
+              </a:rPr>
+              <a:t>Playmaster</a:t>
+            </a:r>
+            <a:r>
+              <a:rPr lang="en-US" dirty="0">
+                <a:solidFill>
+                  <a:schemeClr val="accent1">
+                    <a:lumMod val="75000"/>
+                  </a:schemeClr>
+                </a:solidFill>
+              </a:rPr>
+              <a:t> </a:t>
+            </a:r>
+            <a:r>
+              <a:rPr lang="en-US" dirty="0">
+                <a:solidFill>
+                  <a:schemeClr val="tx1"/>
+                </a:solidFill>
+              </a:rPr>
+              <a:t>loads the game from the shared </a:t>
+            </a:r>
+            <a:r>
+              <a:rPr lang="en-US" dirty="0">
+                <a:solidFill>
+                  <a:srgbClr val="00B050"/>
+                </a:solidFill>
+              </a:rPr>
+              <a:t>MongoDB</a:t>
+            </a:r>
+            <a:r>
+              <a:rPr lang="en-US" dirty="0">
+                <a:solidFill>
+                  <a:schemeClr val="tx1"/>
+                </a:solidFill>
+              </a:rPr>
+              <a:t> cluster</a:t>
+            </a:r>
+            <a:endParaRPr lang="en-US" dirty="0"/>
+          </a:p>
+          <a:p>
+            <a:pPr marL="0" indent="0">
+              <a:buNone/>
+            </a:pPr>
+            <a:endParaRPr lang="en-US" dirty="0"/>
+          </a:p>
+          <a:p>
+            <a:pPr lvl="2"/>
+            <a:endParaRPr lang="en-US" dirty="0"/>
+          </a:p>
+          <a:p>
+            <a:pPr lvl="2"/>
+            <a:endParaRPr lang="en-US" dirty="0"/>
+          </a:p>
+        </p:txBody>
+      </p:sp>
+    </p:spTree>
+    <p:extLst>
+      <p:ext uri="{BB962C8B-B14F-4D97-AF65-F5344CB8AC3E}">
+        <p14:creationId xmlns:p14="http://schemas.microsoft.com/office/powerpoint/2010/main" val="2828401449"/>
+      </p:ext>
+    </p:extLst>
+  </p:cSld>
+  <p:clrMapOvr>
+    <a:masterClrMapping/>
+  </p:clrMapOvr>
+</p:sld>
+</file>
+
+<file path=ppt/slides/slide15.xml><?xml version="1.0" encoding="utf-8"?>
+<p:sld xmlns:a="http://schemas.openxmlformats.org/drawingml/2006/main" xmlns:r="http://schemas.openxmlformats.org/officeDocument/2006/relationships" xmlns:p="http://schemas.openxmlformats.org/presentationml/2006/main">
+  <p:cSld>
+    <p:spTree>
+      <p:nvGrpSpPr>
+        <p:cNvPr id="1" name=""/>
+        <p:cNvGrpSpPr/>
+        <p:nvPr/>
+      </p:nvGrpSpPr>
+      <p:grpSpPr>
+        <a:xfrm>
+          <a:off x="0" y="0"/>
+          <a:ext cx="0" cy="0"/>
+          <a:chOff x="0" y="0"/>
+          <a:chExt cx="0" cy="0"/>
+        </a:xfrm>
+      </p:grpSpPr>
+      <p:sp>
+        <p:nvSpPr>
+          <p:cNvPr id="2" name="Title 1">
+            <a:extLst>
+              <a:ext uri="{FF2B5EF4-FFF2-40B4-BE49-F238E27FC236}">
+                <a16:creationId xmlns:a16="http://schemas.microsoft.com/office/drawing/2014/main" id="{2A52BDD2-E9F1-4BF2-8BA3-E512FAA57375}"/>
+              </a:ext>
+            </a:extLst>
+          </p:cNvPr>
+          <p:cNvSpPr>
+            <a:spLocks noGrp="1"/>
+          </p:cNvSpPr>
+          <p:nvPr>
+            <p:ph type="title"/>
+          </p:nvPr>
+        </p:nvSpPr>
+        <p:spPr>
+          <a:xfrm>
+            <a:off x="581191" y="1943100"/>
             <a:ext cx="11029616" cy="603096"/>
           </a:xfrm>
         </p:spPr>

--- a/presentation/Distributed.pptx
+++ b/presentation/Distributed.pptx
@@ -15,11 +15,12 @@
     <p:sldId id="263" r:id="rId9"/>
     <p:sldId id="264" r:id="rId10"/>
     <p:sldId id="265" r:id="rId11"/>
-    <p:sldId id="268" r:id="rId12"/>
-    <p:sldId id="269" r:id="rId13"/>
-    <p:sldId id="272" r:id="rId14"/>
-    <p:sldId id="266" r:id="rId15"/>
-    <p:sldId id="271" r:id="rId16"/>
+    <p:sldId id="266" r:id="rId12"/>
+    <p:sldId id="268" r:id="rId13"/>
+    <p:sldId id="269" r:id="rId14"/>
+    <p:sldId id="272" r:id="rId15"/>
+    <p:sldId id="273" r:id="rId16"/>
+    <p:sldId id="271" r:id="rId17"/>
   </p:sldIdLst>
   <p:sldSz cx="12192000" cy="6858000"/>
   <p:notesSz cx="6858000" cy="9144000"/>
@@ -364,7 +365,7 @@
           <a:p>
             <a:fld id="{ED291B17-9318-49DB-B28B-6E5994AE9581}" type="datetime1">
               <a:rPr lang="en-US" smtClean="0"/>
-              <a:t>5/26/2020</a:t>
+              <a:t>5/28/2020</a:t>
             </a:fld>
             <a:endParaRPr lang="en-US" dirty="0"/>
           </a:p>
@@ -567,7 +568,7 @@
           <a:p>
             <a:fld id="{2CED4963-E985-44C4-B8C4-FDD613B7C2F8}" type="datetime1">
               <a:rPr lang="en-US" smtClean="0"/>
-              <a:t>5/26/2020</a:t>
+              <a:t>5/28/2020</a:t>
             </a:fld>
             <a:endParaRPr lang="en-US" dirty="0"/>
           </a:p>
@@ -929,7 +930,7 @@
           <a:p>
             <a:fld id="{ED291B17-9318-49DB-B28B-6E5994AE9581}" type="datetime1">
               <a:rPr lang="en-US" smtClean="0"/>
-              <a:t>5/26/2020</a:t>
+              <a:t>5/28/2020</a:t>
             </a:fld>
             <a:endParaRPr lang="en-US" dirty="0"/>
           </a:p>
@@ -1127,7 +1128,7 @@
           <a:p>
             <a:fld id="{78DD82B9-B8EE-4375-B6FF-88FA6ABB15D9}" type="datetime1">
               <a:rPr lang="en-US" smtClean="0"/>
-              <a:t>5/26/2020</a:t>
+              <a:t>5/28/2020</a:t>
             </a:fld>
             <a:endParaRPr lang="en-US" dirty="0"/>
           </a:p>
@@ -1439,7 +1440,7 @@
           <a:p>
             <a:fld id="{B2497495-0637-405E-AE64-5CC7506D51F5}" type="datetime1">
               <a:rPr lang="en-US" smtClean="0"/>
-              <a:t>5/26/2020</a:t>
+              <a:t>5/28/2020</a:t>
             </a:fld>
             <a:endParaRPr lang="en-US" dirty="0"/>
           </a:p>
@@ -1692,7 +1693,7 @@
           <a:p>
             <a:fld id="{7BFFD690-9426-415D-8B65-26881E07B2D4}" type="datetime1">
               <a:rPr lang="en-US" smtClean="0"/>
-              <a:t>5/26/2020</a:t>
+              <a:t>5/28/2020</a:t>
             </a:fld>
             <a:endParaRPr lang="en-US" dirty="0"/>
           </a:p>
@@ -2114,7 +2115,7 @@
           <a:p>
             <a:fld id="{04C4989A-474C-40DE-95B9-011C28B71673}" type="datetime1">
               <a:rPr lang="en-US" smtClean="0"/>
-              <a:t>5/26/2020</a:t>
+              <a:t>5/28/2020</a:t>
             </a:fld>
             <a:endParaRPr lang="en-US" dirty="0"/>
           </a:p>
@@ -2237,7 +2238,7 @@
           <a:p>
             <a:fld id="{5DB4ED54-5B5E-4A04-93D3-5772E3CE3818}" type="datetime1">
               <a:rPr lang="en-US" smtClean="0"/>
-              <a:t>5/26/2020</a:t>
+              <a:t>5/28/2020</a:t>
             </a:fld>
             <a:endParaRPr lang="en-US" dirty="0"/>
           </a:p>
@@ -2332,7 +2333,7 @@
           <a:p>
             <a:fld id="{4EDE50D6-574B-40AF-946F-D52A04ADE379}" type="datetime1">
               <a:rPr lang="en-US" smtClean="0"/>
-              <a:t>5/26/2020</a:t>
+              <a:t>5/28/2020</a:t>
             </a:fld>
             <a:endParaRPr lang="en-US" dirty="0"/>
           </a:p>
@@ -2709,7 +2710,7 @@
           <a:p>
             <a:fld id="{D82884F1-FFEA-405F-9602-3DCA865EDA4E}" type="datetime1">
               <a:rPr lang="en-US" smtClean="0"/>
-              <a:t>5/26/2020</a:t>
+              <a:t>5/28/2020</a:t>
             </a:fld>
             <a:endParaRPr lang="en-US" dirty="0"/>
           </a:p>
@@ -3002,7 +3003,7 @@
           <a:p>
             <a:fld id="{7E18DB4A-8810-4A10-AD5C-D5E2C667F5B3}" type="datetime1">
               <a:rPr lang="en-US" smtClean="0"/>
-              <a:t>5/26/2020</a:t>
+              <a:t>5/28/2020</a:t>
             </a:fld>
             <a:endParaRPr lang="en-US" dirty="0"/>
           </a:p>
@@ -3217,7 +3218,7 @@
           <a:p>
             <a:fld id="{ED291B17-9318-49DB-B28B-6E5994AE9581}" type="datetime1">
               <a:rPr lang="en-US" smtClean="0"/>
-              <a:t>5/26/2020</a:t>
+              <a:t>5/28/2020</a:t>
             </a:fld>
             <a:endParaRPr lang="en-US" dirty="0"/>
           </a:p>
@@ -4391,6 +4392,17 @@
           <a:p>
             <a:pPr lvl="1"/>
             <a:r>
+              <a:rPr lang="en-US" dirty="0" err="1"/>
+              <a:t>Playmaster</a:t>
+            </a:r>
+            <a:r>
+              <a:rPr lang="en-US" dirty="0"/>
+              <a:t> IP suffix</a:t>
+            </a:r>
+          </a:p>
+          <a:p>
+            <a:pPr lvl="1"/>
+            <a:r>
               <a:rPr lang="en-US" dirty="0"/>
               <a:t>Number of active games</a:t>
             </a:r>
@@ -4537,6 +4549,415 @@
           <p:cNvPr id="2" name="Title 1">
             <a:extLst>
               <a:ext uri="{FF2B5EF4-FFF2-40B4-BE49-F238E27FC236}">
+                <a16:creationId xmlns:a16="http://schemas.microsoft.com/office/drawing/2014/main" id="{8DA089F9-1348-4869-B55A-15C9A31361AF}"/>
+              </a:ext>
+            </a:extLst>
+          </p:cNvPr>
+          <p:cNvSpPr>
+            <a:spLocks noGrp="1"/>
+          </p:cNvSpPr>
+          <p:nvPr>
+            <p:ph type="title"/>
+          </p:nvPr>
+        </p:nvSpPr>
+        <p:spPr/>
+        <p:txBody>
+          <a:bodyPr/>
+          <a:lstStyle/>
+          <a:p>
+            <a:r>
+              <a:rPr lang="en-US" dirty="0"/>
+              <a:t>Fault tolerance: </a:t>
+            </a:r>
+            <a:r>
+              <a:rPr lang="en-US" dirty="0" err="1"/>
+              <a:t>playmaster</a:t>
+            </a:r>
+            <a:r>
+              <a:rPr lang="en-US" dirty="0"/>
+              <a:t> is down</a:t>
+            </a:r>
+            <a:br>
+              <a:rPr lang="en-US" dirty="0"/>
+            </a:br>
+            <a:endParaRPr lang="en-US" dirty="0"/>
+          </a:p>
+        </p:txBody>
+      </p:sp>
+      <p:sp>
+        <p:nvSpPr>
+          <p:cNvPr id="3" name="Content Placeholder 2">
+            <a:extLst>
+              <a:ext uri="{FF2B5EF4-FFF2-40B4-BE49-F238E27FC236}">
+                <a16:creationId xmlns:a16="http://schemas.microsoft.com/office/drawing/2014/main" id="{0CFA87F2-5723-4398-BD91-ACB4D905C092}"/>
+              </a:ext>
+            </a:extLst>
+          </p:cNvPr>
+          <p:cNvSpPr>
+            <a:spLocks noGrp="1"/>
+          </p:cNvSpPr>
+          <p:nvPr>
+            <p:ph idx="1"/>
+          </p:nvPr>
+        </p:nvSpPr>
+        <p:spPr>
+          <a:xfrm>
+            <a:off x="581193" y="1578864"/>
+            <a:ext cx="11029615" cy="4943856"/>
+          </a:xfrm>
+        </p:spPr>
+        <p:txBody>
+          <a:bodyPr>
+            <a:normAutofit/>
+          </a:bodyPr>
+          <a:lstStyle/>
+          <a:p>
+            <a:r>
+              <a:rPr lang="en-US" dirty="0"/>
+              <a:t>Consider the scenario: “</a:t>
+            </a:r>
+            <a:r>
+              <a:rPr lang="en-US" u="sng" dirty="0" err="1">
+                <a:solidFill>
+                  <a:schemeClr val="accent1">
+                    <a:lumMod val="75000"/>
+                  </a:schemeClr>
+                </a:solidFill>
+              </a:rPr>
+              <a:t>Playmaster</a:t>
+            </a:r>
+            <a:r>
+              <a:rPr lang="en-US" u="sng" dirty="0"/>
+              <a:t> of an active game dies”</a:t>
+            </a:r>
+          </a:p>
+          <a:p>
+            <a:r>
+              <a:rPr lang="en-US" dirty="0"/>
+              <a:t>The followings steps are followed:</a:t>
+            </a:r>
+          </a:p>
+          <a:p>
+            <a:pPr lvl="1"/>
+            <a:r>
+              <a:rPr lang="en-US" dirty="0">
+                <a:solidFill>
+                  <a:schemeClr val="accent5">
+                    <a:lumMod val="75000"/>
+                  </a:schemeClr>
+                </a:solidFill>
+              </a:rPr>
+              <a:t>UI</a:t>
+            </a:r>
+            <a:r>
+              <a:rPr lang="en-US" dirty="0"/>
+              <a:t> socket connection times out ⟶ </a:t>
+            </a:r>
+            <a:r>
+              <a:rPr lang="en-US" dirty="0">
+                <a:solidFill>
+                  <a:schemeClr val="accent5">
+                    <a:lumMod val="75000"/>
+                  </a:schemeClr>
+                </a:solidFill>
+              </a:rPr>
+              <a:t>UI</a:t>
+            </a:r>
+            <a:r>
+              <a:rPr lang="en-US" dirty="0"/>
+              <a:t> detects </a:t>
+            </a:r>
+            <a:r>
+              <a:rPr lang="en-US" dirty="0" err="1">
+                <a:solidFill>
+                  <a:schemeClr val="accent1">
+                    <a:lumMod val="75000"/>
+                  </a:schemeClr>
+                </a:solidFill>
+              </a:rPr>
+              <a:t>Playmaster</a:t>
+            </a:r>
+            <a:r>
+              <a:rPr lang="en-US" dirty="0"/>
+              <a:t> is down</a:t>
+            </a:r>
+          </a:p>
+          <a:p>
+            <a:pPr lvl="1"/>
+            <a:r>
+              <a:rPr lang="en-US" dirty="0">
+                <a:solidFill>
+                  <a:schemeClr val="accent5">
+                    <a:lumMod val="75000"/>
+                  </a:schemeClr>
+                </a:solidFill>
+              </a:rPr>
+              <a:t>UI</a:t>
+            </a:r>
+            <a:r>
+              <a:rPr lang="en-US" dirty="0"/>
+              <a:t> requests from </a:t>
+            </a:r>
+            <a:r>
+              <a:rPr lang="en-US" dirty="0">
+                <a:solidFill>
+                  <a:srgbClr val="0070C0"/>
+                </a:solidFill>
+              </a:rPr>
+              <a:t>Gamemaster</a:t>
+            </a:r>
+            <a:r>
+              <a:rPr lang="en-US" dirty="0"/>
+              <a:t> to re-join the game</a:t>
+            </a:r>
+          </a:p>
+          <a:p>
+            <a:pPr lvl="1"/>
+            <a:r>
+              <a:rPr lang="en-US" dirty="0">
+                <a:solidFill>
+                  <a:srgbClr val="0070C0"/>
+                </a:solidFill>
+              </a:rPr>
+              <a:t>Gamemaster</a:t>
+            </a:r>
+            <a:r>
+              <a:rPr lang="en-US" dirty="0"/>
+              <a:t> checks zookeeper to ensure </a:t>
+            </a:r>
+            <a:r>
+              <a:rPr lang="en-US" dirty="0" err="1">
+                <a:solidFill>
+                  <a:schemeClr val="accent1">
+                    <a:lumMod val="75000"/>
+                  </a:schemeClr>
+                </a:solidFill>
+              </a:rPr>
+              <a:t>Playmaster</a:t>
+            </a:r>
+            <a:r>
+              <a:rPr lang="en-US" dirty="0"/>
+              <a:t> is dead</a:t>
+            </a:r>
+          </a:p>
+          <a:p>
+            <a:pPr lvl="1"/>
+            <a:r>
+              <a:rPr lang="en-US" dirty="0">
+                <a:solidFill>
+                  <a:srgbClr val="0070C0"/>
+                </a:solidFill>
+              </a:rPr>
+              <a:t>Gamemaster </a:t>
+            </a:r>
+            <a:r>
+              <a:rPr lang="en-US" dirty="0"/>
+              <a:t>queries zookeeper to get a new </a:t>
+            </a:r>
+            <a:r>
+              <a:rPr lang="en-US" dirty="0" err="1">
+                <a:solidFill>
+                  <a:schemeClr val="accent1">
+                    <a:lumMod val="75000"/>
+                  </a:schemeClr>
+                </a:solidFill>
+              </a:rPr>
+              <a:t>Playmaster</a:t>
+            </a:r>
+            <a:r>
+              <a:rPr lang="el-GR" dirty="0">
+                <a:solidFill>
+                  <a:schemeClr val="accent1">
+                    <a:lumMod val="75000"/>
+                  </a:schemeClr>
+                </a:solidFill>
+              </a:rPr>
+              <a:t> </a:t>
+            </a:r>
+            <a:r>
+              <a:rPr lang="en-US" dirty="0">
+                <a:solidFill>
+                  <a:schemeClr val="tx1"/>
+                </a:solidFill>
+              </a:rPr>
+              <a:t>(with the </a:t>
+            </a:r>
+            <a:r>
+              <a:rPr lang="en-US" u="sng" dirty="0">
+                <a:solidFill>
+                  <a:schemeClr val="tx1"/>
+                </a:solidFill>
+              </a:rPr>
+              <a:t>least active games</a:t>
+            </a:r>
+            <a:r>
+              <a:rPr lang="en-US" dirty="0">
+                <a:solidFill>
+                  <a:schemeClr val="tx1"/>
+                </a:solidFill>
+              </a:rPr>
+              <a:t>)</a:t>
+            </a:r>
+          </a:p>
+          <a:p>
+            <a:pPr lvl="1"/>
+            <a:r>
+              <a:rPr lang="en-US" dirty="0">
+                <a:solidFill>
+                  <a:srgbClr val="0070C0"/>
+                </a:solidFill>
+              </a:rPr>
+              <a:t>Gamemaster </a:t>
+            </a:r>
+            <a:r>
+              <a:rPr lang="en-US" dirty="0"/>
+              <a:t>returns the new </a:t>
+            </a:r>
+            <a:r>
+              <a:rPr lang="en-US" dirty="0" err="1">
+                <a:solidFill>
+                  <a:schemeClr val="accent1">
+                    <a:lumMod val="75000"/>
+                  </a:schemeClr>
+                </a:solidFill>
+              </a:rPr>
+              <a:t>Playmaster</a:t>
+            </a:r>
+            <a:endParaRPr lang="el-GR" dirty="0">
+              <a:solidFill>
+                <a:schemeClr val="accent1">
+                  <a:lumMod val="75000"/>
+                </a:schemeClr>
+              </a:solidFill>
+            </a:endParaRPr>
+          </a:p>
+          <a:p>
+            <a:pPr lvl="1"/>
+            <a:r>
+              <a:rPr lang="en-US" dirty="0"/>
+              <a:t>Users join the new </a:t>
+            </a:r>
+            <a:r>
+              <a:rPr lang="en-US" dirty="0" err="1">
+                <a:solidFill>
+                  <a:schemeClr val="accent1">
+                    <a:lumMod val="75000"/>
+                  </a:schemeClr>
+                </a:solidFill>
+              </a:rPr>
+              <a:t>Playmaster</a:t>
+            </a:r>
+            <a:endParaRPr lang="en-US" dirty="0">
+              <a:solidFill>
+                <a:schemeClr val="accent1">
+                  <a:lumMod val="75000"/>
+                </a:schemeClr>
+              </a:solidFill>
+            </a:endParaRPr>
+          </a:p>
+          <a:p>
+            <a:pPr lvl="1"/>
+            <a:r>
+              <a:rPr lang="en-US" dirty="0"/>
+              <a:t>The new </a:t>
+            </a:r>
+            <a:r>
+              <a:rPr lang="en-US" dirty="0" err="1">
+                <a:solidFill>
+                  <a:schemeClr val="accent1">
+                    <a:lumMod val="75000"/>
+                  </a:schemeClr>
+                </a:solidFill>
+              </a:rPr>
+              <a:t>Playmaster</a:t>
+            </a:r>
+            <a:r>
+              <a:rPr lang="en-US" dirty="0">
+                <a:solidFill>
+                  <a:schemeClr val="accent1">
+                    <a:lumMod val="75000"/>
+                  </a:schemeClr>
+                </a:solidFill>
+              </a:rPr>
+              <a:t> </a:t>
+            </a:r>
+            <a:r>
+              <a:rPr lang="en-US" dirty="0">
+                <a:solidFill>
+                  <a:schemeClr val="tx1"/>
+                </a:solidFill>
+              </a:rPr>
+              <a:t>loads the game from the shared </a:t>
+            </a:r>
+            <a:r>
+              <a:rPr lang="en-US" dirty="0">
+                <a:solidFill>
+                  <a:srgbClr val="00B050"/>
+                </a:solidFill>
+              </a:rPr>
+              <a:t>MongoDB</a:t>
+            </a:r>
+            <a:r>
+              <a:rPr lang="en-US" dirty="0">
+                <a:solidFill>
+                  <a:schemeClr val="tx1"/>
+                </a:solidFill>
+              </a:rPr>
+              <a:t> cluster</a:t>
+            </a:r>
+            <a:endParaRPr lang="en-US" dirty="0"/>
+          </a:p>
+          <a:p>
+            <a:pPr marL="0" indent="0">
+              <a:buNone/>
+            </a:pPr>
+            <a:endParaRPr lang="en-US" dirty="0"/>
+          </a:p>
+          <a:p>
+            <a:pPr lvl="2"/>
+            <a:endParaRPr lang="en-US" dirty="0"/>
+          </a:p>
+          <a:p>
+            <a:pPr lvl="2"/>
+            <a:endParaRPr lang="en-US" dirty="0"/>
+          </a:p>
+        </p:txBody>
+      </p:sp>
+    </p:spTree>
+    <p:extLst>
+      <p:ext uri="{BB962C8B-B14F-4D97-AF65-F5344CB8AC3E}">
+        <p14:creationId xmlns:p14="http://schemas.microsoft.com/office/powerpoint/2010/main" val="2828401449"/>
+      </p:ext>
+    </p:extLst>
+  </p:cSld>
+  <p:clrMapOvr>
+    <a:masterClrMapping/>
+  </p:clrMapOvr>
+</p:sld>
+</file>
+
+<file path=ppt/slides/slide12.xml><?xml version="1.0" encoding="utf-8"?>
+<p:sld xmlns:a="http://schemas.openxmlformats.org/drawingml/2006/main" xmlns:r="http://schemas.openxmlformats.org/officeDocument/2006/relationships" xmlns:p="http://schemas.openxmlformats.org/presentationml/2006/main">
+  <p:cSld>
+    <p:spTree>
+      <p:nvGrpSpPr>
+        <p:cNvPr id="1" name=""/>
+        <p:cNvGrpSpPr/>
+        <p:nvPr/>
+      </p:nvGrpSpPr>
+      <p:grpSpPr>
+        <a:xfrm>
+          <a:off x="0" y="0"/>
+          <a:ext cx="0" cy="0"/>
+          <a:chOff x="0" y="0"/>
+          <a:chExt cx="0" cy="0"/>
+        </a:xfrm>
+      </p:grpSpPr>
+      <p:sp>
+        <p:nvSpPr>
+          <p:cNvPr id="2" name="Title 1">
+            <a:extLst>
+              <a:ext uri="{FF2B5EF4-FFF2-40B4-BE49-F238E27FC236}">
                 <a16:creationId xmlns:a16="http://schemas.microsoft.com/office/drawing/2014/main" id="{6D19D697-DA6E-4AC6-859A-8B734D34C3F2}"/>
               </a:ext>
             </a:extLst>
@@ -5053,7 +5474,7 @@
 </p:sld>
 </file>
 
-<file path=ppt/slides/slide12.xml><?xml version="1.0" encoding="utf-8"?>
+<file path=ppt/slides/slide13.xml><?xml version="1.0" encoding="utf-8"?>
 <p:sld xmlns:a="http://schemas.openxmlformats.org/drawingml/2006/main" xmlns:r="http://schemas.openxmlformats.org/officeDocument/2006/relationships" xmlns:p="http://schemas.openxmlformats.org/presentationml/2006/main">
   <p:cSld>
     <p:bg>
@@ -5138,11 +5559,13 @@
         <p:spPr>
           <a:xfrm>
             <a:off x="338138" y="1548943"/>
-            <a:ext cx="5757862" cy="2020570"/>
-          </a:xfrm>
-        </p:spPr>
-        <p:txBody>
-          <a:bodyPr/>
+            <a:ext cx="6679882" cy="2283918"/>
+          </a:xfrm>
+        </p:spPr>
+        <p:txBody>
+          <a:bodyPr>
+            <a:normAutofit/>
+          </a:bodyPr>
           <a:lstStyle/>
           <a:p>
             <a:r>
@@ -5200,6 +5623,16 @@
                 </a:solidFill>
               </a:rPr>
               <a:t>Communicates with API to automatically refresh UI</a:t>
+            </a:r>
+          </a:p>
+          <a:p>
+            <a:r>
+              <a:rPr lang="en-US" dirty="0">
+                <a:solidFill>
+                  <a:schemeClr val="bg1"/>
+                </a:solidFill>
+              </a:rPr>
+              <a:t>Automatically refreshes expired tokens using Refresh Tokens</a:t>
             </a:r>
           </a:p>
         </p:txBody>
@@ -5416,147 +5849,6 @@
     <p:extLst>
       <p:ext uri="{BB962C8B-B14F-4D97-AF65-F5344CB8AC3E}">
         <p14:creationId xmlns:p14="http://schemas.microsoft.com/office/powerpoint/2010/main" val="2205383409"/>
-      </p:ext>
-    </p:extLst>
-  </p:cSld>
-  <p:clrMapOvr>
-    <a:masterClrMapping/>
-  </p:clrMapOvr>
-</p:sld>
-</file>
-
-<file path=ppt/slides/slide13.xml><?xml version="1.0" encoding="utf-8"?>
-<p:sld xmlns:a="http://schemas.openxmlformats.org/drawingml/2006/main" xmlns:r="http://schemas.openxmlformats.org/officeDocument/2006/relationships" xmlns:p="http://schemas.openxmlformats.org/presentationml/2006/main">
-  <p:cSld>
-    <p:spTree>
-      <p:nvGrpSpPr>
-        <p:cNvPr id="1" name=""/>
-        <p:cNvGrpSpPr/>
-        <p:nvPr/>
-      </p:nvGrpSpPr>
-      <p:grpSpPr>
-        <a:xfrm>
-          <a:off x="0" y="0"/>
-          <a:ext cx="0" cy="0"/>
-          <a:chOff x="0" y="0"/>
-          <a:chExt cx="0" cy="0"/>
-        </a:xfrm>
-      </p:grpSpPr>
-      <p:sp>
-        <p:nvSpPr>
-          <p:cNvPr id="2" name="Title 1">
-            <a:extLst>
-              <a:ext uri="{FF2B5EF4-FFF2-40B4-BE49-F238E27FC236}">
-                <a16:creationId xmlns:a16="http://schemas.microsoft.com/office/drawing/2014/main" id="{888F497E-9F16-4202-BF6B-4BB9EBB5AD2B}"/>
-              </a:ext>
-            </a:extLst>
-          </p:cNvPr>
-          <p:cNvSpPr>
-            <a:spLocks noGrp="1"/>
-          </p:cNvSpPr>
-          <p:nvPr>
-            <p:ph type="title"/>
-          </p:nvPr>
-        </p:nvSpPr>
-        <p:spPr/>
-        <p:txBody>
-          <a:bodyPr/>
-          <a:lstStyle/>
-          <a:p>
-            <a:r>
-              <a:rPr lang="en-US" dirty="0"/>
-              <a:t>Nginx</a:t>
-            </a:r>
-          </a:p>
-        </p:txBody>
-      </p:sp>
-      <p:sp>
-        <p:nvSpPr>
-          <p:cNvPr id="3" name="Content Placeholder 2">
-            <a:extLst>
-              <a:ext uri="{FF2B5EF4-FFF2-40B4-BE49-F238E27FC236}">
-                <a16:creationId xmlns:a16="http://schemas.microsoft.com/office/drawing/2014/main" id="{09062427-24B8-45C7-BAB9-2BD54764DBC5}"/>
-              </a:ext>
-            </a:extLst>
-          </p:cNvPr>
-          <p:cNvSpPr>
-            <a:spLocks noGrp="1"/>
-          </p:cNvSpPr>
-          <p:nvPr>
-            <p:ph idx="1"/>
-          </p:nvPr>
-        </p:nvSpPr>
-        <p:spPr/>
-        <p:txBody>
-          <a:bodyPr/>
-          <a:lstStyle/>
-          <a:p>
-            <a:r>
-              <a:rPr lang="en-US" dirty="0"/>
-              <a:t>Serves static web UI</a:t>
-            </a:r>
-          </a:p>
-          <a:p>
-            <a:r>
-              <a:rPr lang="en-US" dirty="0"/>
-              <a:t>All traffic from the outside world passes through NGINX</a:t>
-            </a:r>
-          </a:p>
-          <a:p>
-            <a:r>
-              <a:rPr lang="en-US" dirty="0"/>
-              <a:t>Used as reverse proxy for:</a:t>
-            </a:r>
-          </a:p>
-          <a:p>
-            <a:pPr lvl="1"/>
-            <a:r>
-              <a:rPr lang="en-US" dirty="0"/>
-              <a:t>Connection with </a:t>
-            </a:r>
-            <a:r>
-              <a:rPr lang="en-US" dirty="0" err="1"/>
-              <a:t>playmaster</a:t>
-            </a:r>
-            <a:r>
-              <a:rPr lang="en-US" dirty="0"/>
-              <a:t> (</a:t>
-            </a:r>
-            <a:r>
-              <a:rPr lang="en-US" dirty="0" err="1"/>
-              <a:t>sockets+REST</a:t>
-            </a:r>
-            <a:r>
-              <a:rPr lang="en-US" dirty="0"/>
-              <a:t>)</a:t>
-            </a:r>
-          </a:p>
-          <a:p>
-            <a:pPr lvl="1"/>
-            <a:r>
-              <a:rPr lang="en-US" dirty="0"/>
-              <a:t>Connection with Gamemaster</a:t>
-            </a:r>
-          </a:p>
-          <a:p>
-            <a:pPr lvl="1"/>
-            <a:r>
-              <a:rPr lang="en-US" dirty="0"/>
-              <a:t>Authentication service</a:t>
-            </a:r>
-          </a:p>
-          <a:p>
-            <a:endParaRPr lang="en-US" dirty="0"/>
-          </a:p>
-          <a:p>
-            <a:endParaRPr lang="en-US" dirty="0"/>
-          </a:p>
-        </p:txBody>
-      </p:sp>
-    </p:spTree>
-    <p:extLst>
-      <p:ext uri="{BB962C8B-B14F-4D97-AF65-F5344CB8AC3E}">
-        <p14:creationId xmlns:p14="http://schemas.microsoft.com/office/powerpoint/2010/main" val="4292305343"/>
       </p:ext>
     </p:extLst>
   </p:cSld>
@@ -5588,7 +5880,7 @@
           <p:cNvPr id="2" name="Title 1">
             <a:extLst>
               <a:ext uri="{FF2B5EF4-FFF2-40B4-BE49-F238E27FC236}">
-                <a16:creationId xmlns:a16="http://schemas.microsoft.com/office/drawing/2014/main" id="{8DA089F9-1348-4869-B55A-15C9A31361AF}"/>
+                <a16:creationId xmlns:a16="http://schemas.microsoft.com/office/drawing/2014/main" id="{888F497E-9F16-4202-BF6B-4BB9EBB5AD2B}"/>
               </a:ext>
             </a:extLst>
           </p:cNvPr>
@@ -5606,20 +5898,8 @@
           <a:p>
             <a:r>
               <a:rPr lang="en-US" dirty="0"/>
-              <a:t>Fault tolerance: </a:t>
-            </a:r>
-            <a:r>
-              <a:rPr lang="en-US" dirty="0" err="1"/>
-              <a:t>playmaster</a:t>
-            </a:r>
-            <a:r>
-              <a:rPr lang="en-US" dirty="0"/>
-              <a:t> is down</a:t>
-            </a:r>
-            <a:br>
-              <a:rPr lang="en-US" dirty="0"/>
-            </a:br>
-            <a:endParaRPr lang="en-US" dirty="0"/>
+              <a:t>Nginx</a:t>
+            </a:r>
           </a:p>
         </p:txBody>
       </p:sp>
@@ -5628,7 +5908,7 @@
           <p:cNvPr id="3" name="Content Placeholder 2">
             <a:extLst>
               <a:ext uri="{FF2B5EF4-FFF2-40B4-BE49-F238E27FC236}">
-                <a16:creationId xmlns:a16="http://schemas.microsoft.com/office/drawing/2014/main" id="{0CFA87F2-5723-4398-BD91-ACB4D905C092}"/>
+                <a16:creationId xmlns:a16="http://schemas.microsoft.com/office/drawing/2014/main" id="{09062427-24B8-45C7-BAB9-2BD54764DBC5}"/>
               </a:ext>
             </a:extLst>
           </p:cNvPr>
@@ -5641,331 +5921,210 @@
         </p:nvSpPr>
         <p:spPr>
           <a:xfrm>
-            <a:off x="581193" y="1578864"/>
-            <a:ext cx="11029615" cy="4943856"/>
+            <a:off x="581193" y="2340864"/>
+            <a:ext cx="6063448" cy="4067556"/>
           </a:xfrm>
         </p:spPr>
         <p:txBody>
           <a:bodyPr>
-            <a:normAutofit/>
+            <a:normAutofit fontScale="92500" lnSpcReduction="20000"/>
           </a:bodyPr>
           <a:lstStyle/>
           <a:p>
             <a:r>
               <a:rPr lang="en-US" dirty="0"/>
-              <a:t>Consider the scenario: “</a:t>
-            </a:r>
-            <a:r>
-              <a:rPr lang="en-US" u="sng" dirty="0" err="1">
-                <a:solidFill>
-                  <a:schemeClr val="accent1">
-                    <a:lumMod val="75000"/>
-                  </a:schemeClr>
-                </a:solidFill>
-              </a:rPr>
-              <a:t>Playmaster</a:t>
-            </a:r>
-            <a:r>
-              <a:rPr lang="en-US" u="sng" dirty="0"/>
-              <a:t> of an active game dies”</a:t>
-            </a:r>
-          </a:p>
-          <a:p>
-            <a:r>
-              <a:rPr lang="en-US" dirty="0"/>
-              <a:t>The followings steps are followed:</a:t>
+              <a:t>Serves static web UI</a:t>
+            </a:r>
+          </a:p>
+          <a:p>
+            <a:r>
+              <a:rPr lang="en-US" dirty="0"/>
+              <a:t>All traffic from the outside world passes through NGINX</a:t>
+            </a:r>
+          </a:p>
+          <a:p>
+            <a:r>
+              <a:rPr lang="en-US" dirty="0"/>
+              <a:t>Restricts access to certain API nodes</a:t>
+            </a:r>
+          </a:p>
+          <a:p>
+            <a:r>
+              <a:rPr lang="en-US" dirty="0"/>
+              <a:t>Used as reverse proxy for:</a:t>
             </a:r>
           </a:p>
           <a:p>
             <a:pPr lvl="1"/>
             <a:r>
-              <a:rPr lang="en-US" dirty="0">
-                <a:solidFill>
-                  <a:schemeClr val="accent5">
-                    <a:lumMod val="75000"/>
-                  </a:schemeClr>
-                </a:solidFill>
-              </a:rPr>
-              <a:t>UI</a:t>
-            </a:r>
-            <a:r>
-              <a:rPr lang="en-US" dirty="0"/>
-              <a:t> socket connection times out ⟶ </a:t>
-            </a:r>
-            <a:r>
-              <a:rPr lang="en-US" dirty="0">
-                <a:solidFill>
-                  <a:schemeClr val="accent5">
-                    <a:lumMod val="75000"/>
-                  </a:schemeClr>
-                </a:solidFill>
-              </a:rPr>
-              <a:t>UI</a:t>
-            </a:r>
-            <a:r>
-              <a:rPr lang="en-US" dirty="0"/>
-              <a:t> detects </a:t>
-            </a:r>
-            <a:r>
-              <a:rPr lang="en-US" dirty="0" err="1">
-                <a:solidFill>
-                  <a:schemeClr val="accent1">
-                    <a:lumMod val="75000"/>
-                  </a:schemeClr>
-                </a:solidFill>
-              </a:rPr>
-              <a:t>Playmaster</a:t>
-            </a:r>
-            <a:r>
-              <a:rPr lang="en-US" dirty="0"/>
-              <a:t> is down</a:t>
+              <a:rPr lang="en-US" dirty="0"/>
+              <a:t>Connection with </a:t>
+            </a:r>
+            <a:r>
+              <a:rPr lang="en-US" dirty="0" err="1"/>
+              <a:t>playmaster</a:t>
+            </a:r>
+            <a:r>
+              <a:rPr lang="en-US" dirty="0"/>
+              <a:t> (</a:t>
+            </a:r>
+            <a:r>
+              <a:rPr lang="en-US" dirty="0" err="1"/>
+              <a:t>sockets+REST</a:t>
+            </a:r>
+            <a:r>
+              <a:rPr lang="en-US" dirty="0"/>
+              <a:t>)</a:t>
             </a:r>
           </a:p>
           <a:p>
             <a:pPr lvl="1"/>
             <a:r>
-              <a:rPr lang="en-US" dirty="0">
-                <a:solidFill>
-                  <a:schemeClr val="accent5">
-                    <a:lumMod val="75000"/>
-                  </a:schemeClr>
-                </a:solidFill>
-              </a:rPr>
-              <a:t>UI</a:t>
-            </a:r>
-            <a:r>
-              <a:rPr lang="en-US" dirty="0"/>
-              <a:t> requests from </a:t>
-            </a:r>
-            <a:r>
-              <a:rPr lang="en-US" dirty="0">
-                <a:solidFill>
-                  <a:srgbClr val="0070C0"/>
-                </a:solidFill>
-              </a:rPr>
-              <a:t>Gamemaster</a:t>
-            </a:r>
-            <a:r>
-              <a:rPr lang="en-US" dirty="0"/>
-              <a:t> to re-join the game</a:t>
+              <a:rPr lang="en-US" dirty="0"/>
+              <a:t>Connection with Gamemaster</a:t>
             </a:r>
           </a:p>
           <a:p>
             <a:pPr lvl="1"/>
             <a:r>
-              <a:rPr lang="en-US" dirty="0">
-                <a:solidFill>
-                  <a:srgbClr val="0070C0"/>
-                </a:solidFill>
-              </a:rPr>
-              <a:t>Gamemaster</a:t>
-            </a:r>
-            <a:r>
-              <a:rPr lang="en-US" dirty="0"/>
-              <a:t> checks zookeeper to ensure </a:t>
-            </a:r>
-            <a:r>
-              <a:rPr lang="en-US" dirty="0" err="1">
-                <a:solidFill>
-                  <a:schemeClr val="accent1">
-                    <a:lumMod val="75000"/>
-                  </a:schemeClr>
-                </a:solidFill>
-              </a:rPr>
-              <a:t>Playmaster</a:t>
-            </a:r>
-            <a:r>
-              <a:rPr lang="en-US" dirty="0"/>
-              <a:t> is dead</a:t>
+              <a:rPr lang="en-US" dirty="0"/>
+              <a:t>Authentication service</a:t>
+            </a:r>
+          </a:p>
+          <a:p>
+            <a:r>
+              <a:rPr lang="en-US" dirty="0"/>
+              <a:t>Proxy-redirect rules:</a:t>
             </a:r>
           </a:p>
           <a:p>
             <a:pPr lvl="1"/>
             <a:r>
-              <a:rPr lang="en-US" dirty="0">
-                <a:solidFill>
-                  <a:srgbClr val="0070C0"/>
-                </a:solidFill>
-              </a:rPr>
-              <a:t>Gamemaster </a:t>
-            </a:r>
-            <a:r>
-              <a:rPr lang="en-US" dirty="0"/>
-              <a:t>queries zookeeper to get a new </a:t>
-            </a:r>
-            <a:r>
-              <a:rPr lang="en-US" dirty="0" err="1">
-                <a:solidFill>
-                  <a:schemeClr val="accent1">
-                    <a:lumMod val="75000"/>
-                  </a:schemeClr>
-                </a:solidFill>
-              </a:rPr>
-              <a:t>Playmaster</a:t>
-            </a:r>
-            <a:r>
-              <a:rPr lang="el-GR" dirty="0">
-                <a:solidFill>
-                  <a:schemeClr val="accent1">
-                    <a:lumMod val="75000"/>
-                  </a:schemeClr>
-                </a:solidFill>
-              </a:rPr>
-              <a:t> </a:t>
-            </a:r>
-            <a:r>
-              <a:rPr lang="en-US" dirty="0">
-                <a:solidFill>
-                  <a:schemeClr val="tx1"/>
-                </a:solidFill>
-              </a:rPr>
-              <a:t>(with the </a:t>
-            </a:r>
-            <a:r>
-              <a:rPr lang="en-US" u="sng" dirty="0">
-                <a:solidFill>
-                  <a:schemeClr val="tx1"/>
-                </a:solidFill>
-              </a:rPr>
-              <a:t>least active games</a:t>
-            </a:r>
-            <a:r>
-              <a:rPr lang="en-US" dirty="0">
-                <a:solidFill>
-                  <a:schemeClr val="tx1"/>
-                </a:solidFill>
-              </a:rPr>
-              <a:t>)</a:t>
+              <a:rPr lang="en-US" dirty="0"/>
+              <a:t>/games/g# ⟶  192.170.0.#:3000</a:t>
             </a:r>
           </a:p>
           <a:p>
             <a:pPr lvl="1"/>
             <a:r>
-              <a:rPr lang="en-US" dirty="0">
-                <a:solidFill>
-                  <a:srgbClr val="0070C0"/>
-                </a:solidFill>
-              </a:rPr>
-              <a:t>Gamemaster </a:t>
-            </a:r>
-            <a:r>
-              <a:rPr lang="en-US" dirty="0"/>
-              <a:t>returns the new </a:t>
-            </a:r>
-            <a:r>
-              <a:rPr lang="en-US" dirty="0" err="1">
-                <a:solidFill>
-                  <a:schemeClr val="accent1">
-                    <a:lumMod val="75000"/>
-                  </a:schemeClr>
-                </a:solidFill>
-              </a:rPr>
-              <a:t>Playmaster</a:t>
-            </a:r>
-            <a:endParaRPr lang="el-GR" dirty="0">
-              <a:solidFill>
-                <a:schemeClr val="accent1">
-                  <a:lumMod val="75000"/>
-                </a:schemeClr>
-              </a:solidFill>
-            </a:endParaRPr>
+              <a:rPr lang="en-US" dirty="0"/>
+              <a:t>/auth ⟶ http://auth</a:t>
+            </a:r>
           </a:p>
           <a:p>
             <a:pPr lvl="1"/>
             <a:r>
               <a:rPr lang="en-US" dirty="0"/>
-              <a:t>Users join the new </a:t>
-            </a:r>
-            <a:r>
-              <a:rPr lang="en-US" dirty="0" err="1">
-                <a:solidFill>
-                  <a:schemeClr val="accent1">
-                    <a:lumMod val="75000"/>
-                  </a:schemeClr>
-                </a:solidFill>
-              </a:rPr>
-              <a:t>Playmaster</a:t>
-            </a:r>
-            <a:endParaRPr lang="en-US" dirty="0">
-              <a:solidFill>
-                <a:schemeClr val="accent1">
-                  <a:lumMod val="75000"/>
-                </a:schemeClr>
-              </a:solidFill>
-            </a:endParaRPr>
-          </a:p>
-          <a:p>
-            <a:pPr lvl="1"/>
-            <a:r>
-              <a:rPr lang="en-US" dirty="0"/>
-              <a:t>The new </a:t>
-            </a:r>
-            <a:r>
-              <a:rPr lang="en-US" dirty="0" err="1">
-                <a:solidFill>
-                  <a:schemeClr val="accent1">
-                    <a:lumMod val="75000"/>
-                  </a:schemeClr>
-                </a:solidFill>
-              </a:rPr>
-              <a:t>Playmaster</a:t>
-            </a:r>
-            <a:r>
-              <a:rPr lang="en-US" dirty="0">
-                <a:solidFill>
-                  <a:schemeClr val="accent1">
-                    <a:lumMod val="75000"/>
-                  </a:schemeClr>
-                </a:solidFill>
-              </a:rPr>
-              <a:t> </a:t>
-            </a:r>
-            <a:r>
-              <a:rPr lang="en-US" dirty="0">
-                <a:solidFill>
-                  <a:schemeClr val="tx1"/>
-                </a:solidFill>
-              </a:rPr>
-              <a:t>loads the game from the shared </a:t>
-            </a:r>
-            <a:r>
-              <a:rPr lang="en-US" dirty="0">
-                <a:solidFill>
-                  <a:srgbClr val="00B050"/>
-                </a:solidFill>
-              </a:rPr>
-              <a:t>MongoDB</a:t>
-            </a:r>
-            <a:r>
-              <a:rPr lang="en-US" dirty="0">
-                <a:solidFill>
-                  <a:schemeClr val="tx1"/>
-                </a:solidFill>
-              </a:rPr>
-              <a:t> cluster</a:t>
-            </a:r>
+              <a:t>/</a:t>
+            </a:r>
+            <a:r>
+              <a:rPr lang="en-US" dirty="0" err="1"/>
+              <a:t>api</a:t>
+            </a:r>
+            <a:r>
+              <a:rPr lang="en-US" dirty="0"/>
+              <a:t> ⟶ http://api:3000</a:t>
+            </a:r>
+          </a:p>
+          <a:p>
             <a:endParaRPr lang="en-US" dirty="0"/>
           </a:p>
-          <a:p>
-            <a:pPr marL="0" indent="0">
-              <a:buNone/>
-            </a:pPr>
-            <a:endParaRPr lang="en-US" dirty="0"/>
-          </a:p>
-          <a:p>
-            <a:pPr lvl="2"/>
-            <a:endParaRPr lang="en-US" dirty="0"/>
-          </a:p>
-          <a:p>
-            <a:pPr lvl="2"/>
-            <a:endParaRPr lang="en-US" dirty="0"/>
-          </a:p>
-        </p:txBody>
-      </p:sp>
+        </p:txBody>
+      </p:sp>
+      <p:pic>
+        <p:nvPicPr>
+          <p:cNvPr id="5" name="Picture 4">
+            <a:extLst>
+              <a:ext uri="{FF2B5EF4-FFF2-40B4-BE49-F238E27FC236}">
+                <a16:creationId xmlns:a16="http://schemas.microsoft.com/office/drawing/2014/main" id="{38586E8D-B8DC-458C-86F2-19FFDC73E46A}"/>
+              </a:ext>
+            </a:extLst>
+          </p:cNvPr>
+          <p:cNvPicPr>
+            <a:picLocks noChangeAspect="1"/>
+          </p:cNvPicPr>
+          <p:nvPr/>
+        </p:nvPicPr>
+        <p:blipFill>
+          <a:blip r:embed="rId2"/>
+          <a:stretch>
+            <a:fillRect/>
+          </a:stretch>
+        </p:blipFill>
+        <p:spPr>
+          <a:xfrm>
+            <a:off x="6324599" y="4624985"/>
+            <a:ext cx="5553553" cy="2002230"/>
+          </a:xfrm>
+          <a:prstGeom prst="rect">
+            <a:avLst/>
+          </a:prstGeom>
+        </p:spPr>
+      </p:pic>
+      <p:pic>
+        <p:nvPicPr>
+          <p:cNvPr id="8" name="Picture 7">
+            <a:extLst>
+              <a:ext uri="{FF2B5EF4-FFF2-40B4-BE49-F238E27FC236}">
+                <a16:creationId xmlns:a16="http://schemas.microsoft.com/office/drawing/2014/main" id="{AFF7431E-9DB9-4086-A206-E840363408B0}"/>
+              </a:ext>
+            </a:extLst>
+          </p:cNvPr>
+          <p:cNvPicPr>
+            <a:picLocks noChangeAspect="1"/>
+          </p:cNvPicPr>
+          <p:nvPr/>
+        </p:nvPicPr>
+        <p:blipFill>
+          <a:blip r:embed="rId3"/>
+          <a:stretch>
+            <a:fillRect/>
+          </a:stretch>
+        </p:blipFill>
+        <p:spPr>
+          <a:xfrm>
+            <a:off x="6324599" y="3562723"/>
+            <a:ext cx="3665122" cy="1001929"/>
+          </a:xfrm>
+          <a:prstGeom prst="rect">
+            <a:avLst/>
+          </a:prstGeom>
+        </p:spPr>
+      </p:pic>
+      <p:pic>
+        <p:nvPicPr>
+          <p:cNvPr id="9" name="Picture 8">
+            <a:extLst>
+              <a:ext uri="{FF2B5EF4-FFF2-40B4-BE49-F238E27FC236}">
+                <a16:creationId xmlns:a16="http://schemas.microsoft.com/office/drawing/2014/main" id="{DA12E4CC-6B53-4BE2-9F67-5463324EFD20}"/>
+              </a:ext>
+            </a:extLst>
+          </p:cNvPr>
+          <p:cNvPicPr>
+            <a:picLocks noChangeAspect="1"/>
+          </p:cNvPicPr>
+          <p:nvPr/>
+        </p:nvPicPr>
+        <p:blipFill>
+          <a:blip r:embed="rId4"/>
+          <a:stretch>
+            <a:fillRect/>
+          </a:stretch>
+        </p:blipFill>
+        <p:spPr>
+          <a:xfrm>
+            <a:off x="6324599" y="1179336"/>
+            <a:ext cx="5553553" cy="2323055"/>
+          </a:xfrm>
+          <a:prstGeom prst="rect">
+            <a:avLst/>
+          </a:prstGeom>
+        </p:spPr>
+      </p:pic>
     </p:spTree>
     <p:extLst>
       <p:ext uri="{BB962C8B-B14F-4D97-AF65-F5344CB8AC3E}">
-        <p14:creationId xmlns:p14="http://schemas.microsoft.com/office/powerpoint/2010/main" val="2828401449"/>
+        <p14:creationId xmlns:p14="http://schemas.microsoft.com/office/powerpoint/2010/main" val="4292305343"/>
       </p:ext>
     </p:extLst>
   </p:cSld>
@@ -5997,7 +6156,7 @@
           <p:cNvPr id="2" name="Title 1">
             <a:extLst>
               <a:ext uri="{FF2B5EF4-FFF2-40B4-BE49-F238E27FC236}">
-                <a16:creationId xmlns:a16="http://schemas.microsoft.com/office/drawing/2014/main" id="{2A52BDD2-E9F1-4BF2-8BA3-E512FAA57375}"/>
+                <a16:creationId xmlns:a16="http://schemas.microsoft.com/office/drawing/2014/main" id="{68E37778-B8FE-4A73-9C4B-6FC905E8B473}"/>
               </a:ext>
             </a:extLst>
           </p:cNvPr>
@@ -6008,20 +6167,14 @@
             <p:ph type="title"/>
           </p:nvPr>
         </p:nvSpPr>
-        <p:spPr>
-          <a:xfrm>
-            <a:off x="581191" y="1943100"/>
-            <a:ext cx="11029616" cy="603096"/>
-          </a:xfrm>
-        </p:spPr>
+        <p:spPr/>
         <p:txBody>
           <a:bodyPr/>
           <a:lstStyle/>
           <a:p>
-            <a:pPr algn="ctr"/>
-            <a:r>
-              <a:rPr lang="en-US" dirty="0"/>
-              <a:t>Thanks for your attention</a:t>
+            <a:r>
+              <a:rPr lang="en-US" dirty="0"/>
+              <a:t>Zookeeper</a:t>
             </a:r>
           </a:p>
         </p:txBody>
@@ -6031,7 +6184,7 @@
           <p:cNvPr id="3" name="Content Placeholder 2">
             <a:extLst>
               <a:ext uri="{FF2B5EF4-FFF2-40B4-BE49-F238E27FC236}">
-                <a16:creationId xmlns:a16="http://schemas.microsoft.com/office/drawing/2014/main" id="{36F803A8-5C14-4D05-BC56-2104C1120520}"/>
+                <a16:creationId xmlns:a16="http://schemas.microsoft.com/office/drawing/2014/main" id="{13ACE50D-C08C-4875-88E5-591DC8152737}"/>
               </a:ext>
             </a:extLst>
           </p:cNvPr>
@@ -6042,6 +6195,342 @@
             <p:ph idx="1"/>
           </p:nvPr>
         </p:nvSpPr>
+        <p:spPr/>
+        <p:txBody>
+          <a:bodyPr/>
+          <a:lstStyle/>
+          <a:p>
+            <a:r>
+              <a:rPr lang="en-US" dirty="0"/>
+              <a:t>Used for </a:t>
+            </a:r>
+            <a:r>
+              <a:rPr lang="en-US" dirty="0" err="1"/>
+              <a:t>Playmaster</a:t>
+            </a:r>
+            <a:r>
+              <a:rPr lang="en-US" dirty="0"/>
+              <a:t> service discovery &amp; load balancing</a:t>
+            </a:r>
+          </a:p>
+          <a:p>
+            <a:r>
+              <a:rPr lang="en-US" dirty="0"/>
+              <a:t>Contains 2 root </a:t>
+            </a:r>
+            <a:r>
+              <a:rPr lang="en-US" dirty="0" err="1"/>
+              <a:t>Znodes</a:t>
+            </a:r>
+            <a:r>
+              <a:rPr lang="en-US" dirty="0"/>
+              <a:t>:</a:t>
+            </a:r>
+          </a:p>
+          <a:p>
+            <a:pPr lvl="1"/>
+            <a:r>
+              <a:rPr lang="en-US" dirty="0"/>
+              <a:t>/</a:t>
+            </a:r>
+            <a:r>
+              <a:rPr lang="en-US" dirty="0" err="1"/>
+              <a:t>playmasters</a:t>
+            </a:r>
+            <a:r>
+              <a:rPr lang="en-US" dirty="0"/>
+              <a:t> ⟶ Each </a:t>
+            </a:r>
+            <a:r>
+              <a:rPr lang="en-US" dirty="0" err="1"/>
+              <a:t>playmaster</a:t>
+            </a:r>
+            <a:r>
+              <a:rPr lang="en-US" dirty="0"/>
+              <a:t> creates a </a:t>
+            </a:r>
+            <a:r>
+              <a:rPr lang="en-US" b="1" dirty="0"/>
+              <a:t>sequential ephemeral</a:t>
+            </a:r>
+            <a:r>
+              <a:rPr lang="en-US" dirty="0"/>
+              <a:t> node: </a:t>
+            </a:r>
+          </a:p>
+          <a:p>
+            <a:pPr lvl="2">
+              <a:buFont typeface="Arial" panose="020B0604020202020204" pitchFamily="34" charset="0"/>
+              <a:buChar char="•"/>
+            </a:pPr>
+            <a:r>
+              <a:rPr lang="en-US" dirty="0"/>
+              <a:t>Node </a:t>
+            </a:r>
+            <a:r>
+              <a:rPr lang="en-US" b="1" dirty="0"/>
+              <a:t>name</a:t>
+            </a:r>
+            <a:r>
+              <a:rPr lang="en-US" dirty="0"/>
+              <a:t>: </a:t>
+            </a:r>
+            <a:r>
+              <a:rPr lang="en-US" dirty="0" err="1"/>
+              <a:t>Playmaster</a:t>
+            </a:r>
+            <a:r>
+              <a:rPr lang="en-US" dirty="0"/>
+              <a:t> IDs (e.g. id0000002)</a:t>
+            </a:r>
+          </a:p>
+          <a:p>
+            <a:pPr lvl="2">
+              <a:buFont typeface="Arial" panose="020B0604020202020204" pitchFamily="34" charset="0"/>
+              <a:buChar char="•"/>
+            </a:pPr>
+            <a:r>
+              <a:rPr lang="en-US" dirty="0"/>
+              <a:t>Node </a:t>
+            </a:r>
+            <a:r>
+              <a:rPr lang="en-US" b="1" dirty="0"/>
+              <a:t>value</a:t>
+            </a:r>
+            <a:r>
+              <a:rPr lang="en-US" dirty="0"/>
+              <a:t>: Last segment of their IPs </a:t>
+            </a:r>
+          </a:p>
+          <a:p>
+            <a:pPr lvl="1"/>
+            <a:r>
+              <a:rPr lang="en-US" dirty="0"/>
+              <a:t>/</a:t>
+            </a:r>
+            <a:r>
+              <a:rPr lang="en-US" dirty="0" err="1"/>
+              <a:t>load_balancing</a:t>
+            </a:r>
+            <a:r>
+              <a:rPr lang="en-US" dirty="0"/>
+              <a:t> ⟶ Each </a:t>
+            </a:r>
+            <a:r>
+              <a:rPr lang="en-US" dirty="0" err="1"/>
+              <a:t>playmaster</a:t>
+            </a:r>
+            <a:r>
+              <a:rPr lang="en-US" dirty="0"/>
+              <a:t> creates an </a:t>
+            </a:r>
+            <a:r>
+              <a:rPr lang="en-US" b="1" dirty="0"/>
+              <a:t>ephemeral</a:t>
+            </a:r>
+            <a:r>
+              <a:rPr lang="en-US" dirty="0"/>
+              <a:t> node: </a:t>
+            </a:r>
+          </a:p>
+          <a:p>
+            <a:pPr lvl="2">
+              <a:buFont typeface="Arial" panose="020B0604020202020204" pitchFamily="34" charset="0"/>
+              <a:buChar char="•"/>
+            </a:pPr>
+            <a:r>
+              <a:rPr lang="en-US" dirty="0"/>
+              <a:t>Node </a:t>
+            </a:r>
+            <a:r>
+              <a:rPr lang="en-US" b="1" dirty="0"/>
+              <a:t>name</a:t>
+            </a:r>
+            <a:r>
+              <a:rPr lang="en-US" dirty="0"/>
+              <a:t>: </a:t>
+            </a:r>
+            <a:r>
+              <a:rPr lang="en-US" dirty="0" err="1"/>
+              <a:t>playmaster</a:t>
+            </a:r>
+            <a:r>
+              <a:rPr lang="en-US" dirty="0"/>
+              <a:t> ID + </a:t>
+            </a:r>
+            <a:r>
+              <a:rPr lang="en-US" dirty="0" err="1"/>
+              <a:t>Playmaster</a:t>
+            </a:r>
+            <a:r>
+              <a:rPr lang="en-US" dirty="0"/>
+              <a:t> number of games </a:t>
+            </a:r>
+          </a:p>
+          <a:p>
+            <a:pPr lvl="2">
+              <a:buFont typeface="Arial" panose="020B0604020202020204" pitchFamily="34" charset="0"/>
+              <a:buChar char="•"/>
+            </a:pPr>
+            <a:r>
+              <a:rPr lang="en-US" dirty="0"/>
+              <a:t>Find </a:t>
+            </a:r>
+            <a:r>
+              <a:rPr lang="en-US" dirty="0" err="1"/>
+              <a:t>playmaster</a:t>
+            </a:r>
+            <a:r>
+              <a:rPr lang="en-US" dirty="0"/>
+              <a:t> with least games </a:t>
+            </a:r>
+            <a:r>
+              <a:rPr lang="en-US" b="1" dirty="0"/>
+              <a:t>in a single zookeeper call</a:t>
+            </a:r>
+          </a:p>
+        </p:txBody>
+      </p:sp>
+      <p:pic>
+        <p:nvPicPr>
+          <p:cNvPr id="11" name="Picture 10">
+            <a:extLst>
+              <a:ext uri="{FF2B5EF4-FFF2-40B4-BE49-F238E27FC236}">
+                <a16:creationId xmlns:a16="http://schemas.microsoft.com/office/drawing/2014/main" id="{60950043-90BE-440C-8D0D-A31837D682C0}"/>
+              </a:ext>
+            </a:extLst>
+          </p:cNvPr>
+          <p:cNvPicPr>
+            <a:picLocks noChangeAspect="1"/>
+          </p:cNvPicPr>
+          <p:nvPr/>
+        </p:nvPicPr>
+        <p:blipFill>
+          <a:blip r:embed="rId2"/>
+          <a:stretch>
+            <a:fillRect/>
+          </a:stretch>
+        </p:blipFill>
+        <p:spPr>
+          <a:xfrm>
+            <a:off x="6522719" y="5166427"/>
+            <a:ext cx="4802505" cy="443571"/>
+          </a:xfrm>
+          <a:prstGeom prst="rect">
+            <a:avLst/>
+          </a:prstGeom>
+        </p:spPr>
+      </p:pic>
+      <p:pic>
+        <p:nvPicPr>
+          <p:cNvPr id="12" name="Picture 11">
+            <a:extLst>
+              <a:ext uri="{FF2B5EF4-FFF2-40B4-BE49-F238E27FC236}">
+                <a16:creationId xmlns:a16="http://schemas.microsoft.com/office/drawing/2014/main" id="{3233D588-D97A-4A6B-9F26-42130F714530}"/>
+              </a:ext>
+            </a:extLst>
+          </p:cNvPr>
+          <p:cNvPicPr>
+            <a:picLocks noChangeAspect="1"/>
+          </p:cNvPicPr>
+          <p:nvPr/>
+        </p:nvPicPr>
+        <p:blipFill>
+          <a:blip r:embed="rId3"/>
+          <a:stretch>
+            <a:fillRect/>
+          </a:stretch>
+        </p:blipFill>
+        <p:spPr>
+          <a:xfrm>
+            <a:off x="6095999" y="4036695"/>
+            <a:ext cx="5229225" cy="476250"/>
+          </a:xfrm>
+          <a:prstGeom prst="rect">
+            <a:avLst/>
+          </a:prstGeom>
+        </p:spPr>
+      </p:pic>
+    </p:spTree>
+    <p:extLst>
+      <p:ext uri="{BB962C8B-B14F-4D97-AF65-F5344CB8AC3E}">
+        <p14:creationId xmlns:p14="http://schemas.microsoft.com/office/powerpoint/2010/main" val="3029288964"/>
+      </p:ext>
+    </p:extLst>
+  </p:cSld>
+  <p:clrMapOvr>
+    <a:masterClrMapping/>
+  </p:clrMapOvr>
+</p:sld>
+</file>
+
+<file path=ppt/slides/slide16.xml><?xml version="1.0" encoding="utf-8"?>
+<p:sld xmlns:a="http://schemas.openxmlformats.org/drawingml/2006/main" xmlns:r="http://schemas.openxmlformats.org/officeDocument/2006/relationships" xmlns:p="http://schemas.openxmlformats.org/presentationml/2006/main">
+  <p:cSld>
+    <p:spTree>
+      <p:nvGrpSpPr>
+        <p:cNvPr id="1" name=""/>
+        <p:cNvGrpSpPr/>
+        <p:nvPr/>
+      </p:nvGrpSpPr>
+      <p:grpSpPr>
+        <a:xfrm>
+          <a:off x="0" y="0"/>
+          <a:ext cx="0" cy="0"/>
+          <a:chOff x="0" y="0"/>
+          <a:chExt cx="0" cy="0"/>
+        </a:xfrm>
+      </p:grpSpPr>
+      <p:sp>
+        <p:nvSpPr>
+          <p:cNvPr id="2" name="Title 1">
+            <a:extLst>
+              <a:ext uri="{FF2B5EF4-FFF2-40B4-BE49-F238E27FC236}">
+                <a16:creationId xmlns:a16="http://schemas.microsoft.com/office/drawing/2014/main" id="{2A52BDD2-E9F1-4BF2-8BA3-E512FAA57375}"/>
+              </a:ext>
+            </a:extLst>
+          </p:cNvPr>
+          <p:cNvSpPr>
+            <a:spLocks noGrp="1"/>
+          </p:cNvSpPr>
+          <p:nvPr>
+            <p:ph type="title"/>
+          </p:nvPr>
+        </p:nvSpPr>
+        <p:spPr>
+          <a:xfrm>
+            <a:off x="581191" y="1943100"/>
+            <a:ext cx="11029616" cy="603096"/>
+          </a:xfrm>
+        </p:spPr>
+        <p:txBody>
+          <a:bodyPr/>
+          <a:lstStyle/>
+          <a:p>
+            <a:pPr algn="ctr"/>
+            <a:r>
+              <a:rPr lang="en-US" dirty="0"/>
+              <a:t>Thanks for your attention</a:t>
+            </a:r>
+          </a:p>
+        </p:txBody>
+      </p:sp>
+      <p:sp>
+        <p:nvSpPr>
+          <p:cNvPr id="3" name="Content Placeholder 2">
+            <a:extLst>
+              <a:ext uri="{FF2B5EF4-FFF2-40B4-BE49-F238E27FC236}">
+                <a16:creationId xmlns:a16="http://schemas.microsoft.com/office/drawing/2014/main" id="{36F803A8-5C14-4D05-BC56-2104C1120520}"/>
+              </a:ext>
+            </a:extLst>
+          </p:cNvPr>
+          <p:cNvSpPr>
+            <a:spLocks noGrp="1"/>
+          </p:cNvSpPr>
+          <p:nvPr>
+            <p:ph idx="1"/>
+          </p:nvPr>
+        </p:nvSpPr>
         <p:spPr>
           <a:xfrm>
             <a:off x="581191" y="4000500"/>
@@ -6052,6 +6541,9 @@
           <a:bodyPr/>
           <a:lstStyle/>
           <a:p>
+            <a:pPr marL="0" indent="0">
+              <a:buNone/>
+            </a:pPr>
             <a:r>
               <a:rPr lang="en-US" sz="2400" dirty="0">
                 <a:solidFill>

--- a/presentation/Distributed.pptx
+++ b/presentation/Distributed.pptx
@@ -5861,6 +5861,14 @@
 <file path=ppt/slides/slide14.xml><?xml version="1.0" encoding="utf-8"?>
 <p:sld xmlns:a="http://schemas.openxmlformats.org/drawingml/2006/main" xmlns:r="http://schemas.openxmlformats.org/officeDocument/2006/relationships" xmlns:p="http://schemas.openxmlformats.org/presentationml/2006/main">
   <p:cSld>
+    <p:bg>
+      <p:bgPr>
+        <a:solidFill>
+          <a:srgbClr val="102027"/>
+        </a:solidFill>
+        <a:effectLst/>
+      </p:bgPr>
+    </p:bg>
     <p:spTree>
       <p:nvGrpSpPr>
         <p:cNvPr id="1" name=""/>
@@ -5897,7 +5905,11 @@
           <a:lstStyle/>
           <a:p>
             <a:r>
-              <a:rPr lang="en-US" dirty="0"/>
+              <a:rPr lang="en-US" dirty="0">
+                <a:solidFill>
+                  <a:schemeClr val="bg1"/>
+                </a:solidFill>
+              </a:rPr>
               <a:t>Nginx</a:t>
             </a:r>
           </a:p>
@@ -5932,97 +5944,165 @@
           <a:lstStyle/>
           <a:p>
             <a:r>
-              <a:rPr lang="en-US" dirty="0"/>
+              <a:rPr lang="en-US" dirty="0">
+                <a:solidFill>
+                  <a:schemeClr val="bg1"/>
+                </a:solidFill>
+              </a:rPr>
               <a:t>Serves static web UI</a:t>
             </a:r>
           </a:p>
           <a:p>
             <a:r>
-              <a:rPr lang="en-US" dirty="0"/>
+              <a:rPr lang="en-US" dirty="0">
+                <a:solidFill>
+                  <a:schemeClr val="bg1"/>
+                </a:solidFill>
+              </a:rPr>
               <a:t>All traffic from the outside world passes through NGINX</a:t>
             </a:r>
           </a:p>
           <a:p>
             <a:r>
-              <a:rPr lang="en-US" dirty="0"/>
+              <a:rPr lang="en-US" dirty="0">
+                <a:solidFill>
+                  <a:schemeClr val="bg1"/>
+                </a:solidFill>
+              </a:rPr>
               <a:t>Restricts access to certain API nodes</a:t>
             </a:r>
           </a:p>
           <a:p>
             <a:r>
-              <a:rPr lang="en-US" dirty="0"/>
+              <a:rPr lang="en-US" dirty="0">
+                <a:solidFill>
+                  <a:schemeClr val="bg1"/>
+                </a:solidFill>
+              </a:rPr>
               <a:t>Used as reverse proxy for:</a:t>
             </a:r>
           </a:p>
           <a:p>
             <a:pPr lvl="1"/>
             <a:r>
-              <a:rPr lang="en-US" dirty="0"/>
+              <a:rPr lang="en-US" dirty="0">
+                <a:solidFill>
+                  <a:schemeClr val="bg1"/>
+                </a:solidFill>
+              </a:rPr>
               <a:t>Connection with </a:t>
             </a:r>
             <a:r>
-              <a:rPr lang="en-US" dirty="0" err="1"/>
+              <a:rPr lang="en-US" dirty="0" err="1">
+                <a:solidFill>
+                  <a:schemeClr val="bg1"/>
+                </a:solidFill>
+              </a:rPr>
               <a:t>playmaster</a:t>
             </a:r>
             <a:r>
-              <a:rPr lang="en-US" dirty="0"/>
+              <a:rPr lang="en-US" dirty="0">
+                <a:solidFill>
+                  <a:schemeClr val="bg1"/>
+                </a:solidFill>
+              </a:rPr>
               <a:t> (</a:t>
             </a:r>
             <a:r>
-              <a:rPr lang="en-US" dirty="0" err="1"/>
+              <a:rPr lang="en-US" dirty="0" err="1">
+                <a:solidFill>
+                  <a:schemeClr val="bg1"/>
+                </a:solidFill>
+              </a:rPr>
               <a:t>sockets+REST</a:t>
             </a:r>
             <a:r>
-              <a:rPr lang="en-US" dirty="0"/>
+              <a:rPr lang="en-US" dirty="0">
+                <a:solidFill>
+                  <a:schemeClr val="bg1"/>
+                </a:solidFill>
+              </a:rPr>
               <a:t>)</a:t>
             </a:r>
           </a:p>
           <a:p>
             <a:pPr lvl="1"/>
             <a:r>
-              <a:rPr lang="en-US" dirty="0"/>
+              <a:rPr lang="en-US" dirty="0">
+                <a:solidFill>
+                  <a:schemeClr val="bg1"/>
+                </a:solidFill>
+              </a:rPr>
               <a:t>Connection with Gamemaster</a:t>
             </a:r>
           </a:p>
           <a:p>
             <a:pPr lvl="1"/>
             <a:r>
-              <a:rPr lang="en-US" dirty="0"/>
+              <a:rPr lang="en-US" dirty="0">
+                <a:solidFill>
+                  <a:schemeClr val="bg1"/>
+                </a:solidFill>
+              </a:rPr>
               <a:t>Authentication service</a:t>
             </a:r>
           </a:p>
           <a:p>
             <a:r>
-              <a:rPr lang="en-US" dirty="0"/>
+              <a:rPr lang="en-US" dirty="0">
+                <a:solidFill>
+                  <a:schemeClr val="bg1"/>
+                </a:solidFill>
+              </a:rPr>
               <a:t>Proxy-redirect rules:</a:t>
             </a:r>
           </a:p>
           <a:p>
             <a:pPr lvl="1"/>
             <a:r>
-              <a:rPr lang="en-US" dirty="0"/>
+              <a:rPr lang="en-US" dirty="0">
+                <a:solidFill>
+                  <a:schemeClr val="bg1"/>
+                </a:solidFill>
+              </a:rPr>
               <a:t>/games/g# ⟶  192.170.0.#:3000</a:t>
             </a:r>
           </a:p>
           <a:p>
             <a:pPr lvl="1"/>
             <a:r>
-              <a:rPr lang="en-US" dirty="0"/>
+              <a:rPr lang="en-US" dirty="0">
+                <a:solidFill>
+                  <a:schemeClr val="bg1"/>
+                </a:solidFill>
+              </a:rPr>
               <a:t>/auth ⟶ http://auth</a:t>
             </a:r>
           </a:p>
           <a:p>
             <a:pPr lvl="1"/>
             <a:r>
-              <a:rPr lang="en-US" dirty="0"/>
+              <a:rPr lang="en-US" dirty="0">
+                <a:solidFill>
+                  <a:schemeClr val="bg1"/>
+                </a:solidFill>
+              </a:rPr>
               <a:t>/</a:t>
             </a:r>
             <a:r>
-              <a:rPr lang="en-US" dirty="0" err="1"/>
+              <a:rPr lang="en-US" dirty="0" err="1">
+                <a:solidFill>
+                  <a:schemeClr val="bg1"/>
+                </a:solidFill>
+              </a:rPr>
               <a:t>api</a:t>
             </a:r>
             <a:r>
-              <a:rPr lang="en-US" dirty="0"/>
+              <a:rPr lang="en-US" dirty="0">
+                <a:solidFill>
+                  <a:schemeClr val="bg1"/>
+                </a:solidFill>
+              </a:rPr>
               <a:t> ⟶ http://api:3000</a:t>
             </a:r>
           </a:p>
@@ -6053,7 +6133,7 @@
         </p:blipFill>
         <p:spPr>
           <a:xfrm>
-            <a:off x="6324599" y="4624985"/>
+            <a:off x="6461759" y="4609745"/>
             <a:ext cx="5553553" cy="2002230"/>
           </a:xfrm>
           <a:prstGeom prst="rect">
@@ -6075,16 +6155,15 @@
           </p:cNvPicPr>
           <p:nvPr/>
         </p:nvPicPr>
-        <p:blipFill>
+        <p:blipFill rotWithShape="1">
           <a:blip r:embed="rId3"/>
-          <a:stretch>
-            <a:fillRect/>
-          </a:stretch>
+          <a:srcRect l="6445"/>
+          <a:stretch/>
         </p:blipFill>
         <p:spPr>
           <a:xfrm>
-            <a:off x="6324599" y="3562723"/>
-            <a:ext cx="3665122" cy="1001929"/>
+            <a:off x="6408419" y="3510788"/>
+            <a:ext cx="3428901" cy="1001929"/>
           </a:xfrm>
           <a:prstGeom prst="rect">
             <a:avLst/>
@@ -6105,16 +6184,15 @@
           </p:cNvPicPr>
           <p:nvPr/>
         </p:nvPicPr>
-        <p:blipFill>
+        <p:blipFill rotWithShape="1">
           <a:blip r:embed="rId4"/>
-          <a:stretch>
-            <a:fillRect/>
-          </a:stretch>
+          <a:srcRect l="2607"/>
+          <a:stretch/>
         </p:blipFill>
         <p:spPr>
           <a:xfrm>
-            <a:off x="6324599" y="1179336"/>
-            <a:ext cx="5553553" cy="2323055"/>
+            <a:off x="6408419" y="1164096"/>
+            <a:ext cx="5408772" cy="2323055"/>
           </a:xfrm>
           <a:prstGeom prst="rect">
             <a:avLst/>

--- a/presentation/Distributed.pptx
+++ b/presentation/Distributed.pptx
@@ -17,10 +17,13 @@
     <p:sldId id="265" r:id="rId11"/>
     <p:sldId id="266" r:id="rId12"/>
     <p:sldId id="268" r:id="rId13"/>
-    <p:sldId id="269" r:id="rId14"/>
-    <p:sldId id="272" r:id="rId15"/>
-    <p:sldId id="273" r:id="rId16"/>
-    <p:sldId id="271" r:id="rId17"/>
+    <p:sldId id="277" r:id="rId14"/>
+    <p:sldId id="269" r:id="rId15"/>
+    <p:sldId id="274" r:id="rId16"/>
+    <p:sldId id="275" r:id="rId17"/>
+    <p:sldId id="272" r:id="rId18"/>
+    <p:sldId id="273" r:id="rId19"/>
+    <p:sldId id="271" r:id="rId20"/>
   </p:sldIdLst>
   <p:sldSz cx="12192000" cy="6858000"/>
   <p:notesSz cx="6858000" cy="9144000"/>
@@ -365,7 +368,7 @@
           <a:p>
             <a:fld id="{ED291B17-9318-49DB-B28B-6E5994AE9581}" type="datetime1">
               <a:rPr lang="en-US" smtClean="0"/>
-              <a:t>5/28/2020</a:t>
+              <a:t>5/29/2020</a:t>
             </a:fld>
             <a:endParaRPr lang="en-US" dirty="0"/>
           </a:p>
@@ -568,7 +571,7 @@
           <a:p>
             <a:fld id="{2CED4963-E985-44C4-B8C4-FDD613B7C2F8}" type="datetime1">
               <a:rPr lang="en-US" smtClean="0"/>
-              <a:t>5/28/2020</a:t>
+              <a:t>5/29/2020</a:t>
             </a:fld>
             <a:endParaRPr lang="en-US" dirty="0"/>
           </a:p>
@@ -930,7 +933,7 @@
           <a:p>
             <a:fld id="{ED291B17-9318-49DB-B28B-6E5994AE9581}" type="datetime1">
               <a:rPr lang="en-US" smtClean="0"/>
-              <a:t>5/28/2020</a:t>
+              <a:t>5/29/2020</a:t>
             </a:fld>
             <a:endParaRPr lang="en-US" dirty="0"/>
           </a:p>
@@ -1128,7 +1131,7 @@
           <a:p>
             <a:fld id="{78DD82B9-B8EE-4375-B6FF-88FA6ABB15D9}" type="datetime1">
               <a:rPr lang="en-US" smtClean="0"/>
-              <a:t>5/28/2020</a:t>
+              <a:t>5/29/2020</a:t>
             </a:fld>
             <a:endParaRPr lang="en-US" dirty="0"/>
           </a:p>
@@ -1440,7 +1443,7 @@
           <a:p>
             <a:fld id="{B2497495-0637-405E-AE64-5CC7506D51F5}" type="datetime1">
               <a:rPr lang="en-US" smtClean="0"/>
-              <a:t>5/28/2020</a:t>
+              <a:t>5/29/2020</a:t>
             </a:fld>
             <a:endParaRPr lang="en-US" dirty="0"/>
           </a:p>
@@ -1693,7 +1696,7 @@
           <a:p>
             <a:fld id="{7BFFD690-9426-415D-8B65-26881E07B2D4}" type="datetime1">
               <a:rPr lang="en-US" smtClean="0"/>
-              <a:t>5/28/2020</a:t>
+              <a:t>5/29/2020</a:t>
             </a:fld>
             <a:endParaRPr lang="en-US" dirty="0"/>
           </a:p>
@@ -2115,7 +2118,7 @@
           <a:p>
             <a:fld id="{04C4989A-474C-40DE-95B9-011C28B71673}" type="datetime1">
               <a:rPr lang="en-US" smtClean="0"/>
-              <a:t>5/28/2020</a:t>
+              <a:t>5/29/2020</a:t>
             </a:fld>
             <a:endParaRPr lang="en-US" dirty="0"/>
           </a:p>
@@ -2238,7 +2241,7 @@
           <a:p>
             <a:fld id="{5DB4ED54-5B5E-4A04-93D3-5772E3CE3818}" type="datetime1">
               <a:rPr lang="en-US" smtClean="0"/>
-              <a:t>5/28/2020</a:t>
+              <a:t>5/29/2020</a:t>
             </a:fld>
             <a:endParaRPr lang="en-US" dirty="0"/>
           </a:p>
@@ -2333,7 +2336,7 @@
           <a:p>
             <a:fld id="{4EDE50D6-574B-40AF-946F-D52A04ADE379}" type="datetime1">
               <a:rPr lang="en-US" smtClean="0"/>
-              <a:t>5/28/2020</a:t>
+              <a:t>5/29/2020</a:t>
             </a:fld>
             <a:endParaRPr lang="en-US" dirty="0"/>
           </a:p>
@@ -2710,7 +2713,7 @@
           <a:p>
             <a:fld id="{D82884F1-FFEA-405F-9602-3DCA865EDA4E}" type="datetime1">
               <a:rPr lang="en-US" smtClean="0"/>
-              <a:t>5/28/2020</a:t>
+              <a:t>5/29/2020</a:t>
             </a:fld>
             <a:endParaRPr lang="en-US" dirty="0"/>
           </a:p>
@@ -3003,7 +3006,7 @@
           <a:p>
             <a:fld id="{7E18DB4A-8810-4A10-AD5C-D5E2C667F5B3}" type="datetime1">
               <a:rPr lang="en-US" smtClean="0"/>
-              <a:t>5/28/2020</a:t>
+              <a:t>5/29/2020</a:t>
             </a:fld>
             <a:endParaRPr lang="en-US" dirty="0"/>
           </a:p>
@@ -3218,7 +3221,7 @@
           <a:p>
             <a:fld id="{ED291B17-9318-49DB-B28B-6E5994AE9581}" type="datetime1">
               <a:rPr lang="en-US" smtClean="0"/>
-              <a:t>5/28/2020</a:t>
+              <a:t>5/29/2020</a:t>
             </a:fld>
             <a:endParaRPr lang="en-US" dirty="0"/>
           </a:p>
@@ -4238,10 +4241,10 @@
       </p:sp>
       <p:pic>
         <p:nvPicPr>
-          <p:cNvPr id="7" name="Picture 6">
-            <a:extLst>
-              <a:ext uri="{FF2B5EF4-FFF2-40B4-BE49-F238E27FC236}">
-                <a16:creationId xmlns:a16="http://schemas.microsoft.com/office/drawing/2014/main" id="{6229D55A-9AE9-448C-A3F0-B090462691E9}"/>
+          <p:cNvPr id="6" name="Picture 5">
+            <a:extLst>
+              <a:ext uri="{FF2B5EF4-FFF2-40B4-BE49-F238E27FC236}">
+                <a16:creationId xmlns:a16="http://schemas.microsoft.com/office/drawing/2014/main" id="{17CDACCD-61CD-44CC-8309-24FA46A23DF2}"/>
               </a:ext>
             </a:extLst>
           </p:cNvPr>
@@ -4250,7 +4253,7 @@
           </p:cNvPicPr>
           <p:nvPr/>
         </p:nvPicPr>
-        <p:blipFill rotWithShape="1">
+        <p:blipFill>
           <a:blip r:embed="rId3">
             <a:extLst>
               <a:ext uri="{28A0092B-C50C-407E-A947-70E740481C1C}">
@@ -4258,13 +4261,14 @@
               </a:ext>
             </a:extLst>
           </a:blip>
-          <a:srcRect l="19153" t="-1" r="19739" b="44145"/>
-          <a:stretch/>
+          <a:stretch>
+            <a:fillRect/>
+          </a:stretch>
         </p:blipFill>
         <p:spPr>
           <a:xfrm>
-            <a:off x="248585" y="-44164"/>
-            <a:ext cx="5714029" cy="2524132"/>
+            <a:off x="53008" y="41586"/>
+            <a:ext cx="7321827" cy="2745685"/>
           </a:xfrm>
           <a:prstGeom prst="rect">
             <a:avLst/>
@@ -4501,12 +4505,8 @@
             </a:r>
             <a:r>
               <a:rPr lang="en-US" dirty="0"/>
-              <a:t> with least plays and returns it</a:t>
-            </a:r>
-          </a:p>
-          <a:p>
-            <a:pPr lvl="2"/>
-            <a:endParaRPr lang="en-US" dirty="0"/>
+              <a:t> with least plays and assigns the play to it</a:t>
+            </a:r>
           </a:p>
           <a:p>
             <a:pPr lvl="2"/>
@@ -4608,9 +4608,12 @@
         </p:spPr>
         <p:txBody>
           <a:bodyPr>
-            <a:normAutofit/>
+            <a:normAutofit lnSpcReduction="10000"/>
           </a:bodyPr>
           <a:lstStyle/>
+          <a:p>
+            <a:endParaRPr lang="en-US" dirty="0"/>
+          </a:p>
           <a:p>
             <a:r>
               <a:rPr lang="en-US" dirty="0"/>
@@ -4685,6 +4688,13 @@
           <a:p>
             <a:pPr lvl="1"/>
             <a:r>
+              <a:rPr lang="en-US" dirty="0"/>
+              <a:t>UI waits for Zookeeper timeout (3 sec)</a:t>
+            </a:r>
+          </a:p>
+          <a:p>
+            <a:pPr lvl="1"/>
+            <a:r>
               <a:rPr lang="en-US" dirty="0">
                 <a:solidFill>
                   <a:schemeClr val="accent5">
@@ -4723,7 +4733,7 @@
             </a:r>
             <a:r>
               <a:rPr lang="en-US" dirty="0"/>
-              <a:t> checks zookeeper to ensure </a:t>
+              <a:t> checks zookeeper to see if </a:t>
             </a:r>
             <a:r>
               <a:rPr lang="en-US" dirty="0" err="1">
@@ -4887,11 +4897,27 @@
                   <a:schemeClr val="tx1"/>
                 </a:solidFill>
               </a:rPr>
-              <a:t>loads the game from the shared </a:t>
+              <a:t>loads the game</a:t>
+            </a:r>
+            <a:r>
+              <a:rPr lang="el-GR" dirty="0">
+                <a:solidFill>
+                  <a:schemeClr val="tx1"/>
+                </a:solidFill>
+              </a:rPr>
+              <a:t> </a:t>
             </a:r>
             <a:r>
               <a:rPr lang="en-US" dirty="0">
                 <a:solidFill>
+                  <a:schemeClr val="tx1"/>
+                </a:solidFill>
+              </a:rPr>
+              <a:t>progress from the shared </a:t>
+            </a:r>
+            <a:r>
+              <a:rPr lang="en-US" dirty="0">
+                <a:solidFill>
                   <a:srgbClr val="00B050"/>
                 </a:solidFill>
               </a:rPr>
@@ -4904,6 +4930,32 @@
                 </a:solidFill>
               </a:rPr>
               <a:t> cluster</a:t>
+            </a:r>
+          </a:p>
+          <a:p>
+            <a:r>
+              <a:rPr lang="en-US" dirty="0">
+                <a:solidFill>
+                  <a:schemeClr val="tx1"/>
+                </a:solidFill>
+              </a:rPr>
+              <a:t>If the </a:t>
+            </a:r>
+            <a:r>
+              <a:rPr lang="en-US" dirty="0" err="1">
+                <a:solidFill>
+                  <a:schemeClr val="tx1"/>
+                </a:solidFill>
+              </a:rPr>
+              <a:t>Playmaster</a:t>
+            </a:r>
+            <a:r>
+              <a:rPr lang="en-US" dirty="0">
+                <a:solidFill>
+                  <a:schemeClr val="tx1"/>
+                </a:solidFill>
+              </a:rPr>
+              <a:t> loses connection with Zookeeper it severs all of its connections and restarts with a new ID, acting like it died. That way, consistency is maintained.</a:t>
             </a:r>
             <a:endParaRPr lang="en-US" dirty="0"/>
           </a:p>
@@ -5140,7 +5192,7 @@
         </p:spPr>
         <p:txBody>
           <a:bodyPr vert="horz" lIns="91440" tIns="45720" rIns="91440" bIns="45720" rtlCol="0" anchor="ctr">
-            <a:normAutofit/>
+            <a:normAutofit lnSpcReduction="10000"/>
           </a:bodyPr>
           <a:lstStyle>
             <a:lvl1pPr marL="306000" indent="-306000" algn="l" defTabSz="457200" rtl="0" eaLnBrk="1" latinLnBrk="0" hangingPunct="1">
@@ -5429,6 +5481,13 @@
             <a:r>
               <a:rPr lang="en-US" u="sng" dirty="0"/>
               <a:t>horizontal scalability</a:t>
+            </a:r>
+          </a:p>
+          <a:p>
+            <a:pPr lvl="1"/>
+            <a:r>
+              <a:rPr lang="en-US" dirty="0"/>
+              <a:t>Schema was designed with it in mind</a:t>
             </a:r>
           </a:p>
           <a:p>
@@ -5558,13 +5617,13 @@
         </p:nvSpPr>
         <p:spPr>
           <a:xfrm>
-            <a:off x="338138" y="1548943"/>
-            <a:ext cx="6679882" cy="2283918"/>
+            <a:off x="338138" y="1548942"/>
+            <a:ext cx="6863178" cy="4818727"/>
           </a:xfrm>
         </p:spPr>
         <p:txBody>
           <a:bodyPr>
-            <a:normAutofit/>
+            <a:normAutofit lnSpcReduction="10000"/>
           </a:bodyPr>
           <a:lstStyle/>
           <a:p>
@@ -5574,36 +5633,30 @@
                   <a:schemeClr val="bg1"/>
                 </a:solidFill>
               </a:rPr>
-              <a:t>Written in React</a:t>
-            </a:r>
-            <a:endParaRPr lang="el-GR" dirty="0">
-              <a:solidFill>
-                <a:schemeClr val="bg1"/>
-              </a:solidFill>
-            </a:endParaRPr>
-          </a:p>
-          <a:p>
+              <a:t>Simple Logo created in Illustrator</a:t>
+            </a:r>
+          </a:p>
+          <a:p>
+            <a:pPr lvl="1"/>
             <a:r>
               <a:rPr lang="en-US" dirty="0">
                 <a:solidFill>
                   <a:schemeClr val="bg1"/>
                 </a:solidFill>
               </a:rPr>
-              <a:t>Uses sockets.io to communicate with </a:t>
-            </a:r>
-            <a:r>
-              <a:rPr lang="en-US" dirty="0" err="1">
+              <a:t>Comes in different styles</a:t>
+            </a:r>
+          </a:p>
+          <a:p>
+            <a:pPr lvl="2"/>
+            <a:r>
+              <a:rPr lang="en-US" dirty="0">
                 <a:solidFill>
                   <a:schemeClr val="bg1"/>
                 </a:solidFill>
               </a:rPr>
-              <a:t>Playmaster</a:t>
-            </a:r>
-            <a:endParaRPr lang="en-US" dirty="0">
-              <a:solidFill>
-                <a:schemeClr val="bg1"/>
-              </a:solidFill>
-            </a:endParaRPr>
+              <a:t>For Favicon, Header, and Logo</a:t>
+            </a:r>
           </a:p>
           <a:p>
             <a:r>
@@ -5612,7 +5665,7 @@
                   <a:schemeClr val="bg1"/>
                 </a:solidFill>
               </a:rPr>
-              <a:t>Static html page (served by NGINX)</a:t>
+              <a:t>App Written in React as a PWA</a:t>
             </a:r>
           </a:p>
           <a:p>
@@ -5622,27 +5675,92 @@
                   <a:schemeClr val="bg1"/>
                 </a:solidFill>
               </a:rPr>
-              <a:t>Communicates with API to automatically refresh UI</a:t>
-            </a:r>
-          </a:p>
-          <a:p>
+              <a:t>Styled completely using SASS and CSS3 (flexbox) </a:t>
+            </a:r>
+          </a:p>
+          <a:p>
+            <a:pPr lvl="1"/>
             <a:r>
               <a:rPr lang="en-US" dirty="0">
                 <a:solidFill>
                   <a:schemeClr val="bg1"/>
                 </a:solidFill>
               </a:rPr>
-              <a:t>Automatically refreshes expired tokens using Refresh Tokens</a:t>
+              <a:t>without the use of a component library such as bootstrap</a:t>
+            </a:r>
+          </a:p>
+          <a:p>
+            <a:r>
+              <a:rPr lang="en-US" dirty="0">
+                <a:solidFill>
+                  <a:schemeClr val="bg1"/>
+                </a:solidFill>
+              </a:rPr>
+              <a:t>Packaged using Webpack</a:t>
+            </a:r>
+          </a:p>
+          <a:p>
+            <a:pPr lvl="1"/>
+            <a:r>
+              <a:rPr lang="en-US" dirty="0">
+                <a:solidFill>
+                  <a:schemeClr val="bg1"/>
+                </a:solidFill>
+              </a:rPr>
+              <a:t>Implements code bundling, chunking, minification and code splitting</a:t>
+            </a:r>
+          </a:p>
+          <a:p>
+            <a:pPr lvl="1"/>
+            <a:r>
+              <a:rPr lang="en-US" dirty="0">
+                <a:solidFill>
+                  <a:schemeClr val="bg1"/>
+                </a:solidFill>
+              </a:rPr>
+              <a:t>Games are downloaded only when the user joins a play and cached</a:t>
+            </a:r>
+          </a:p>
+          <a:p>
+            <a:pPr lvl="1"/>
+            <a:r>
+              <a:rPr lang="en-US" dirty="0">
+                <a:solidFill>
+                  <a:schemeClr val="bg1"/>
+                </a:solidFill>
+              </a:rPr>
+              <a:t>Can support hundreds of different games without slowdowns!</a:t>
+            </a:r>
+          </a:p>
+          <a:p>
+            <a:r>
+              <a:rPr lang="en-US" dirty="0">
+                <a:solidFill>
+                  <a:schemeClr val="bg1"/>
+                </a:solidFill>
+              </a:rPr>
+              <a:t>Completely Static Resources with NO SSR!</a:t>
+            </a:r>
+          </a:p>
+          <a:p>
+            <a:pPr lvl="1"/>
+            <a:r>
+              <a:rPr lang="en-US" dirty="0">
+                <a:solidFill>
+                  <a:schemeClr val="bg1"/>
+                </a:solidFill>
+              </a:rPr>
+              <a:t>Can be served by NGINX or CDN for pennies per month</a:t>
             </a:r>
           </a:p>
         </p:txBody>
       </p:sp>
       <p:pic>
         <p:nvPicPr>
-          <p:cNvPr id="4" name="Picture 3">
-            <a:extLst>
-              <a:ext uri="{FF2B5EF4-FFF2-40B4-BE49-F238E27FC236}">
-                <a16:creationId xmlns:a16="http://schemas.microsoft.com/office/drawing/2014/main" id="{588FDEF3-E4A8-4237-B489-D88B91CD68C6}"/>
+          <p:cNvPr id="9" name="Picture 8">
+            <a:extLst>
+              <a:ext uri="{FF2B5EF4-FFF2-40B4-BE49-F238E27FC236}">
+                <a16:creationId xmlns:a16="http://schemas.microsoft.com/office/drawing/2014/main" id="{F641DCBD-D37E-43F4-A93D-CD7726BFDFBB}"/>
               </a:ext>
             </a:extLst>
           </p:cNvPr>
@@ -5659,8 +5777,8 @@
         </p:blipFill>
         <p:spPr>
           <a:xfrm>
-            <a:off x="8610104" y="4418869"/>
-            <a:ext cx="3074135" cy="2223525"/>
+            <a:off x="7296507" y="4498382"/>
+            <a:ext cx="4314301" cy="2223525"/>
           </a:xfrm>
           <a:prstGeom prst="rect">
             <a:avLst/>
@@ -5669,10 +5787,10 @@
       </p:pic>
       <p:pic>
         <p:nvPicPr>
-          <p:cNvPr id="5" name="Picture 4">
-            <a:extLst>
-              <a:ext uri="{FF2B5EF4-FFF2-40B4-BE49-F238E27FC236}">
-                <a16:creationId xmlns:a16="http://schemas.microsoft.com/office/drawing/2014/main" id="{70FA1105-0CA2-47C2-91DF-24A74762645C}"/>
+          <p:cNvPr id="5" name="Graphic 4">
+            <a:extLst>
+              <a:ext uri="{FF2B5EF4-FFF2-40B4-BE49-F238E27FC236}">
+                <a16:creationId xmlns:a16="http://schemas.microsoft.com/office/drawing/2014/main" id="{790A69F0-16D3-440D-B4D2-379CC331CDF7}"/>
               </a:ext>
             </a:extLst>
           </p:cNvPr>
@@ -5682,15 +5800,24 @@
           <p:nvPr/>
         </p:nvPicPr>
         <p:blipFill>
-          <a:blip r:embed="rId3"/>
+          <a:blip r:embed="rId3">
+            <a:extLst>
+              <a:ext uri="{28A0092B-C50C-407E-A947-70E740481C1C}">
+                <a14:useLocalDpi xmlns:a14="http://schemas.microsoft.com/office/drawing/2010/main" val="0"/>
+              </a:ext>
+              <a:ext uri="{96DAC541-7B7A-43D3-8B79-37D633B846F1}">
+                <asvg:svgBlip xmlns:asvg="http://schemas.microsoft.com/office/drawing/2016/SVG/main" r:embed="rId4"/>
+              </a:ext>
+            </a:extLst>
+          </a:blip>
           <a:stretch>
             <a:fillRect/>
           </a:stretch>
         </p:blipFill>
         <p:spPr>
           <a:xfrm>
-            <a:off x="5105500" y="4447901"/>
-            <a:ext cx="3291740" cy="2194493"/>
+            <a:off x="7755857" y="2830585"/>
+            <a:ext cx="1811076" cy="1369570"/>
           </a:xfrm>
           <a:prstGeom prst="rect">
             <a:avLst/>
@@ -5699,10 +5826,10 @@
       </p:pic>
       <p:pic>
         <p:nvPicPr>
-          <p:cNvPr id="9" name="Picture 8">
-            <a:extLst>
-              <a:ext uri="{FF2B5EF4-FFF2-40B4-BE49-F238E27FC236}">
-                <a16:creationId xmlns:a16="http://schemas.microsoft.com/office/drawing/2014/main" id="{F641DCBD-D37E-43F4-A93D-CD7726BFDFBB}"/>
+          <p:cNvPr id="15" name="Picture 14">
+            <a:extLst>
+              <a:ext uri="{FF2B5EF4-FFF2-40B4-BE49-F238E27FC236}">
+                <a16:creationId xmlns:a16="http://schemas.microsoft.com/office/drawing/2014/main" id="{DCC2808A-A096-4B55-A301-1FCC429E99AA}"/>
               </a:ext>
             </a:extLst>
           </p:cNvPr>
@@ -5712,15 +5839,21 @@
           <p:nvPr/>
         </p:nvPicPr>
         <p:blipFill>
-          <a:blip r:embed="rId4"/>
+          <a:blip r:embed="rId5">
+            <a:extLst>
+              <a:ext uri="{28A0092B-C50C-407E-A947-70E740481C1C}">
+                <a14:useLocalDpi xmlns:a14="http://schemas.microsoft.com/office/drawing/2010/main" val="0"/>
+              </a:ext>
+            </a:extLst>
+          </a:blip>
           <a:stretch>
             <a:fillRect/>
           </a:stretch>
         </p:blipFill>
         <p:spPr>
           <a:xfrm>
-            <a:off x="444818" y="4418869"/>
-            <a:ext cx="4314301" cy="2223525"/>
+            <a:off x="10430585" y="3350769"/>
+            <a:ext cx="974873" cy="974873"/>
           </a:xfrm>
           <a:prstGeom prst="rect">
             <a:avLst/>
@@ -5729,68 +5862,10 @@
       </p:pic>
       <p:pic>
         <p:nvPicPr>
-          <p:cNvPr id="7" name="Picture 6">
-            <a:extLst>
-              <a:ext uri="{FF2B5EF4-FFF2-40B4-BE49-F238E27FC236}">
-                <a16:creationId xmlns:a16="http://schemas.microsoft.com/office/drawing/2014/main" id="{004800BD-F5FD-4502-BB6A-225649B037DB}"/>
-              </a:ext>
-            </a:extLst>
-          </p:cNvPr>
-          <p:cNvPicPr>
-            <a:picLocks noChangeAspect="1"/>
-          </p:cNvPicPr>
-          <p:nvPr/>
-        </p:nvPicPr>
-        <p:blipFill rotWithShape="1">
-          <a:blip r:embed="rId5"/>
-          <a:srcRect l="61787" r="4231"/>
-          <a:stretch/>
-        </p:blipFill>
-        <p:spPr>
-          <a:xfrm>
-            <a:off x="10097194" y="676425"/>
-            <a:ext cx="1587045" cy="1800306"/>
-          </a:xfrm>
-          <a:prstGeom prst="rect">
-            <a:avLst/>
-          </a:prstGeom>
-        </p:spPr>
-      </p:pic>
-      <p:pic>
-        <p:nvPicPr>
-          <p:cNvPr id="10" name="Picture 9">
-            <a:extLst>
-              <a:ext uri="{FF2B5EF4-FFF2-40B4-BE49-F238E27FC236}">
-                <a16:creationId xmlns:a16="http://schemas.microsoft.com/office/drawing/2014/main" id="{EAB7B18C-07A8-4712-BDEB-80F2934D2374}"/>
-              </a:ext>
-            </a:extLst>
-          </p:cNvPr>
-          <p:cNvPicPr>
-            <a:picLocks noChangeAspect="1"/>
-          </p:cNvPicPr>
-          <p:nvPr/>
-        </p:nvPicPr>
-        <p:blipFill rotWithShape="1">
-          <a:blip r:embed="rId5"/>
-          <a:srcRect l="596" r="57789"/>
-          <a:stretch/>
-        </p:blipFill>
-        <p:spPr>
-          <a:xfrm>
-            <a:off x="10097194" y="2528847"/>
-            <a:ext cx="1587045" cy="1800306"/>
-          </a:xfrm>
-          <a:prstGeom prst="rect">
-            <a:avLst/>
-          </a:prstGeom>
-        </p:spPr>
-      </p:pic>
-      <p:pic>
-        <p:nvPicPr>
-          <p:cNvPr id="8" name="Picture 7">
-            <a:extLst>
-              <a:ext uri="{FF2B5EF4-FFF2-40B4-BE49-F238E27FC236}">
-                <a16:creationId xmlns:a16="http://schemas.microsoft.com/office/drawing/2014/main" id="{8BD2ED19-750C-4E52-B658-B9FB7B3E3818}"/>
+          <p:cNvPr id="21" name="Graphic 20">
+            <a:extLst>
+              <a:ext uri="{FF2B5EF4-FFF2-40B4-BE49-F238E27FC236}">
+                <a16:creationId xmlns:a16="http://schemas.microsoft.com/office/drawing/2014/main" id="{6ACC038A-63FB-47D6-A258-E7F239527E23}"/>
               </a:ext>
             </a:extLst>
           </p:cNvPr>
@@ -5800,45 +5875,24 @@
           <p:nvPr/>
         </p:nvPicPr>
         <p:blipFill>
-          <a:blip r:embed="rId6"/>
+          <a:blip r:embed="rId6">
+            <a:extLst>
+              <a:ext uri="{28A0092B-C50C-407E-A947-70E740481C1C}">
+                <a14:useLocalDpi xmlns:a14="http://schemas.microsoft.com/office/drawing/2010/main" val="0"/>
+              </a:ext>
+              <a:ext uri="{96DAC541-7B7A-43D3-8B79-37D633B846F1}">
+                <asvg:svgBlip xmlns:asvg="http://schemas.microsoft.com/office/drawing/2016/SVG/main" r:embed="rId7"/>
+              </a:ext>
+            </a:extLst>
+          </a:blip>
           <a:stretch>
             <a:fillRect/>
           </a:stretch>
         </p:blipFill>
         <p:spPr>
           <a:xfrm>
-            <a:off x="8329210" y="675669"/>
-            <a:ext cx="1672792" cy="1413983"/>
-          </a:xfrm>
-          <a:prstGeom prst="rect">
-            <a:avLst/>
-          </a:prstGeom>
-        </p:spPr>
-      </p:pic>
-      <p:pic>
-        <p:nvPicPr>
-          <p:cNvPr id="11" name="Picture 10">
-            <a:extLst>
-              <a:ext uri="{FF2B5EF4-FFF2-40B4-BE49-F238E27FC236}">
-                <a16:creationId xmlns:a16="http://schemas.microsoft.com/office/drawing/2014/main" id="{4155F6D9-2B35-42D3-BEED-C619989D0AAA}"/>
-              </a:ext>
-            </a:extLst>
-          </p:cNvPr>
-          <p:cNvPicPr>
-            <a:picLocks noChangeAspect="1"/>
-          </p:cNvPicPr>
-          <p:nvPr/>
-        </p:nvPicPr>
-        <p:blipFill>
-          <a:blip r:embed="rId7"/>
-          <a:stretch>
-            <a:fillRect/>
-          </a:stretch>
-        </p:blipFill>
-        <p:spPr>
-          <a:xfrm>
-            <a:off x="8329210" y="2528846"/>
-            <a:ext cx="1672792" cy="1793509"/>
+            <a:off x="7201316" y="758146"/>
+            <a:ext cx="4731234" cy="1774213"/>
           </a:xfrm>
           <a:prstGeom prst="rect">
             <a:avLst/>
@@ -5848,7 +5902,7 @@
     </p:spTree>
     <p:extLst>
       <p:ext uri="{BB962C8B-B14F-4D97-AF65-F5344CB8AC3E}">
-        <p14:creationId xmlns:p14="http://schemas.microsoft.com/office/powerpoint/2010/main" val="2205383409"/>
+        <p14:creationId xmlns:p14="http://schemas.microsoft.com/office/powerpoint/2010/main" val="79035101"/>
       </p:ext>
     </p:extLst>
   </p:cSld>
@@ -5888,7 +5942,7 @@
           <p:cNvPr id="2" name="Title 1">
             <a:extLst>
               <a:ext uri="{FF2B5EF4-FFF2-40B4-BE49-F238E27FC236}">
-                <a16:creationId xmlns:a16="http://schemas.microsoft.com/office/drawing/2014/main" id="{888F497E-9F16-4202-BF6B-4BB9EBB5AD2B}"/>
+                <a16:creationId xmlns:a16="http://schemas.microsoft.com/office/drawing/2014/main" id="{430212B7-1368-4ECC-A5AF-E4302AD80B2A}"/>
               </a:ext>
             </a:extLst>
           </p:cNvPr>
@@ -5899,7 +5953,12 @@
             <p:ph type="title"/>
           </p:nvPr>
         </p:nvSpPr>
-        <p:spPr/>
+        <p:spPr>
+          <a:xfrm>
+            <a:off x="581192" y="721354"/>
+            <a:ext cx="11029616" cy="1188720"/>
+          </a:xfrm>
+        </p:spPr>
         <p:txBody>
           <a:bodyPr/>
           <a:lstStyle/>
@@ -5910,8 +5969,12 @@
                   <a:schemeClr val="bg1"/>
                 </a:solidFill>
               </a:rPr>
-              <a:t>Nginx</a:t>
-            </a:r>
+              <a:t>User interface Logic</a:t>
+            </a:r>
+            <a:br>
+              <a:rPr lang="en-US" dirty="0"/>
+            </a:br>
+            <a:endParaRPr lang="en-US" dirty="0"/>
           </a:p>
         </p:txBody>
       </p:sp>
@@ -5920,7 +5983,7 @@
           <p:cNvPr id="3" name="Content Placeholder 2">
             <a:extLst>
               <a:ext uri="{FF2B5EF4-FFF2-40B4-BE49-F238E27FC236}">
-                <a16:creationId xmlns:a16="http://schemas.microsoft.com/office/drawing/2014/main" id="{09062427-24B8-45C7-BAB9-2BD54764DBC5}"/>
+                <a16:creationId xmlns:a16="http://schemas.microsoft.com/office/drawing/2014/main" id="{E8B3E545-CAFB-408E-8037-F9C365A03CE9}"/>
               </a:ext>
             </a:extLst>
           </p:cNvPr>
@@ -5933,13 +5996,13 @@
         </p:nvSpPr>
         <p:spPr>
           <a:xfrm>
-            <a:off x="581193" y="2340864"/>
-            <a:ext cx="6063448" cy="4067556"/>
+            <a:off x="338138" y="1548942"/>
+            <a:ext cx="6863178" cy="5017509"/>
           </a:xfrm>
         </p:spPr>
         <p:txBody>
           <a:bodyPr>
-            <a:normAutofit fontScale="92500" lnSpcReduction="20000"/>
+            <a:normAutofit/>
           </a:bodyPr>
           <a:lstStyle/>
           <a:p>
@@ -5949,16 +6012,787 @@
                   <a:schemeClr val="bg1"/>
                 </a:solidFill>
               </a:rPr>
-              <a:t>Serves static web UI</a:t>
-            </a:r>
-          </a:p>
-          <a:p>
+              <a:t>Written in React as a PWA (Progressive Web App) with a Model-View-Controller Architecture</a:t>
+            </a:r>
+          </a:p>
+          <a:p>
+            <a:pPr lvl="1"/>
             <a:r>
               <a:rPr lang="en-US" dirty="0">
                 <a:solidFill>
                   <a:schemeClr val="bg1"/>
                 </a:solidFill>
               </a:rPr>
+              <a:t>Uses redux to create a local Model with app data</a:t>
+            </a:r>
+          </a:p>
+          <a:p>
+            <a:pPr lvl="1"/>
+            <a:r>
+              <a:rPr lang="en-US" dirty="0">
+                <a:solidFill>
+                  <a:schemeClr val="bg1"/>
+                </a:solidFill>
+              </a:rPr>
+              <a:t>Redux sagas implement a background thread (Controller) which mutates the Model</a:t>
+            </a:r>
+          </a:p>
+          <a:p>
+            <a:pPr lvl="1"/>
+            <a:r>
+              <a:rPr lang="en-US" dirty="0">
+                <a:solidFill>
+                  <a:schemeClr val="bg1"/>
+                </a:solidFill>
+              </a:rPr>
+              <a:t>React binds the Model to the UI</a:t>
+            </a:r>
+          </a:p>
+          <a:p>
+            <a:r>
+              <a:rPr lang="en-US" dirty="0">
+                <a:solidFill>
+                  <a:schemeClr val="bg1"/>
+                </a:solidFill>
+              </a:rPr>
+              <a:t>Architecture allows for complex logic such as refreshing the tokens, matchmaking and communicating with multiple services client-side</a:t>
+            </a:r>
+          </a:p>
+          <a:p>
+            <a:r>
+              <a:rPr lang="en-US" dirty="0">
+                <a:solidFill>
+                  <a:schemeClr val="bg1"/>
+                </a:solidFill>
+              </a:rPr>
+              <a:t>Uses </a:t>
+            </a:r>
+            <a:r>
+              <a:rPr lang="en-US" dirty="0" err="1">
+                <a:solidFill>
+                  <a:schemeClr val="bg1"/>
+                </a:solidFill>
+              </a:rPr>
+              <a:t>Websockets</a:t>
+            </a:r>
+            <a:r>
+              <a:rPr lang="en-US" dirty="0">
+                <a:solidFill>
+                  <a:schemeClr val="bg1"/>
+                </a:solidFill>
+              </a:rPr>
+              <a:t> (socket.io) to communicate with </a:t>
+            </a:r>
+            <a:r>
+              <a:rPr lang="en-US" dirty="0" err="1">
+                <a:solidFill>
+                  <a:schemeClr val="bg1"/>
+                </a:solidFill>
+              </a:rPr>
+              <a:t>Playmaster</a:t>
+            </a:r>
+            <a:endParaRPr lang="en-US" dirty="0">
+              <a:solidFill>
+                <a:schemeClr val="bg1"/>
+              </a:solidFill>
+            </a:endParaRPr>
+          </a:p>
+          <a:p>
+            <a:pPr lvl="1"/>
+            <a:r>
+              <a:rPr lang="en-US" dirty="0" err="1">
+                <a:solidFill>
+                  <a:schemeClr val="bg1"/>
+                </a:solidFill>
+              </a:rPr>
+              <a:t>Websockets</a:t>
+            </a:r>
+            <a:r>
+              <a:rPr lang="en-US" dirty="0">
+                <a:solidFill>
+                  <a:schemeClr val="bg1"/>
+                </a:solidFill>
+              </a:rPr>
+              <a:t> provide instant response during the game, allowing fast moves, smooth gameplay, and access to Chat</a:t>
+            </a:r>
+          </a:p>
+        </p:txBody>
+      </p:sp>
+      <p:pic>
+        <p:nvPicPr>
+          <p:cNvPr id="7" name="Picture 6">
+            <a:extLst>
+              <a:ext uri="{FF2B5EF4-FFF2-40B4-BE49-F238E27FC236}">
+                <a16:creationId xmlns:a16="http://schemas.microsoft.com/office/drawing/2014/main" id="{004800BD-F5FD-4502-BB6A-225649B037DB}"/>
+              </a:ext>
+            </a:extLst>
+          </p:cNvPr>
+          <p:cNvPicPr>
+            <a:picLocks noChangeAspect="1"/>
+          </p:cNvPicPr>
+          <p:nvPr/>
+        </p:nvPicPr>
+        <p:blipFill rotWithShape="1">
+          <a:blip r:embed="rId2"/>
+          <a:srcRect l="61787" r="4231"/>
+          <a:stretch/>
+        </p:blipFill>
+        <p:spPr>
+          <a:xfrm>
+            <a:off x="10134379" y="1436258"/>
+            <a:ext cx="1587045" cy="1800306"/>
+          </a:xfrm>
+          <a:prstGeom prst="rect">
+            <a:avLst/>
+          </a:prstGeom>
+        </p:spPr>
+      </p:pic>
+      <p:pic>
+        <p:nvPicPr>
+          <p:cNvPr id="10" name="Picture 9">
+            <a:extLst>
+              <a:ext uri="{FF2B5EF4-FFF2-40B4-BE49-F238E27FC236}">
+                <a16:creationId xmlns:a16="http://schemas.microsoft.com/office/drawing/2014/main" id="{EAB7B18C-07A8-4712-BDEB-80F2934D2374}"/>
+              </a:ext>
+            </a:extLst>
+          </p:cNvPr>
+          <p:cNvPicPr>
+            <a:picLocks noChangeAspect="1"/>
+          </p:cNvPicPr>
+          <p:nvPr/>
+        </p:nvPicPr>
+        <p:blipFill rotWithShape="1">
+          <a:blip r:embed="rId2"/>
+          <a:srcRect l="596" r="57789"/>
+          <a:stretch/>
+        </p:blipFill>
+        <p:spPr>
+          <a:xfrm>
+            <a:off x="10134380" y="3999838"/>
+            <a:ext cx="1587045" cy="1800306"/>
+          </a:xfrm>
+          <a:prstGeom prst="rect">
+            <a:avLst/>
+          </a:prstGeom>
+        </p:spPr>
+      </p:pic>
+      <p:pic>
+        <p:nvPicPr>
+          <p:cNvPr id="8" name="Picture 7">
+            <a:extLst>
+              <a:ext uri="{FF2B5EF4-FFF2-40B4-BE49-F238E27FC236}">
+                <a16:creationId xmlns:a16="http://schemas.microsoft.com/office/drawing/2014/main" id="{8BD2ED19-750C-4E52-B658-B9FB7B3E3818}"/>
+              </a:ext>
+            </a:extLst>
+          </p:cNvPr>
+          <p:cNvPicPr>
+            <a:picLocks noChangeAspect="1"/>
+          </p:cNvPicPr>
+          <p:nvPr/>
+        </p:nvPicPr>
+        <p:blipFill>
+          <a:blip r:embed="rId3"/>
+          <a:stretch>
+            <a:fillRect/>
+          </a:stretch>
+        </p:blipFill>
+        <p:spPr>
+          <a:xfrm>
+            <a:off x="8017784" y="1629419"/>
+            <a:ext cx="1672792" cy="1413983"/>
+          </a:xfrm>
+          <a:prstGeom prst="rect">
+            <a:avLst/>
+          </a:prstGeom>
+        </p:spPr>
+      </p:pic>
+      <p:pic>
+        <p:nvPicPr>
+          <p:cNvPr id="11" name="Picture 10">
+            <a:extLst>
+              <a:ext uri="{FF2B5EF4-FFF2-40B4-BE49-F238E27FC236}">
+                <a16:creationId xmlns:a16="http://schemas.microsoft.com/office/drawing/2014/main" id="{4155F6D9-2B35-42D3-BEED-C619989D0AAA}"/>
+              </a:ext>
+            </a:extLst>
+          </p:cNvPr>
+          <p:cNvPicPr>
+            <a:picLocks noChangeAspect="1"/>
+          </p:cNvPicPr>
+          <p:nvPr/>
+        </p:nvPicPr>
+        <p:blipFill>
+          <a:blip r:embed="rId4"/>
+          <a:stretch>
+            <a:fillRect/>
+          </a:stretch>
+        </p:blipFill>
+        <p:spPr>
+          <a:xfrm>
+            <a:off x="8017784" y="3951467"/>
+            <a:ext cx="1672792" cy="1793509"/>
+          </a:xfrm>
+          <a:prstGeom prst="rect">
+            <a:avLst/>
+          </a:prstGeom>
+        </p:spPr>
+      </p:pic>
+    </p:spTree>
+    <p:extLst>
+      <p:ext uri="{BB962C8B-B14F-4D97-AF65-F5344CB8AC3E}">
+        <p14:creationId xmlns:p14="http://schemas.microsoft.com/office/powerpoint/2010/main" val="2205383409"/>
+      </p:ext>
+    </p:extLst>
+  </p:cSld>
+  <p:clrMapOvr>
+    <a:masterClrMapping/>
+  </p:clrMapOvr>
+</p:sld>
+</file>
+
+<file path=ppt/slides/slide15.xml><?xml version="1.0" encoding="utf-8"?>
+<p:sld xmlns:a="http://schemas.openxmlformats.org/drawingml/2006/main" xmlns:r="http://schemas.openxmlformats.org/officeDocument/2006/relationships" xmlns:p="http://schemas.openxmlformats.org/presentationml/2006/main">
+  <p:cSld>
+    <p:bg>
+      <p:bgPr>
+        <a:solidFill>
+          <a:srgbClr val="102027"/>
+        </a:solidFill>
+        <a:effectLst/>
+      </p:bgPr>
+    </p:bg>
+    <p:spTree>
+      <p:nvGrpSpPr>
+        <p:cNvPr id="1" name=""/>
+        <p:cNvGrpSpPr/>
+        <p:nvPr/>
+      </p:nvGrpSpPr>
+      <p:grpSpPr>
+        <a:xfrm>
+          <a:off x="0" y="0"/>
+          <a:ext cx="0" cy="0"/>
+          <a:chOff x="0" y="0"/>
+          <a:chExt cx="0" cy="0"/>
+        </a:xfrm>
+      </p:grpSpPr>
+      <p:sp>
+        <p:nvSpPr>
+          <p:cNvPr id="2" name="Title 1">
+            <a:extLst>
+              <a:ext uri="{FF2B5EF4-FFF2-40B4-BE49-F238E27FC236}">
+                <a16:creationId xmlns:a16="http://schemas.microsoft.com/office/drawing/2014/main" id="{430212B7-1368-4ECC-A5AF-E4302AD80B2A}"/>
+              </a:ext>
+            </a:extLst>
+          </p:cNvPr>
+          <p:cNvSpPr>
+            <a:spLocks noGrp="1"/>
+          </p:cNvSpPr>
+          <p:nvPr>
+            <p:ph type="title"/>
+          </p:nvPr>
+        </p:nvSpPr>
+        <p:spPr>
+          <a:xfrm>
+            <a:off x="581192" y="721354"/>
+            <a:ext cx="11029616" cy="1188720"/>
+          </a:xfrm>
+        </p:spPr>
+        <p:txBody>
+          <a:bodyPr/>
+          <a:lstStyle/>
+          <a:p>
+            <a:r>
+              <a:rPr lang="en-US" dirty="0">
+                <a:solidFill>
+                  <a:schemeClr val="bg1"/>
+                </a:solidFill>
+              </a:rPr>
+              <a:t>Chess</a:t>
+            </a:r>
+            <a:br>
+              <a:rPr lang="en-US" dirty="0"/>
+            </a:br>
+            <a:endParaRPr lang="en-US" dirty="0"/>
+          </a:p>
+        </p:txBody>
+      </p:sp>
+      <p:sp>
+        <p:nvSpPr>
+          <p:cNvPr id="3" name="Content Placeholder 2">
+            <a:extLst>
+              <a:ext uri="{FF2B5EF4-FFF2-40B4-BE49-F238E27FC236}">
+                <a16:creationId xmlns:a16="http://schemas.microsoft.com/office/drawing/2014/main" id="{E8B3E545-CAFB-408E-8037-F9C365A03CE9}"/>
+              </a:ext>
+            </a:extLst>
+          </p:cNvPr>
+          <p:cNvSpPr>
+            <a:spLocks noGrp="1"/>
+          </p:cNvSpPr>
+          <p:nvPr>
+            <p:ph idx="1"/>
+          </p:nvPr>
+        </p:nvSpPr>
+        <p:spPr>
+          <a:xfrm>
+            <a:off x="291879" y="1476056"/>
+            <a:ext cx="6241443" cy="3891074"/>
+          </a:xfrm>
+        </p:spPr>
+        <p:txBody>
+          <a:bodyPr>
+            <a:normAutofit/>
+          </a:bodyPr>
+          <a:lstStyle/>
+          <a:p>
+            <a:r>
+              <a:rPr lang="en-US" dirty="0">
+                <a:solidFill>
+                  <a:schemeClr val="bg1"/>
+                </a:solidFill>
+              </a:rPr>
+              <a:t>Uses Chess.js library both on client and server for move validation</a:t>
+            </a:r>
+          </a:p>
+          <a:p>
+            <a:pPr lvl="1"/>
+            <a:r>
+              <a:rPr lang="en-US" dirty="0">
+                <a:solidFill>
+                  <a:schemeClr val="bg1"/>
+                </a:solidFill>
+              </a:rPr>
+              <a:t>Possible moves are highlighted when hovering a piece</a:t>
+            </a:r>
+          </a:p>
+          <a:p>
+            <a:pPr lvl="1"/>
+            <a:r>
+              <a:rPr lang="en-US" dirty="0">
+                <a:solidFill>
+                  <a:schemeClr val="bg1"/>
+                </a:solidFill>
+              </a:rPr>
+              <a:t>All Chess moves and game endings are supported, including promotion with any piece, </a:t>
+            </a:r>
+            <a:r>
+              <a:rPr lang="en-US" dirty="0" err="1">
+                <a:solidFill>
+                  <a:schemeClr val="bg1"/>
+                </a:solidFill>
+              </a:rPr>
+              <a:t>en</a:t>
+            </a:r>
+            <a:r>
+              <a:rPr lang="en-US" dirty="0">
+                <a:solidFill>
+                  <a:schemeClr val="bg1"/>
+                </a:solidFill>
+              </a:rPr>
+              <a:t> passant, and stalemate</a:t>
+            </a:r>
+          </a:p>
+          <a:p>
+            <a:pPr lvl="1"/>
+            <a:r>
+              <a:rPr lang="en-US" dirty="0">
+                <a:solidFill>
+                  <a:schemeClr val="bg1"/>
+                </a:solidFill>
+              </a:rPr>
+              <a:t>Revalidation of moves on server prevents cheating</a:t>
+            </a:r>
+          </a:p>
+          <a:p>
+            <a:pPr lvl="1"/>
+            <a:r>
+              <a:rPr lang="en-US" dirty="0">
+                <a:solidFill>
+                  <a:schemeClr val="bg1"/>
+                </a:solidFill>
+              </a:rPr>
+              <a:t>Source of truth of the play progress stays on the server and written to a replicated database every round</a:t>
+            </a:r>
+          </a:p>
+          <a:p>
+            <a:pPr lvl="2"/>
+            <a:r>
+              <a:rPr lang="en-US" dirty="0">
+                <a:solidFill>
+                  <a:schemeClr val="bg1"/>
+                </a:solidFill>
+              </a:rPr>
+              <a:t>Even if a </a:t>
+            </a:r>
+            <a:r>
+              <a:rPr lang="en-US" dirty="0" err="1">
+                <a:solidFill>
+                  <a:schemeClr val="bg1"/>
+                </a:solidFill>
+              </a:rPr>
+              <a:t>Playserver</a:t>
+            </a:r>
+            <a:r>
+              <a:rPr lang="en-US" dirty="0">
+                <a:solidFill>
+                  <a:schemeClr val="bg1"/>
+                </a:solidFill>
+              </a:rPr>
+              <a:t> dies progress is online so no exploit is possible</a:t>
+            </a:r>
+          </a:p>
+          <a:p>
+            <a:r>
+              <a:rPr lang="en-US" dirty="0">
+                <a:solidFill>
+                  <a:schemeClr val="bg1"/>
+                </a:solidFill>
+              </a:rPr>
+              <a:t>Backed by </a:t>
+            </a:r>
+            <a:r>
+              <a:rPr lang="en-US" dirty="0" err="1">
+                <a:solidFill>
+                  <a:schemeClr val="bg1"/>
+                </a:solidFill>
+              </a:rPr>
+              <a:t>Chessboard.jsx</a:t>
+            </a:r>
+            <a:r>
+              <a:rPr lang="en-US" dirty="0">
+                <a:solidFill>
+                  <a:schemeClr val="bg1"/>
+                </a:solidFill>
+              </a:rPr>
+              <a:t>, piece moves are animated</a:t>
+            </a:r>
+          </a:p>
+        </p:txBody>
+      </p:sp>
+      <p:pic>
+        <p:nvPicPr>
+          <p:cNvPr id="4" name="Picture 3">
+            <a:extLst>
+              <a:ext uri="{FF2B5EF4-FFF2-40B4-BE49-F238E27FC236}">
+                <a16:creationId xmlns:a16="http://schemas.microsoft.com/office/drawing/2014/main" id="{588FDEF3-E4A8-4237-B489-D88B91CD68C6}"/>
+              </a:ext>
+            </a:extLst>
+          </p:cNvPr>
+          <p:cNvPicPr>
+            <a:picLocks noChangeAspect="1"/>
+          </p:cNvPicPr>
+          <p:nvPr/>
+        </p:nvPicPr>
+        <p:blipFill>
+          <a:blip r:embed="rId2"/>
+          <a:stretch>
+            <a:fillRect/>
+          </a:stretch>
+        </p:blipFill>
+        <p:spPr>
+          <a:xfrm>
+            <a:off x="6416410" y="1476056"/>
+            <a:ext cx="5775590" cy="4177490"/>
+          </a:xfrm>
+          <a:prstGeom prst="rect">
+            <a:avLst/>
+          </a:prstGeom>
+        </p:spPr>
+      </p:pic>
+    </p:spTree>
+    <p:extLst>
+      <p:ext uri="{BB962C8B-B14F-4D97-AF65-F5344CB8AC3E}">
+        <p14:creationId xmlns:p14="http://schemas.microsoft.com/office/powerpoint/2010/main" val="1799289781"/>
+      </p:ext>
+    </p:extLst>
+  </p:cSld>
+  <p:clrMapOvr>
+    <a:masterClrMapping/>
+  </p:clrMapOvr>
+</p:sld>
+</file>
+
+<file path=ppt/slides/slide16.xml><?xml version="1.0" encoding="utf-8"?>
+<p:sld xmlns:a="http://schemas.openxmlformats.org/drawingml/2006/main" xmlns:r="http://schemas.openxmlformats.org/officeDocument/2006/relationships" xmlns:p="http://schemas.openxmlformats.org/presentationml/2006/main">
+  <p:cSld>
+    <p:bg>
+      <p:bgPr>
+        <a:solidFill>
+          <a:srgbClr val="102027"/>
+        </a:solidFill>
+        <a:effectLst/>
+      </p:bgPr>
+    </p:bg>
+    <p:spTree>
+      <p:nvGrpSpPr>
+        <p:cNvPr id="1" name=""/>
+        <p:cNvGrpSpPr/>
+        <p:nvPr/>
+      </p:nvGrpSpPr>
+      <p:grpSpPr>
+        <a:xfrm>
+          <a:off x="0" y="0"/>
+          <a:ext cx="0" cy="0"/>
+          <a:chOff x="0" y="0"/>
+          <a:chExt cx="0" cy="0"/>
+        </a:xfrm>
+      </p:grpSpPr>
+      <p:sp>
+        <p:nvSpPr>
+          <p:cNvPr id="2" name="Title 1">
+            <a:extLst>
+              <a:ext uri="{FF2B5EF4-FFF2-40B4-BE49-F238E27FC236}">
+                <a16:creationId xmlns:a16="http://schemas.microsoft.com/office/drawing/2014/main" id="{430212B7-1368-4ECC-A5AF-E4302AD80B2A}"/>
+              </a:ext>
+            </a:extLst>
+          </p:cNvPr>
+          <p:cNvSpPr>
+            <a:spLocks noGrp="1"/>
+          </p:cNvSpPr>
+          <p:nvPr>
+            <p:ph type="title"/>
+          </p:nvPr>
+        </p:nvSpPr>
+        <p:spPr>
+          <a:xfrm>
+            <a:off x="581192" y="721354"/>
+            <a:ext cx="11029616" cy="1188720"/>
+          </a:xfrm>
+        </p:spPr>
+        <p:txBody>
+          <a:bodyPr/>
+          <a:lstStyle/>
+          <a:p>
+            <a:r>
+              <a:rPr lang="en-US" dirty="0">
+                <a:solidFill>
+                  <a:schemeClr val="bg1"/>
+                </a:solidFill>
+              </a:rPr>
+              <a:t>Tic-Tac-Toe</a:t>
+            </a:r>
+            <a:br>
+              <a:rPr lang="en-US" dirty="0"/>
+            </a:br>
+            <a:endParaRPr lang="en-US" dirty="0"/>
+          </a:p>
+        </p:txBody>
+      </p:sp>
+      <p:sp>
+        <p:nvSpPr>
+          <p:cNvPr id="3" name="Content Placeholder 2">
+            <a:extLst>
+              <a:ext uri="{FF2B5EF4-FFF2-40B4-BE49-F238E27FC236}">
+                <a16:creationId xmlns:a16="http://schemas.microsoft.com/office/drawing/2014/main" id="{E8B3E545-CAFB-408E-8037-F9C365A03CE9}"/>
+              </a:ext>
+            </a:extLst>
+          </p:cNvPr>
+          <p:cNvSpPr>
+            <a:spLocks noGrp="1"/>
+          </p:cNvSpPr>
+          <p:nvPr>
+            <p:ph idx="1"/>
+          </p:nvPr>
+        </p:nvSpPr>
+        <p:spPr>
+          <a:xfrm>
+            <a:off x="338138" y="1548942"/>
+            <a:ext cx="6679882" cy="3341110"/>
+          </a:xfrm>
+        </p:spPr>
+        <p:txBody>
+          <a:bodyPr>
+            <a:normAutofit/>
+          </a:bodyPr>
+          <a:lstStyle/>
+          <a:p>
+            <a:r>
+              <a:rPr lang="en-US" dirty="0">
+                <a:solidFill>
+                  <a:schemeClr val="bg1"/>
+                </a:solidFill>
+              </a:rPr>
+              <a:t>Uses custom-made validator on both server and client</a:t>
+            </a:r>
+          </a:p>
+          <a:p>
+            <a:r>
+              <a:rPr lang="en-US" dirty="0">
+                <a:solidFill>
+                  <a:schemeClr val="bg1"/>
+                </a:solidFill>
+              </a:rPr>
+              <a:t>Provides the same standard of security as Chess</a:t>
+            </a:r>
+          </a:p>
+          <a:p>
+            <a:r>
+              <a:rPr lang="en-US" dirty="0">
+                <a:solidFill>
+                  <a:schemeClr val="bg1"/>
+                </a:solidFill>
+              </a:rPr>
+              <a:t>UI made from scratch</a:t>
+            </a:r>
+          </a:p>
+          <a:p>
+            <a:endParaRPr lang="en-US" dirty="0">
+              <a:solidFill>
+                <a:schemeClr val="bg1"/>
+              </a:solidFill>
+            </a:endParaRPr>
+          </a:p>
+          <a:p>
+            <a:endParaRPr lang="en-US" dirty="0">
+              <a:solidFill>
+                <a:schemeClr val="bg1"/>
+              </a:solidFill>
+            </a:endParaRPr>
+          </a:p>
+        </p:txBody>
+      </p:sp>
+      <p:pic>
+        <p:nvPicPr>
+          <p:cNvPr id="5" name="Picture 4">
+            <a:extLst>
+              <a:ext uri="{FF2B5EF4-FFF2-40B4-BE49-F238E27FC236}">
+                <a16:creationId xmlns:a16="http://schemas.microsoft.com/office/drawing/2014/main" id="{70FA1105-0CA2-47C2-91DF-24A74762645C}"/>
+              </a:ext>
+            </a:extLst>
+          </p:cNvPr>
+          <p:cNvPicPr>
+            <a:picLocks noChangeAspect="1"/>
+          </p:cNvPicPr>
+          <p:nvPr/>
+        </p:nvPicPr>
+        <p:blipFill>
+          <a:blip r:embed="rId2"/>
+          <a:stretch>
+            <a:fillRect/>
+          </a:stretch>
+        </p:blipFill>
+        <p:spPr>
+          <a:xfrm>
+            <a:off x="6050517" y="1368723"/>
+            <a:ext cx="5739196" cy="3826130"/>
+          </a:xfrm>
+          <a:prstGeom prst="rect">
+            <a:avLst/>
+          </a:prstGeom>
+        </p:spPr>
+      </p:pic>
+    </p:spTree>
+    <p:extLst>
+      <p:ext uri="{BB962C8B-B14F-4D97-AF65-F5344CB8AC3E}">
+        <p14:creationId xmlns:p14="http://schemas.microsoft.com/office/powerpoint/2010/main" val="1285528620"/>
+      </p:ext>
+    </p:extLst>
+  </p:cSld>
+  <p:clrMapOvr>
+    <a:masterClrMapping/>
+  </p:clrMapOvr>
+</p:sld>
+</file>
+
+<file path=ppt/slides/slide17.xml><?xml version="1.0" encoding="utf-8"?>
+<p:sld xmlns:a="http://schemas.openxmlformats.org/drawingml/2006/main" xmlns:r="http://schemas.openxmlformats.org/officeDocument/2006/relationships" xmlns:p="http://schemas.openxmlformats.org/presentationml/2006/main">
+  <p:cSld>
+    <p:bg>
+      <p:bgPr>
+        <a:solidFill>
+          <a:srgbClr val="102027"/>
+        </a:solidFill>
+        <a:effectLst/>
+      </p:bgPr>
+    </p:bg>
+    <p:spTree>
+      <p:nvGrpSpPr>
+        <p:cNvPr id="1" name=""/>
+        <p:cNvGrpSpPr/>
+        <p:nvPr/>
+      </p:nvGrpSpPr>
+      <p:grpSpPr>
+        <a:xfrm>
+          <a:off x="0" y="0"/>
+          <a:ext cx="0" cy="0"/>
+          <a:chOff x="0" y="0"/>
+          <a:chExt cx="0" cy="0"/>
+        </a:xfrm>
+      </p:grpSpPr>
+      <p:sp>
+        <p:nvSpPr>
+          <p:cNvPr id="2" name="Title 1">
+            <a:extLst>
+              <a:ext uri="{FF2B5EF4-FFF2-40B4-BE49-F238E27FC236}">
+                <a16:creationId xmlns:a16="http://schemas.microsoft.com/office/drawing/2014/main" id="{888F497E-9F16-4202-BF6B-4BB9EBB5AD2B}"/>
+              </a:ext>
+            </a:extLst>
+          </p:cNvPr>
+          <p:cNvSpPr>
+            <a:spLocks noGrp="1"/>
+          </p:cNvSpPr>
+          <p:nvPr>
+            <p:ph type="title"/>
+          </p:nvPr>
+        </p:nvSpPr>
+        <p:spPr/>
+        <p:txBody>
+          <a:bodyPr/>
+          <a:lstStyle/>
+          <a:p>
+            <a:r>
+              <a:rPr lang="en-US" dirty="0">
+                <a:solidFill>
+                  <a:schemeClr val="bg1"/>
+                </a:solidFill>
+              </a:rPr>
+              <a:t>Nginx</a:t>
+            </a:r>
+          </a:p>
+        </p:txBody>
+      </p:sp>
+      <p:sp>
+        <p:nvSpPr>
+          <p:cNvPr id="3" name="Content Placeholder 2">
+            <a:extLst>
+              <a:ext uri="{FF2B5EF4-FFF2-40B4-BE49-F238E27FC236}">
+                <a16:creationId xmlns:a16="http://schemas.microsoft.com/office/drawing/2014/main" id="{09062427-24B8-45C7-BAB9-2BD54764DBC5}"/>
+              </a:ext>
+            </a:extLst>
+          </p:cNvPr>
+          <p:cNvSpPr>
+            <a:spLocks noGrp="1"/>
+          </p:cNvSpPr>
+          <p:nvPr>
+            <p:ph idx="1"/>
+          </p:nvPr>
+        </p:nvSpPr>
+        <p:spPr>
+          <a:xfrm>
+            <a:off x="581193" y="2040834"/>
+            <a:ext cx="6063448" cy="4367585"/>
+          </a:xfrm>
+        </p:spPr>
+        <p:txBody>
+          <a:bodyPr>
+            <a:normAutofit fontScale="77500" lnSpcReduction="20000"/>
+          </a:bodyPr>
+          <a:lstStyle/>
+          <a:p>
+            <a:r>
+              <a:rPr lang="en-US" dirty="0">
+                <a:solidFill>
+                  <a:schemeClr val="bg1"/>
+                </a:solidFill>
+              </a:rPr>
+              <a:t>Serves the complete Frontend UI</a:t>
+            </a:r>
+          </a:p>
+          <a:p>
+            <a:r>
+              <a:rPr lang="en-US" dirty="0">
+                <a:solidFill>
+                  <a:schemeClr val="bg1"/>
+                </a:solidFill>
+              </a:rPr>
               <a:t>All traffic from the outside world passes through NGINX</a:t>
             </a:r>
           </a:p>
@@ -5969,7 +6803,7 @@
                   <a:schemeClr val="bg1"/>
                 </a:solidFill>
               </a:rPr>
-              <a:t>Restricts access to certain API nodes</a:t>
+              <a:t>Solves CORS issues</a:t>
             </a:r>
           </a:p>
           <a:p>
@@ -5979,6 +6813,16 @@
                   <a:schemeClr val="bg1"/>
                 </a:solidFill>
               </a:rPr>
+              <a:t>Limits access to internal services to a specified port and protocol</a:t>
+            </a:r>
+          </a:p>
+          <a:p>
+            <a:r>
+              <a:rPr lang="en-US" dirty="0">
+                <a:solidFill>
+                  <a:schemeClr val="bg1"/>
+                </a:solidFill>
+              </a:rPr>
               <a:t>Used as reverse proxy for:</a:t>
             </a:r>
           </a:p>
@@ -5998,7 +6842,7 @@
                   <a:schemeClr val="bg1"/>
                 </a:solidFill>
               </a:rPr>
-              <a:t>playmaster</a:t>
+              <a:t>Playmaster</a:t>
             </a:r>
             <a:r>
               <a:rPr lang="en-US" dirty="0">
@@ -6006,7 +6850,72 @@
                   <a:schemeClr val="bg1"/>
                 </a:solidFill>
               </a:rPr>
-              <a:t> (</a:t>
+              <a:t> (sockets + REST)</a:t>
+            </a:r>
+          </a:p>
+          <a:p>
+            <a:pPr lvl="1"/>
+            <a:r>
+              <a:rPr lang="en-US" dirty="0">
+                <a:solidFill>
+                  <a:schemeClr val="bg1"/>
+                </a:solidFill>
+              </a:rPr>
+              <a:t>Connection with Gamemaster</a:t>
+            </a:r>
+          </a:p>
+          <a:p>
+            <a:pPr lvl="1"/>
+            <a:r>
+              <a:rPr lang="en-US" dirty="0">
+                <a:solidFill>
+                  <a:schemeClr val="bg1"/>
+                </a:solidFill>
+              </a:rPr>
+              <a:t>Authentication service</a:t>
+            </a:r>
+          </a:p>
+          <a:p>
+            <a:r>
+              <a:rPr lang="en-US" dirty="0">
+                <a:solidFill>
+                  <a:schemeClr val="bg1"/>
+                </a:solidFill>
+              </a:rPr>
+              <a:t>Proxy-redirect rules:</a:t>
+            </a:r>
+          </a:p>
+          <a:p>
+            <a:pPr lvl="1"/>
+            <a:r>
+              <a:rPr lang="en-US" dirty="0">
+                <a:solidFill>
+                  <a:schemeClr val="bg1"/>
+                </a:solidFill>
+              </a:rPr>
+              <a:t>/games/g# ⟶  192.170.0.#:3000</a:t>
+            </a:r>
+          </a:p>
+          <a:p>
+            <a:pPr lvl="1"/>
+            <a:r>
+              <a:rPr lang="en-US" dirty="0">
+                <a:solidFill>
+                  <a:schemeClr val="bg1"/>
+                </a:solidFill>
+              </a:rPr>
+              <a:t>/auth ⟶ http://auth</a:t>
+            </a:r>
+          </a:p>
+          <a:p>
+            <a:pPr lvl="1"/>
+            <a:r>
+              <a:rPr lang="en-US" dirty="0">
+                <a:solidFill>
+                  <a:schemeClr val="bg1"/>
+                </a:solidFill>
+              </a:rPr>
+              <a:t>/</a:t>
             </a:r>
             <a:r>
               <a:rPr lang="en-US" dirty="0" err="1">
@@ -6014,7 +6923,7 @@
                   <a:schemeClr val="bg1"/>
                 </a:solidFill>
               </a:rPr>
-              <a:t>sockets+REST</a:t>
+              <a:t>api</a:t>
             </a:r>
             <a:r>
               <a:rPr lang="en-US" dirty="0">
@@ -6022,7 +6931,17 @@
                   <a:schemeClr val="bg1"/>
                 </a:solidFill>
               </a:rPr>
-              <a:t>)</a:t>
+              <a:t> ⟶ http://api:3000</a:t>
+            </a:r>
+          </a:p>
+          <a:p>
+            <a:r>
+              <a:rPr lang="en-US" dirty="0">
+                <a:solidFill>
+                  <a:schemeClr val="bg1"/>
+                </a:solidFill>
+              </a:rPr>
+              <a:t>One is enough per Datacenter (can saturate uplink connection)</a:t>
             </a:r>
           </a:p>
           <a:p>
@@ -6033,81 +6952,8 @@
                   <a:schemeClr val="bg1"/>
                 </a:solidFill>
               </a:rPr>
-              <a:t>Connection with Gamemaster</a:t>
-            </a:r>
-          </a:p>
-          <a:p>
-            <a:pPr lvl="1"/>
-            <a:r>
-              <a:rPr lang="en-US" dirty="0">
-                <a:solidFill>
-                  <a:schemeClr val="bg1"/>
-                </a:solidFill>
-              </a:rPr>
-              <a:t>Authentication service</a:t>
-            </a:r>
-          </a:p>
-          <a:p>
-            <a:r>
-              <a:rPr lang="en-US" dirty="0">
-                <a:solidFill>
-                  <a:schemeClr val="bg1"/>
-                </a:solidFill>
-              </a:rPr>
-              <a:t>Proxy-redirect rules:</a:t>
-            </a:r>
-          </a:p>
-          <a:p>
-            <a:pPr lvl="1"/>
-            <a:r>
-              <a:rPr lang="en-US" dirty="0">
-                <a:solidFill>
-                  <a:schemeClr val="bg1"/>
-                </a:solidFill>
-              </a:rPr>
-              <a:t>/games/g# ⟶  192.170.0.#:3000</a:t>
-            </a:r>
-          </a:p>
-          <a:p>
-            <a:pPr lvl="1"/>
-            <a:r>
-              <a:rPr lang="en-US" dirty="0">
-                <a:solidFill>
-                  <a:schemeClr val="bg1"/>
-                </a:solidFill>
-              </a:rPr>
-              <a:t>/auth ⟶ http://auth</a:t>
-            </a:r>
-          </a:p>
-          <a:p>
-            <a:pPr lvl="1"/>
-            <a:r>
-              <a:rPr lang="en-US" dirty="0">
-                <a:solidFill>
-                  <a:schemeClr val="bg1"/>
-                </a:solidFill>
-              </a:rPr>
-              <a:t>/</a:t>
-            </a:r>
-            <a:r>
-              <a:rPr lang="en-US" dirty="0" err="1">
-                <a:solidFill>
-                  <a:schemeClr val="bg1"/>
-                </a:solidFill>
-              </a:rPr>
-              <a:t>api</a:t>
-            </a:r>
-            <a:r>
-              <a:rPr lang="en-US" dirty="0">
-                <a:solidFill>
-                  <a:schemeClr val="bg1"/>
-                </a:solidFill>
-              </a:rPr>
-              <a:t> ⟶ http://api:3000</a:t>
-            </a:r>
-          </a:p>
-          <a:p>
-            <a:endParaRPr lang="en-US" dirty="0"/>
+              <a:t>If the Node containing it fails, it can be moved to another one</a:t>
+            </a:r>
           </a:p>
         </p:txBody>
       </p:sp>
@@ -6212,7 +7058,7 @@
 </p:sld>
 </file>
 
-<file path=ppt/slides/slide15.xml><?xml version="1.0" encoding="utf-8"?>
+<file path=ppt/slides/slide18.xml><?xml version="1.0" encoding="utf-8"?>
 <p:sld xmlns:a="http://schemas.openxmlformats.org/drawingml/2006/main" xmlns:r="http://schemas.openxmlformats.org/officeDocument/2006/relationships" xmlns:p="http://schemas.openxmlformats.org/presentationml/2006/main">
   <p:cSld>
     <p:spTree>
@@ -6542,7 +7388,7 @@
 </p:sld>
 </file>
 
-<file path=ppt/slides/slide16.xml><?xml version="1.0" encoding="utf-8"?>
+<file path=ppt/slides/slide19.xml><?xml version="1.0" encoding="utf-8"?>
 <p:sld xmlns:a="http://schemas.openxmlformats.org/drawingml/2006/main" xmlns:r="http://schemas.openxmlformats.org/officeDocument/2006/relationships" xmlns:p="http://schemas.openxmlformats.org/presentationml/2006/main">
   <p:cSld>
     <p:spTree>
@@ -10543,7 +11389,7 @@
         <p:spPr>
           <a:xfrm>
             <a:off x="581193" y="1890876"/>
-            <a:ext cx="7877008" cy="4084474"/>
+            <a:ext cx="7297224" cy="4084474"/>
           </a:xfrm>
         </p:spPr>
         <p:txBody>
@@ -10615,15 +11461,7 @@
             </a:r>
             <a:r>
               <a:rPr lang="en-US" dirty="0"/>
-              <a:t>for communication with clients (includes </a:t>
-            </a:r>
-            <a:r>
-              <a:rPr lang="en-US" u="sng" dirty="0"/>
-              <a:t>chat</a:t>
-            </a:r>
-            <a:r>
-              <a:rPr lang="en-US" dirty="0"/>
-              <a:t>)</a:t>
+              <a:t>for communication with clients (web socket based) and includes chat</a:t>
             </a:r>
           </a:p>
           <a:p>

--- a/presentation/Distributed.pptx
+++ b/presentation/Distributed.pptx
@@ -3981,8 +3981,8 @@
         </p:nvSpPr>
         <p:spPr>
           <a:xfrm>
-            <a:off x="321733" y="2855387"/>
-            <a:ext cx="6080591" cy="1769093"/>
+            <a:off x="321733" y="2855388"/>
+            <a:ext cx="6080591" cy="2188610"/>
           </a:xfrm>
         </p:spPr>
         <p:txBody>
@@ -4057,7 +4057,52 @@
                   </a:innerShdw>
                 </a:effectLst>
               </a:rPr>
-              <a:t>systems</a:t>
+              <a:t>systems,</a:t>
+            </a:r>
+            <a:br>
+              <a:rPr lang="en-US" sz="6000" b="1" cap="none" dirty="0">
+                <a:ln w="12700">
+                  <a:solidFill>
+                    <a:schemeClr val="accent3">
+                      <a:lumMod val="50000"/>
+                    </a:schemeClr>
+                  </a:solidFill>
+                  <a:prstDash val="solid"/>
+                </a:ln>
+                <a:solidFill>
+                  <a:schemeClr val="bg1"/>
+                </a:solidFill>
+                <a:effectLst>
+                  <a:innerShdw blurRad="177800">
+                    <a:schemeClr val="accent3">
+                      <a:lumMod val="50000"/>
+                    </a:schemeClr>
+                  </a:innerShdw>
+                </a:effectLst>
+              </a:rPr>
+            </a:br>
+            <a:r>
+              <a:rPr lang="en-US" sz="3100" b="1" cap="none" dirty="0">
+                <a:ln w="12700">
+                  <a:solidFill>
+                    <a:schemeClr val="accent3">
+                      <a:lumMod val="50000"/>
+                    </a:schemeClr>
+                  </a:solidFill>
+                  <a:prstDash val="solid"/>
+                </a:ln>
+                <a:solidFill>
+                  <a:srgbClr val="FFFF00"/>
+                </a:solidFill>
+                <a:effectLst>
+                  <a:innerShdw blurRad="177800">
+                    <a:schemeClr val="accent3">
+                      <a:lumMod val="50000"/>
+                    </a:schemeClr>
+                  </a:innerShdw>
+                </a:effectLst>
+              </a:rPr>
+              <a:t>COMP411</a:t>
             </a:r>
             <a:br>
               <a:rPr lang="en-US" sz="9600" dirty="0">
@@ -4168,13 +4213,13 @@
         </p:nvSpPr>
         <p:spPr>
           <a:xfrm>
-            <a:off x="321733" y="4718033"/>
+            <a:off x="321733" y="5363479"/>
             <a:ext cx="10634738" cy="1175039"/>
           </a:xfrm>
         </p:spPr>
         <p:txBody>
           <a:bodyPr anchor="b">
-            <a:normAutofit/>
+            <a:normAutofit fontScale="92500" lnSpcReduction="10000"/>
           </a:bodyPr>
           <a:lstStyle/>
           <a:p>
@@ -4218,7 +4263,17 @@
                   <a:schemeClr val="bg1"/>
                 </a:solidFill>
               </a:rPr>
-              <a:t>Margaritis </a:t>
+              <a:t>Margaritis Georgios</a:t>
+            </a:r>
+          </a:p>
+          <a:p>
+            <a:r>
+              <a:rPr lang="en-US" sz="1800" dirty="0">
+                <a:solidFill>
+                  <a:schemeClr val="bg1"/>
+                </a:solidFill>
+              </a:rPr>
+              <a:t>Instr. V. </a:t>
             </a:r>
             <a:r>
               <a:rPr lang="en-US" sz="1800" dirty="0" err="1">
@@ -4226,7 +4281,7 @@
                   <a:schemeClr val="bg1"/>
                 </a:solidFill>
               </a:rPr>
-              <a:t>georgios</a:t>
+              <a:t>Samoladas</a:t>
             </a:r>
             <a:endParaRPr lang="en-US" sz="1800" dirty="0">
               <a:solidFill>
@@ -5435,10 +5490,26 @@
                   <a:schemeClr val="bg1"/>
                 </a:solidFill>
               </a:rPr>
-              <a:t> creates an </a:t>
-            </a:r>
-            <a:r>
-              <a:rPr lang="en-US" b="1" dirty="0" err="1">
+              <a:t> creates a </a:t>
+            </a:r>
+            <a:r>
+              <a:rPr lang="en-US" b="1" u="sng" dirty="0">
+                <a:solidFill>
+                  <a:schemeClr val="bg1"/>
+                </a:solidFill>
+              </a:rPr>
+              <a:t>sequential</a:t>
+            </a:r>
+            <a:r>
+              <a:rPr lang="en-US" u="sng" dirty="0">
+                <a:solidFill>
+                  <a:schemeClr val="bg1"/>
+                </a:solidFill>
+              </a:rPr>
+              <a:t> </a:t>
+            </a:r>
+            <a:r>
+              <a:rPr lang="en-US" b="1" u="sng" dirty="0" err="1">
                 <a:solidFill>
                   <a:schemeClr val="bg1"/>
                 </a:solidFill>
@@ -5446,12 +5517,20 @@
               <a:t>emphemeral</a:t>
             </a:r>
             <a:r>
-              <a:rPr lang="en-US" dirty="0">
-                <a:solidFill>
-                  <a:schemeClr val="bg1"/>
-                </a:solidFill>
-              </a:rPr>
-              <a:t> node in zookeeper containing:</a:t>
+              <a:rPr lang="en-US" u="sng" dirty="0">
+                <a:solidFill>
+                  <a:schemeClr val="bg1"/>
+                </a:solidFill>
+              </a:rPr>
+              <a:t> </a:t>
+            </a:r>
+            <a:r>
+              <a:rPr lang="en-US" dirty="0">
+                <a:solidFill>
+                  <a:schemeClr val="bg1"/>
+                </a:solidFill>
+              </a:rPr>
+              <a:t>node in zookeeper containing:</a:t>
             </a:r>
           </a:p>
           <a:p>
@@ -5907,7 +5986,7 @@
                   <a:schemeClr val="bg1"/>
                 </a:solidFill>
               </a:rPr>
-              <a:t> timeout (3 sec)</a:t>
+              <a:t> session timeout (3 sec)</a:t>
             </a:r>
           </a:p>
           <a:p>
@@ -7847,10 +7926,10 @@
       </p:sp>
       <p:pic>
         <p:nvPicPr>
-          <p:cNvPr id="4" name="Picture 3">
+          <p:cNvPr id="6" name="Picture 5">
             <a:extLst>
               <a:ext uri="{FF2B5EF4-FFF2-40B4-BE49-F238E27FC236}">
-                <a16:creationId xmlns:a16="http://schemas.microsoft.com/office/drawing/2014/main" id="{588FDEF3-E4A8-4237-B489-D88B91CD68C6}"/>
+                <a16:creationId xmlns:a16="http://schemas.microsoft.com/office/drawing/2014/main" id="{6617AD4F-F177-439C-BA0D-947490B8A2A7}"/>
               </a:ext>
             </a:extLst>
           </p:cNvPr>
@@ -7867,8 +7946,8 @@
         </p:blipFill>
         <p:spPr>
           <a:xfrm>
-            <a:off x="6416410" y="1476056"/>
-            <a:ext cx="5775590" cy="4177490"/>
+            <a:off x="6576723" y="1706395"/>
+            <a:ext cx="5323398" cy="3660735"/>
           </a:xfrm>
           <a:prstGeom prst="rect">
             <a:avLst/>
@@ -8021,10 +8100,10 @@
       </p:sp>
       <p:pic>
         <p:nvPicPr>
-          <p:cNvPr id="5" name="Picture 4">
+          <p:cNvPr id="4" name="Picture 3">
             <a:extLst>
               <a:ext uri="{FF2B5EF4-FFF2-40B4-BE49-F238E27FC236}">
-                <a16:creationId xmlns:a16="http://schemas.microsoft.com/office/drawing/2014/main" id="{70FA1105-0CA2-47C2-91DF-24A74762645C}"/>
+                <a16:creationId xmlns:a16="http://schemas.microsoft.com/office/drawing/2014/main" id="{6018D2A9-6C98-40B3-8B8E-F3947049E1CF}"/>
               </a:ext>
             </a:extLst>
           </p:cNvPr>
@@ -8041,8 +8120,8 @@
         </p:blipFill>
         <p:spPr>
           <a:xfrm>
-            <a:off x="6050517" y="1368723"/>
-            <a:ext cx="5739196" cy="3826130"/>
+            <a:off x="6091497" y="1344267"/>
+            <a:ext cx="5762365" cy="3964791"/>
           </a:xfrm>
           <a:prstGeom prst="rect">
             <a:avLst/>
@@ -8108,6 +8187,18 @@
               </a:rPr>
               <a:t>Nginx</a:t>
             </a:r>
+            <a:br>
+              <a:rPr lang="en-US" dirty="0">
+                <a:solidFill>
+                  <a:schemeClr val="bg1"/>
+                </a:solidFill>
+              </a:rPr>
+            </a:br>
+            <a:endParaRPr lang="en-US" dirty="0">
+              <a:solidFill>
+                <a:schemeClr val="bg1"/>
+              </a:solidFill>
+            </a:endParaRPr>
           </a:p>
         </p:txBody>
       </p:sp>
@@ -8129,13 +8220,13 @@
         </p:nvSpPr>
         <p:spPr>
           <a:xfrm>
-            <a:off x="581193" y="2040834"/>
-            <a:ext cx="6063448" cy="4367585"/>
+            <a:off x="581193" y="1600200"/>
+            <a:ext cx="6063448" cy="4808219"/>
           </a:xfrm>
         </p:spPr>
         <p:txBody>
           <a:bodyPr>
-            <a:normAutofit fontScale="77500" lnSpcReduction="20000"/>
+            <a:normAutofit fontScale="85000" lnSpcReduction="10000"/>
           </a:bodyPr>
           <a:lstStyle/>
           <a:p>
@@ -10329,6 +10420,18 @@
               </a:rPr>
               <a:t>Zookeeper</a:t>
             </a:r>
+            <a:br>
+              <a:rPr lang="en-US" dirty="0">
+                <a:solidFill>
+                  <a:schemeClr val="bg1"/>
+                </a:solidFill>
+              </a:rPr>
+            </a:br>
+            <a:endParaRPr lang="en-US" dirty="0">
+              <a:solidFill>
+                <a:schemeClr val="bg1"/>
+              </a:solidFill>
+            </a:endParaRPr>
           </a:p>
         </p:txBody>
       </p:sp>
@@ -11727,7 +11830,7 @@
         </p:nvSpPr>
         <p:spPr>
           <a:xfrm>
-            <a:off x="9337274" y="3067734"/>
+            <a:off x="9711690" y="3220134"/>
             <a:ext cx="1447800" cy="646331"/>
           </a:xfrm>
           <a:prstGeom prst="rect">
@@ -11794,7 +11897,7 @@
         </p:nvCxnSpPr>
         <p:spPr>
           <a:xfrm flipH="1">
-            <a:off x="8582060" y="3390900"/>
+            <a:off x="8956476" y="3543300"/>
             <a:ext cx="755214" cy="0"/>
           </a:xfrm>
           <a:prstGeom prst="straightConnector1">
@@ -11833,7 +11936,7 @@
         </p:nvCxnSpPr>
         <p:spPr>
           <a:xfrm flipH="1">
-            <a:off x="8582059" y="3589020"/>
+            <a:off x="8956475" y="3741420"/>
             <a:ext cx="755215" cy="0"/>
           </a:xfrm>
           <a:prstGeom prst="straightConnector1">
@@ -11874,7 +11977,7 @@
         </p:nvCxnSpPr>
         <p:spPr>
           <a:xfrm flipH="1">
-            <a:off x="8582059" y="3230880"/>
+            <a:off x="8956475" y="3383280"/>
             <a:ext cx="755214" cy="0"/>
           </a:xfrm>
           <a:prstGeom prst="straightConnector1">
@@ -13329,7 +13432,7 @@
                       <a:schemeClr val="bg1"/>
                     </a:solidFill>
                   </a:rPr>
-                  <a:t> The 2 remaining players play for 1</a:t>
+                  <a:t>The 2 remaining players play for 1</a:t>
                 </a:r>
                 <a:r>
                   <a:rPr lang="en-US" baseline="30000" dirty="0">

--- a/presentation/Distributed.pptx
+++ b/presentation/Distributed.pptx
@@ -7946,8 +7946,98 @@
         </p:blipFill>
         <p:spPr>
           <a:xfrm>
-            <a:off x="6576723" y="1706395"/>
+            <a:off x="6533322" y="921535"/>
             <a:ext cx="5323398" cy="3660735"/>
+          </a:xfrm>
+          <a:prstGeom prst="rect">
+            <a:avLst/>
+          </a:prstGeom>
+        </p:spPr>
+      </p:pic>
+      <p:pic>
+        <p:nvPicPr>
+          <p:cNvPr id="7" name="Picture 6">
+            <a:extLst>
+              <a:ext uri="{FF2B5EF4-FFF2-40B4-BE49-F238E27FC236}">
+                <a16:creationId xmlns:a16="http://schemas.microsoft.com/office/drawing/2014/main" id="{F1A6B436-7119-4B38-89F6-CB5F80F01145}"/>
+              </a:ext>
+            </a:extLst>
+          </p:cNvPr>
+          <p:cNvPicPr>
+            <a:picLocks noChangeAspect="1"/>
+          </p:cNvPicPr>
+          <p:nvPr/>
+        </p:nvPicPr>
+        <p:blipFill>
+          <a:blip r:embed="rId3"/>
+          <a:stretch>
+            <a:fillRect/>
+          </a:stretch>
+        </p:blipFill>
+        <p:spPr>
+          <a:xfrm>
+            <a:off x="8431473" y="4782451"/>
+            <a:ext cx="1534920" cy="1665552"/>
+          </a:xfrm>
+          <a:prstGeom prst="rect">
+            <a:avLst/>
+          </a:prstGeom>
+        </p:spPr>
+      </p:pic>
+      <p:pic>
+        <p:nvPicPr>
+          <p:cNvPr id="8" name="Picture 7">
+            <a:extLst>
+              <a:ext uri="{FF2B5EF4-FFF2-40B4-BE49-F238E27FC236}">
+                <a16:creationId xmlns:a16="http://schemas.microsoft.com/office/drawing/2014/main" id="{A853E98D-402C-4BBA-B6EF-EBB5DA8C80E9}"/>
+              </a:ext>
+            </a:extLst>
+          </p:cNvPr>
+          <p:cNvPicPr>
+            <a:picLocks noChangeAspect="1"/>
+          </p:cNvPicPr>
+          <p:nvPr/>
+        </p:nvPicPr>
+        <p:blipFill>
+          <a:blip r:embed="rId4"/>
+          <a:stretch>
+            <a:fillRect/>
+          </a:stretch>
+        </p:blipFill>
+        <p:spPr>
+          <a:xfrm>
+            <a:off x="6533322" y="4782450"/>
+            <a:ext cx="1824622" cy="1665553"/>
+          </a:xfrm>
+          <a:prstGeom prst="rect">
+            <a:avLst/>
+          </a:prstGeom>
+        </p:spPr>
+      </p:pic>
+      <p:pic>
+        <p:nvPicPr>
+          <p:cNvPr id="9" name="Picture 8">
+            <a:extLst>
+              <a:ext uri="{FF2B5EF4-FFF2-40B4-BE49-F238E27FC236}">
+                <a16:creationId xmlns:a16="http://schemas.microsoft.com/office/drawing/2014/main" id="{61FB460D-F777-4EAA-A87E-1D9A9BB6E14E}"/>
+              </a:ext>
+            </a:extLst>
+          </p:cNvPr>
+          <p:cNvPicPr>
+            <a:picLocks noChangeAspect="1"/>
+          </p:cNvPicPr>
+          <p:nvPr/>
+        </p:nvPicPr>
+        <p:blipFill>
+          <a:blip r:embed="rId5"/>
+          <a:stretch>
+            <a:fillRect/>
+          </a:stretch>
+        </p:blipFill>
+        <p:spPr>
+          <a:xfrm>
+            <a:off x="10039922" y="4782451"/>
+            <a:ext cx="1781990" cy="1665553"/>
           </a:xfrm>
           <a:prstGeom prst="rect">
             <a:avLst/>

--- a/presentation/Distributed.pptx
+++ b/presentation/Distributed.pptx
@@ -17,8 +17,8 @@
     <p:sldId id="269" r:id="rId8"/>
     <p:sldId id="274" r:id="rId9"/>
     <p:sldId id="275" r:id="rId10"/>
-    <p:sldId id="258" r:id="rId11"/>
-    <p:sldId id="268" r:id="rId12"/>
+    <p:sldId id="268" r:id="rId11"/>
+    <p:sldId id="258" r:id="rId12"/>
     <p:sldId id="278" r:id="rId13"/>
     <p:sldId id="279" r:id="rId14"/>
     <p:sldId id="262" r:id="rId15"/>
@@ -559,6 +559,90 @@
     <p:extLst>
       <p:ext uri="{BB962C8B-B14F-4D97-AF65-F5344CB8AC3E}">
         <p14:creationId xmlns:p14="http://schemas.microsoft.com/office/powerpoint/2010/main" val="1722403151"/>
+      </p:ext>
+    </p:extLst>
+  </p:cSld>
+  <p:clrMapOvr>
+    <a:masterClrMapping/>
+  </p:clrMapOvr>
+</p:notes>
+</file>
+
+<file path=ppt/notesSlides/notesSlide2.xml><?xml version="1.0" encoding="utf-8"?>
+<p:notes xmlns:a="http://schemas.openxmlformats.org/drawingml/2006/main" xmlns:r="http://schemas.openxmlformats.org/officeDocument/2006/relationships" xmlns:p="http://schemas.openxmlformats.org/presentationml/2006/main">
+  <p:cSld>
+    <p:spTree>
+      <p:nvGrpSpPr>
+        <p:cNvPr id="1" name=""/>
+        <p:cNvGrpSpPr/>
+        <p:nvPr/>
+      </p:nvGrpSpPr>
+      <p:grpSpPr>
+        <a:xfrm>
+          <a:off x="0" y="0"/>
+          <a:ext cx="0" cy="0"/>
+          <a:chOff x="0" y="0"/>
+          <a:chExt cx="0" cy="0"/>
+        </a:xfrm>
+      </p:grpSpPr>
+      <p:sp>
+        <p:nvSpPr>
+          <p:cNvPr id="2" name="Slide Image Placeholder 1"/>
+          <p:cNvSpPr>
+            <a:spLocks noGrp="1" noRot="1" noChangeAspect="1"/>
+          </p:cNvSpPr>
+          <p:nvPr>
+            <p:ph type="sldImg"/>
+          </p:nvPr>
+        </p:nvSpPr>
+        <p:spPr/>
+      </p:sp>
+      <p:sp>
+        <p:nvSpPr>
+          <p:cNvPr id="3" name="Notes Placeholder 2"/>
+          <p:cNvSpPr>
+            <a:spLocks noGrp="1"/>
+          </p:cNvSpPr>
+          <p:nvPr>
+            <p:ph type="body" idx="1"/>
+          </p:nvPr>
+        </p:nvSpPr>
+        <p:spPr/>
+        <p:txBody>
+          <a:bodyPr/>
+          <a:lstStyle/>
+          <a:p>
+            <a:endParaRPr lang="en-US" dirty="0"/>
+          </a:p>
+        </p:txBody>
+      </p:sp>
+      <p:sp>
+        <p:nvSpPr>
+          <p:cNvPr id="4" name="Slide Number Placeholder 3"/>
+          <p:cNvSpPr>
+            <a:spLocks noGrp="1"/>
+          </p:cNvSpPr>
+          <p:nvPr>
+            <p:ph type="sldNum" sz="quarter" idx="5"/>
+          </p:nvPr>
+        </p:nvSpPr>
+        <p:spPr/>
+        <p:txBody>
+          <a:bodyPr/>
+          <a:lstStyle/>
+          <a:p>
+            <a:fld id="{4476979B-806B-4E69-9CE1-4F45EC3D6384}" type="slidenum">
+              <a:rPr lang="en-US" smtClean="0"/>
+              <a:t>12</a:t>
+            </a:fld>
+            <a:endParaRPr lang="en-US"/>
+          </a:p>
+        </p:txBody>
+      </p:sp>
+    </p:spTree>
+    <p:extLst>
+      <p:ext uri="{BB962C8B-B14F-4D97-AF65-F5344CB8AC3E}">
+        <p14:creationId xmlns:p14="http://schemas.microsoft.com/office/powerpoint/2010/main" val="2180084328"/>
       </p:ext>
     </p:extLst>
   </p:cSld>
@@ -4795,10 +4879,10 @@
       </p:grpSpPr>
       <p:sp>
         <p:nvSpPr>
-          <p:cNvPr id="4" name="Rectangle 3">
+          <p:cNvPr id="7" name="Rectangle 6">
             <a:extLst>
               <a:ext uri="{FF2B5EF4-FFF2-40B4-BE49-F238E27FC236}">
-                <a16:creationId xmlns:a16="http://schemas.microsoft.com/office/drawing/2014/main" id="{A96523E4-E59C-44EE-B06C-7A2DEA5B7E1B}"/>
+                <a16:creationId xmlns:a16="http://schemas.microsoft.com/office/drawing/2014/main" id="{CFA61B19-E0E2-4948-8579-BE5BF0966A67}"/>
               </a:ext>
             </a:extLst>
           </p:cNvPr>
@@ -4807,8 +4891,8 @@
         </p:nvSpPr>
         <p:spPr>
           <a:xfrm>
-            <a:off x="8465821" y="929640"/>
-            <a:ext cx="3291840" cy="4137660"/>
+            <a:off x="6455296" y="2139466"/>
+            <a:ext cx="5584304" cy="4223233"/>
           </a:xfrm>
           <a:prstGeom prst="rect">
             <a:avLst/>
@@ -4855,7 +4939,7 @@
           <p:cNvPr id="2" name="Title 1">
             <a:extLst>
               <a:ext uri="{FF2B5EF4-FFF2-40B4-BE49-F238E27FC236}">
-                <a16:creationId xmlns:a16="http://schemas.microsoft.com/office/drawing/2014/main" id="{B2862A27-9D40-4804-B616-6CD624D13E98}"/>
+                <a16:creationId xmlns:a16="http://schemas.microsoft.com/office/drawing/2014/main" id="{6D19D697-DA6E-4AC6-859A-8B734D34C3F2}"/>
               </a:ext>
             </a:extLst>
           </p:cNvPr>
@@ -4872,218 +4956,51 @@
           <a:lstStyle/>
           <a:p>
             <a:r>
-              <a:rPr lang="en-US" dirty="0">
-                <a:solidFill>
-                  <a:schemeClr val="bg1"/>
-                </a:solidFill>
-              </a:rPr>
-              <a:t>Gamemaster</a:t>
+              <a:rPr lang="en-US" dirty="0" err="1">
+                <a:solidFill>
+                  <a:schemeClr val="bg1"/>
+                </a:solidFill>
+              </a:rPr>
+              <a:t>Mongodb</a:t>
+            </a:r>
+            <a:r>
+              <a:rPr lang="en-US" dirty="0">
+                <a:solidFill>
+                  <a:schemeClr val="bg1"/>
+                </a:solidFill>
+              </a:rPr>
+              <a:t> Replica set</a:t>
             </a:r>
             <a:br>
-              <a:rPr lang="en-US" dirty="0"/>
+              <a:rPr lang="en-US" dirty="0">
+                <a:solidFill>
+                  <a:schemeClr val="bg1"/>
+                </a:solidFill>
+              </a:rPr>
             </a:br>
-            <a:endParaRPr lang="en-US" dirty="0"/>
-          </a:p>
-        </p:txBody>
-      </p:sp>
-      <p:sp>
-        <p:nvSpPr>
-          <p:cNvPr id="3" name="Content Placeholder 2">
-            <a:extLst>
-              <a:ext uri="{FF2B5EF4-FFF2-40B4-BE49-F238E27FC236}">
-                <a16:creationId xmlns:a16="http://schemas.microsoft.com/office/drawing/2014/main" id="{1D458F2B-4CB3-41F6-98AA-EDF13F84EFE9}"/>
-              </a:ext>
-            </a:extLst>
-          </p:cNvPr>
-          <p:cNvSpPr>
-            <a:spLocks noGrp="1"/>
-          </p:cNvSpPr>
-          <p:nvPr>
-            <p:ph idx="1"/>
-          </p:nvPr>
-        </p:nvSpPr>
-        <p:spPr>
-          <a:xfrm>
-            <a:off x="581192" y="1769364"/>
-            <a:ext cx="11029615" cy="4623816"/>
-          </a:xfrm>
-        </p:spPr>
-        <p:txBody>
-          <a:bodyPr>
-            <a:normAutofit fontScale="92500" lnSpcReduction="20000"/>
-          </a:bodyPr>
-          <a:lstStyle/>
-          <a:p>
-            <a:r>
-              <a:rPr lang="en-US" dirty="0">
-                <a:solidFill>
-                  <a:schemeClr val="bg1"/>
-                </a:solidFill>
-              </a:rPr>
-              <a:t>Written in NodeJS</a:t>
-            </a:r>
-          </a:p>
-          <a:p>
-            <a:r>
-              <a:rPr lang="en-US" dirty="0">
-                <a:solidFill>
-                  <a:schemeClr val="bg1"/>
-                </a:solidFill>
-              </a:rPr>
-              <a:t>Utilizes Express framework for REST API implementation</a:t>
-            </a:r>
-          </a:p>
-          <a:p>
-            <a:r>
-              <a:rPr lang="en-US" dirty="0">
-                <a:solidFill>
-                  <a:schemeClr val="bg1"/>
-                </a:solidFill>
-              </a:rPr>
-              <a:t>Communicates with Zookeeper to assign plays to </a:t>
-            </a:r>
-            <a:r>
-              <a:rPr lang="en-US" dirty="0" err="1">
-                <a:solidFill>
-                  <a:schemeClr val="bg1"/>
-                </a:solidFill>
-              </a:rPr>
-              <a:t>Playmasters</a:t>
-            </a:r>
             <a:endParaRPr lang="en-US" dirty="0">
               <a:solidFill>
                 <a:schemeClr val="bg1"/>
               </a:solidFill>
             </a:endParaRPr>
           </a:p>
-          <a:p>
-            <a:r>
-              <a:rPr lang="en-US" dirty="0">
-                <a:solidFill>
-                  <a:schemeClr val="bg1"/>
-                </a:solidFill>
-              </a:rPr>
-              <a:t>Uses a MongoDB replicated cluster for persistent storage</a:t>
-            </a:r>
-          </a:p>
-          <a:p>
-            <a:r>
-              <a:rPr lang="en-US" dirty="0">
-                <a:solidFill>
-                  <a:schemeClr val="bg1"/>
-                </a:solidFill>
-              </a:rPr>
-              <a:t>Responsibilities:</a:t>
-            </a:r>
-          </a:p>
-          <a:p>
-            <a:pPr lvl="1"/>
-            <a:r>
-              <a:rPr lang="en-US" dirty="0">
-                <a:solidFill>
-                  <a:schemeClr val="bg1"/>
-                </a:solidFill>
-              </a:rPr>
-              <a:t>Tournament creation &amp; Management</a:t>
-            </a:r>
-          </a:p>
-          <a:p>
-            <a:pPr lvl="1"/>
-            <a:r>
-              <a:rPr lang="en-US" dirty="0">
-                <a:solidFill>
-                  <a:schemeClr val="bg1"/>
-                </a:solidFill>
-              </a:rPr>
-              <a:t>Tournament pairing &amp; winner announcing</a:t>
-            </a:r>
-          </a:p>
-          <a:p>
-            <a:pPr lvl="1"/>
-            <a:r>
-              <a:rPr lang="en-US" dirty="0">
-                <a:solidFill>
-                  <a:schemeClr val="bg1"/>
-                </a:solidFill>
-              </a:rPr>
-              <a:t>Matchmaking (practice plays, tournaments)</a:t>
-            </a:r>
-          </a:p>
-          <a:p>
-            <a:pPr lvl="1"/>
-            <a:r>
-              <a:rPr lang="en-US" dirty="0">
-                <a:solidFill>
-                  <a:schemeClr val="bg1"/>
-                </a:solidFill>
-              </a:rPr>
-              <a:t>Player stats (game scores, tournament scores, number wins/losses/ties, ELO)</a:t>
-            </a:r>
-          </a:p>
-          <a:p>
-            <a:r>
-              <a:rPr lang="en-US" dirty="0">
-                <a:solidFill>
-                  <a:schemeClr val="bg1"/>
-                </a:solidFill>
-              </a:rPr>
-              <a:t>Uses de-normalized schema for faster reads</a:t>
-            </a:r>
-          </a:p>
-          <a:p>
-            <a:r>
-              <a:rPr lang="en-US" dirty="0">
-                <a:solidFill>
-                  <a:schemeClr val="bg1"/>
-                </a:solidFill>
-              </a:rPr>
-              <a:t>Writes use MongoDB Primary Node and frequent reads use MongoDB Secondary node</a:t>
-            </a:r>
-          </a:p>
-          <a:p>
-            <a:r>
-              <a:rPr lang="en-US" dirty="0">
-                <a:solidFill>
-                  <a:schemeClr val="bg1"/>
-                </a:solidFill>
-              </a:rPr>
-              <a:t>Can be very </a:t>
-            </a:r>
-            <a:r>
-              <a:rPr lang="en-US" b="1" u="sng" dirty="0">
-                <a:solidFill>
-                  <a:schemeClr val="bg1"/>
-                </a:solidFill>
-              </a:rPr>
-              <a:t>easily replicated </a:t>
-            </a:r>
-            <a:r>
-              <a:rPr lang="en-US" dirty="0">
-                <a:solidFill>
-                  <a:schemeClr val="bg1"/>
-                </a:solidFill>
-              </a:rPr>
-              <a:t>(stateless container)</a:t>
-            </a:r>
-          </a:p>
-          <a:p>
-            <a:endParaRPr lang="en-US" dirty="0"/>
-          </a:p>
         </p:txBody>
       </p:sp>
       <p:pic>
         <p:nvPicPr>
-          <p:cNvPr id="1028" name="Picture 4" descr="Building a simple app using NodeJS, MongoDB, and ExpressJS">
+          <p:cNvPr id="25" name="Content Placeholder 24">
             <a:extLst>
               <a:ext uri="{FF2B5EF4-FFF2-40B4-BE49-F238E27FC236}">
-                <a16:creationId xmlns:a16="http://schemas.microsoft.com/office/drawing/2014/main" id="{BDC1F005-9082-4E8A-9304-0B438D1C1BD6}"/>
+                <a16:creationId xmlns:a16="http://schemas.microsoft.com/office/drawing/2014/main" id="{170D5B40-52A6-4BE3-BB5D-186166F96A87}"/>
               </a:ext>
             </a:extLst>
           </p:cNvPr>
           <p:cNvPicPr>
-            <a:picLocks noChangeAspect="1" noChangeArrowheads="1"/>
+            <a:picLocks noGrp="1" noChangeAspect="1"/>
           </p:cNvPicPr>
-          <p:nvPr/>
+          <p:nvPr>
+            <p:ph idx="1"/>
+          </p:nvPr>
         </p:nvPicPr>
         <p:blipFill>
           <a:blip r:embed="rId2">
@@ -5093,127 +5010,537 @@
               </a:ext>
             </a:extLst>
           </a:blip>
-          <a:srcRect/>
           <a:stretch>
             <a:fillRect/>
           </a:stretch>
         </p:blipFill>
-        <p:spPr bwMode="auto">
+        <p:spPr>
           <a:xfrm>
-            <a:off x="8547567" y="1079550"/>
-            <a:ext cx="3063240" cy="2042160"/>
+            <a:off x="6677425" y="2237892"/>
+            <a:ext cx="5123649" cy="3940811"/>
+          </a:xfrm>
+        </p:spPr>
+      </p:pic>
+      <p:sp>
+        <p:nvSpPr>
+          <p:cNvPr id="22" name="Rectangle 21">
+            <a:extLst>
+              <a:ext uri="{FF2B5EF4-FFF2-40B4-BE49-F238E27FC236}">
+                <a16:creationId xmlns:a16="http://schemas.microsoft.com/office/drawing/2014/main" id="{C406A56F-1CE3-4E8F-AF1E-B409A0B197AE}"/>
+              </a:ext>
+            </a:extLst>
+          </p:cNvPr>
+          <p:cNvSpPr/>
+          <p:nvPr/>
+        </p:nvSpPr>
+        <p:spPr>
+          <a:xfrm>
+            <a:off x="6621780" y="3886200"/>
+            <a:ext cx="5257800" cy="2362200"/>
           </a:xfrm>
           <a:prstGeom prst="rect">
             <a:avLst/>
           </a:prstGeom>
           <a:noFill/>
-          <a:extLst>
-            <a:ext uri="{909E8E84-426E-40DD-AFC4-6F175D3DCCD1}">
-              <a14:hiddenFill xmlns:a14="http://schemas.microsoft.com/office/drawing/2010/main">
-                <a:solidFill>
-                  <a:srgbClr val="FFFFFF"/>
-                </a:solidFill>
-              </a14:hiddenFill>
-            </a:ext>
-          </a:extLst>
+          <a:ln>
+            <a:solidFill>
+              <a:schemeClr val="tx1"/>
+            </a:solidFill>
+          </a:ln>
         </p:spPr>
-      </p:pic>
-      <p:pic>
-        <p:nvPicPr>
-          <p:cNvPr id="1030" name="Picture 6" descr="Apache ZooKeeper - Wikipedia">
+        <p:style>
+          <a:lnRef idx="2">
+            <a:schemeClr val="accent1">
+              <a:shade val="50000"/>
+            </a:schemeClr>
+          </a:lnRef>
+          <a:fillRef idx="1">
+            <a:schemeClr val="accent1"/>
+          </a:fillRef>
+          <a:effectRef idx="0">
+            <a:schemeClr val="accent1"/>
+          </a:effectRef>
+          <a:fontRef idx="minor">
+            <a:schemeClr val="lt1"/>
+          </a:fontRef>
+        </p:style>
+        <p:txBody>
+          <a:bodyPr rtlCol="0" anchor="ctr"/>
+          <a:lstStyle/>
+          <a:p>
+            <a:pPr algn="ctr"/>
+            <a:endParaRPr lang="en-US"/>
+          </a:p>
+        </p:txBody>
+      </p:sp>
+      <p:sp>
+        <p:nvSpPr>
+          <p:cNvPr id="26" name="TextBox 25">
             <a:extLst>
               <a:ext uri="{FF2B5EF4-FFF2-40B4-BE49-F238E27FC236}">
-                <a16:creationId xmlns:a16="http://schemas.microsoft.com/office/drawing/2014/main" id="{934E6F11-F264-4F81-95B5-AD4072CF9567}"/>
+                <a16:creationId xmlns:a16="http://schemas.microsoft.com/office/drawing/2014/main" id="{64685D18-A2E7-4759-B80A-BBB408F769B5}"/>
               </a:ext>
             </a:extLst>
           </p:cNvPr>
-          <p:cNvPicPr>
-            <a:picLocks noChangeAspect="1" noChangeArrowheads="1"/>
-          </p:cNvPicPr>
+          <p:cNvSpPr txBox="1"/>
           <p:nvPr/>
-        </p:nvPicPr>
-        <p:blipFill>
-          <a:blip r:embed="rId3">
-            <a:extLst>
-              <a:ext uri="{28A0092B-C50C-407E-A947-70E740481C1C}">
-                <a14:useLocalDpi xmlns:a14="http://schemas.microsoft.com/office/drawing/2010/main" val="0"/>
-              </a:ext>
-            </a:extLst>
-          </a:blip>
-          <a:srcRect/>
-          <a:stretch>
-            <a:fillRect/>
-          </a:stretch>
-        </p:blipFill>
-        <p:spPr bwMode="auto">
+        </p:nvSpPr>
+        <p:spPr>
           <a:xfrm>
-            <a:off x="8656538" y="3264333"/>
-            <a:ext cx="2845298" cy="1538832"/>
+            <a:off x="8702723" y="3816105"/>
+            <a:ext cx="1073051" cy="338554"/>
           </a:xfrm>
           <a:prstGeom prst="rect">
             <a:avLst/>
           </a:prstGeom>
           <a:noFill/>
-          <a:extLst>
-            <a:ext uri="{909E8E84-426E-40DD-AFC4-6F175D3DCCD1}">
-              <a14:hiddenFill xmlns:a14="http://schemas.microsoft.com/office/drawing/2010/main">
-                <a:solidFill>
-                  <a:srgbClr val="FFFFFF"/>
-                </a:solidFill>
-              </a14:hiddenFill>
-            </a:ext>
-          </a:extLst>
         </p:spPr>
-      </p:pic>
-      <p:pic>
-        <p:nvPicPr>
-          <p:cNvPr id="7" name="Picture 4" descr="Building a simple app using NodeJS, MongoDB, and ExpressJS">
+        <p:txBody>
+          <a:bodyPr wrap="none" rtlCol="0">
+            <a:spAutoFit/>
+          </a:bodyPr>
+          <a:lstStyle/>
+          <a:p>
+            <a:r>
+              <a:rPr lang="en-US" sz="1600" dirty="0">
+                <a:solidFill>
+                  <a:srgbClr val="00B0F0"/>
+                </a:solidFill>
+              </a:rPr>
+              <a:t>Replication</a:t>
+            </a:r>
+          </a:p>
+        </p:txBody>
+      </p:sp>
+      <p:sp>
+        <p:nvSpPr>
+          <p:cNvPr id="30" name="Content Placeholder 2">
             <a:extLst>
               <a:ext uri="{FF2B5EF4-FFF2-40B4-BE49-F238E27FC236}">
-                <a16:creationId xmlns:a16="http://schemas.microsoft.com/office/drawing/2014/main" id="{033F55CA-F49F-4D64-81D7-C755FEDDDCA7}"/>
+                <a16:creationId xmlns:a16="http://schemas.microsoft.com/office/drawing/2014/main" id="{CD12CA01-54D5-4BF8-B245-80BBFABEC68B}"/>
               </a:ext>
             </a:extLst>
           </p:cNvPr>
-          <p:cNvPicPr>
-            <a:picLocks noChangeAspect="1" noChangeArrowheads="1"/>
-          </p:cNvPicPr>
+          <p:cNvSpPr txBox="1">
+            <a:spLocks/>
+          </p:cNvSpPr>
           <p:nvPr/>
-        </p:nvPicPr>
-        <p:blipFill rotWithShape="1">
-          <a:blip r:embed="rId2">
-            <a:extLst>
-              <a:ext uri="{28A0092B-C50C-407E-A947-70E740481C1C}">
-                <a14:useLocalDpi xmlns:a14="http://schemas.microsoft.com/office/drawing/2010/main" val="0"/>
-              </a:ext>
-            </a:extLst>
-          </a:blip>
-          <a:srcRect l="46336" t="65048" r="42968" b="24878"/>
-          <a:stretch/>
-        </p:blipFill>
-        <p:spPr bwMode="auto">
+        </p:nvSpPr>
+        <p:spPr>
           <a:xfrm>
-            <a:off x="10012680" y="3457398"/>
-            <a:ext cx="327660" cy="205740"/>
+            <a:off x="620447" y="1815084"/>
+            <a:ext cx="5795594" cy="4433316"/>
           </a:xfrm>
           <a:prstGeom prst="rect">
             <a:avLst/>
           </a:prstGeom>
-          <a:noFill/>
-          <a:extLst>
-            <a:ext uri="{909E8E84-426E-40DD-AFC4-6F175D3DCCD1}">
-              <a14:hiddenFill xmlns:a14="http://schemas.microsoft.com/office/drawing/2010/main">
-                <a:solidFill>
-                  <a:srgbClr val="FFFFFF"/>
-                </a:solidFill>
-              </a14:hiddenFill>
-            </a:ext>
-          </a:extLst>
         </p:spPr>
-      </p:pic>
+        <p:txBody>
+          <a:bodyPr vert="horz" lIns="91440" tIns="45720" rIns="91440" bIns="45720" rtlCol="0" anchor="ctr">
+            <a:normAutofit lnSpcReduction="10000"/>
+          </a:bodyPr>
+          <a:lstStyle>
+            <a:lvl1pPr marL="306000" indent="-306000" algn="l" defTabSz="457200" rtl="0" eaLnBrk="1" latinLnBrk="0" hangingPunct="1">
+              <a:lnSpc>
+                <a:spcPct val="110000"/>
+              </a:lnSpc>
+              <a:spcBef>
+                <a:spcPct val="20000"/>
+              </a:spcBef>
+              <a:spcAft>
+                <a:spcPts val="600"/>
+              </a:spcAft>
+              <a:buClr>
+                <a:schemeClr val="accent1"/>
+              </a:buClr>
+              <a:buSzPct val="92000"/>
+              <a:buFont typeface="Wingdings 2" panose="05020102010507070707" pitchFamily="18" charset="2"/>
+              <a:buChar char=""/>
+              <a:defRPr sz="1900" kern="1200">
+                <a:solidFill>
+                  <a:schemeClr val="tx1">
+                    <a:lumMod val="75000"/>
+                    <a:lumOff val="25000"/>
+                  </a:schemeClr>
+                </a:solidFill>
+                <a:latin typeface="+mn-lt"/>
+                <a:ea typeface="+mn-ea"/>
+                <a:cs typeface="+mn-cs"/>
+              </a:defRPr>
+            </a:lvl1pPr>
+            <a:lvl2pPr marL="630000" indent="-306000" algn="l" defTabSz="457200" rtl="0" eaLnBrk="1" latinLnBrk="0" hangingPunct="1">
+              <a:spcBef>
+                <a:spcPct val="20000"/>
+              </a:spcBef>
+              <a:spcAft>
+                <a:spcPts val="600"/>
+              </a:spcAft>
+              <a:buClr>
+                <a:schemeClr val="accent1"/>
+              </a:buClr>
+              <a:buSzPct val="92000"/>
+              <a:buFont typeface="Wingdings 2" panose="05020102010507070707" pitchFamily="18" charset="2"/>
+              <a:buChar char=""/>
+              <a:defRPr sz="1700" kern="1200">
+                <a:solidFill>
+                  <a:schemeClr val="tx1">
+                    <a:lumMod val="75000"/>
+                    <a:lumOff val="25000"/>
+                  </a:schemeClr>
+                </a:solidFill>
+                <a:latin typeface="+mn-lt"/>
+                <a:ea typeface="+mn-ea"/>
+                <a:cs typeface="+mn-cs"/>
+              </a:defRPr>
+            </a:lvl2pPr>
+            <a:lvl3pPr marL="900000" indent="-270000" algn="l" defTabSz="457200" rtl="0" eaLnBrk="1" latinLnBrk="0" hangingPunct="1">
+              <a:spcBef>
+                <a:spcPct val="20000"/>
+              </a:spcBef>
+              <a:spcAft>
+                <a:spcPts val="600"/>
+              </a:spcAft>
+              <a:buClr>
+                <a:schemeClr val="accent1"/>
+              </a:buClr>
+              <a:buSzPct val="92000"/>
+              <a:buFont typeface="Wingdings 2" panose="05020102010507070707" pitchFamily="18" charset="2"/>
+              <a:buChar char=""/>
+              <a:defRPr sz="1500" kern="1200">
+                <a:solidFill>
+                  <a:schemeClr val="tx1">
+                    <a:lumMod val="75000"/>
+                    <a:lumOff val="25000"/>
+                  </a:schemeClr>
+                </a:solidFill>
+                <a:latin typeface="+mn-lt"/>
+                <a:ea typeface="+mn-ea"/>
+                <a:cs typeface="+mn-cs"/>
+              </a:defRPr>
+            </a:lvl3pPr>
+            <a:lvl4pPr marL="1242000" indent="-234000" algn="l" defTabSz="457200" rtl="0" eaLnBrk="1" latinLnBrk="0" hangingPunct="1">
+              <a:spcBef>
+                <a:spcPct val="20000"/>
+              </a:spcBef>
+              <a:spcAft>
+                <a:spcPts val="600"/>
+              </a:spcAft>
+              <a:buClr>
+                <a:schemeClr val="accent1"/>
+              </a:buClr>
+              <a:buSzPct val="92000"/>
+              <a:buFont typeface="Wingdings 2" panose="05020102010507070707" pitchFamily="18" charset="2"/>
+              <a:buChar char=""/>
+              <a:defRPr sz="1300" kern="1200">
+                <a:solidFill>
+                  <a:schemeClr val="tx1">
+                    <a:lumMod val="75000"/>
+                    <a:lumOff val="25000"/>
+                  </a:schemeClr>
+                </a:solidFill>
+                <a:latin typeface="+mn-lt"/>
+                <a:ea typeface="+mn-ea"/>
+                <a:cs typeface="+mn-cs"/>
+              </a:defRPr>
+            </a:lvl4pPr>
+            <a:lvl5pPr marL="1602000" indent="-234000" algn="l" defTabSz="457200" rtl="0" eaLnBrk="1" latinLnBrk="0" hangingPunct="1">
+              <a:spcBef>
+                <a:spcPct val="20000"/>
+              </a:spcBef>
+              <a:spcAft>
+                <a:spcPts val="600"/>
+              </a:spcAft>
+              <a:buClr>
+                <a:schemeClr val="accent1"/>
+              </a:buClr>
+              <a:buSzPct val="92000"/>
+              <a:buFont typeface="Wingdings 2" panose="05020102010507070707" pitchFamily="18" charset="2"/>
+              <a:buChar char=""/>
+              <a:defRPr sz="1300" kern="1200">
+                <a:solidFill>
+                  <a:schemeClr val="tx1">
+                    <a:lumMod val="75000"/>
+                    <a:lumOff val="25000"/>
+                  </a:schemeClr>
+                </a:solidFill>
+                <a:latin typeface="+mn-lt"/>
+                <a:ea typeface="+mn-ea"/>
+                <a:cs typeface="+mn-cs"/>
+              </a:defRPr>
+            </a:lvl5pPr>
+            <a:lvl6pPr marL="1900000" indent="-228600" algn="l" defTabSz="457200" rtl="0" eaLnBrk="1" latinLnBrk="0" hangingPunct="1">
+              <a:spcBef>
+                <a:spcPct val="20000"/>
+              </a:spcBef>
+              <a:spcAft>
+                <a:spcPts val="600"/>
+              </a:spcAft>
+              <a:buClr>
+                <a:schemeClr val="accent2"/>
+              </a:buClr>
+              <a:buSzPct val="92000"/>
+              <a:buFont typeface="Wingdings 2" panose="05020102010507070707" pitchFamily="18" charset="2"/>
+              <a:buChar char=""/>
+              <a:defRPr sz="1200" kern="1200">
+                <a:solidFill>
+                  <a:schemeClr val="tx2"/>
+                </a:solidFill>
+                <a:latin typeface="+mn-lt"/>
+                <a:ea typeface="+mn-ea"/>
+                <a:cs typeface="+mn-cs"/>
+              </a:defRPr>
+            </a:lvl6pPr>
+            <a:lvl7pPr marL="2200000" indent="-228600" algn="l" defTabSz="457200" rtl="0" eaLnBrk="1" latinLnBrk="0" hangingPunct="1">
+              <a:spcBef>
+                <a:spcPct val="20000"/>
+              </a:spcBef>
+              <a:spcAft>
+                <a:spcPts val="600"/>
+              </a:spcAft>
+              <a:buClr>
+                <a:schemeClr val="accent2"/>
+              </a:buClr>
+              <a:buSzPct val="92000"/>
+              <a:buFont typeface="Wingdings 2" panose="05020102010507070707" pitchFamily="18" charset="2"/>
+              <a:buChar char=""/>
+              <a:defRPr sz="1200" kern="1200">
+                <a:solidFill>
+                  <a:schemeClr val="tx2"/>
+                </a:solidFill>
+                <a:latin typeface="+mn-lt"/>
+                <a:ea typeface="+mn-ea"/>
+                <a:cs typeface="+mn-cs"/>
+              </a:defRPr>
+            </a:lvl7pPr>
+            <a:lvl8pPr marL="2500000" indent="-228600" algn="l" defTabSz="457200" rtl="0" eaLnBrk="1" latinLnBrk="0" hangingPunct="1">
+              <a:spcBef>
+                <a:spcPct val="20000"/>
+              </a:spcBef>
+              <a:spcAft>
+                <a:spcPts val="600"/>
+              </a:spcAft>
+              <a:buClr>
+                <a:schemeClr val="accent2"/>
+              </a:buClr>
+              <a:buSzPct val="92000"/>
+              <a:buFont typeface="Wingdings 2" panose="05020102010507070707" pitchFamily="18" charset="2"/>
+              <a:buChar char=""/>
+              <a:defRPr sz="1200" kern="1200">
+                <a:solidFill>
+                  <a:schemeClr val="tx2"/>
+                </a:solidFill>
+                <a:latin typeface="+mn-lt"/>
+                <a:ea typeface="+mn-ea"/>
+                <a:cs typeface="+mn-cs"/>
+              </a:defRPr>
+            </a:lvl8pPr>
+            <a:lvl9pPr marL="2800000" indent="-228600" algn="l" defTabSz="457200" rtl="0" eaLnBrk="1" latinLnBrk="0" hangingPunct="1">
+              <a:spcBef>
+                <a:spcPct val="20000"/>
+              </a:spcBef>
+              <a:spcAft>
+                <a:spcPts val="600"/>
+              </a:spcAft>
+              <a:buClr>
+                <a:schemeClr val="accent2"/>
+              </a:buClr>
+              <a:buSzPct val="92000"/>
+              <a:buFont typeface="Wingdings 2" panose="05020102010507070707" pitchFamily="18" charset="2"/>
+              <a:buChar char=""/>
+              <a:defRPr sz="1200" kern="1200">
+                <a:solidFill>
+                  <a:schemeClr val="tx2"/>
+                </a:solidFill>
+                <a:latin typeface="+mn-lt"/>
+                <a:ea typeface="+mn-ea"/>
+                <a:cs typeface="+mn-cs"/>
+              </a:defRPr>
+            </a:lvl9pPr>
+          </a:lstStyle>
+          <a:p>
+            <a:pPr marL="0" indent="0">
+              <a:buFont typeface="Wingdings 2" panose="05020102010507070707" pitchFamily="18" charset="2"/>
+              <a:buNone/>
+            </a:pPr>
+            <a:endParaRPr lang="en-US" dirty="0">
+              <a:solidFill>
+                <a:schemeClr val="bg1"/>
+              </a:solidFill>
+            </a:endParaRPr>
+          </a:p>
+          <a:p>
+            <a:r>
+              <a:rPr lang="en-US" dirty="0">
+                <a:solidFill>
+                  <a:schemeClr val="bg1"/>
+                </a:solidFill>
+              </a:rPr>
+              <a:t>Replica set consists of the following nodes:</a:t>
+            </a:r>
+          </a:p>
+          <a:p>
+            <a:pPr lvl="1"/>
+            <a:r>
+              <a:rPr lang="en-US" u="sng" dirty="0">
+                <a:solidFill>
+                  <a:schemeClr val="bg1"/>
+                </a:solidFill>
+              </a:rPr>
+              <a:t>Primary</a:t>
+            </a:r>
+            <a:r>
+              <a:rPr lang="en-US" dirty="0">
+                <a:solidFill>
+                  <a:schemeClr val="bg1"/>
+                </a:solidFill>
+              </a:rPr>
+              <a:t> (Reads/Writes/Transactions)</a:t>
+            </a:r>
+          </a:p>
+          <a:p>
+            <a:pPr lvl="1"/>
+            <a:r>
+              <a:rPr lang="en-US" u="sng" dirty="0">
+                <a:solidFill>
+                  <a:schemeClr val="bg1"/>
+                </a:solidFill>
+              </a:rPr>
+              <a:t>Secondary</a:t>
+            </a:r>
+            <a:r>
+              <a:rPr lang="en-US" dirty="0">
+                <a:solidFill>
+                  <a:schemeClr val="bg1"/>
+                </a:solidFill>
+              </a:rPr>
+              <a:t> (Reads)</a:t>
+            </a:r>
+          </a:p>
+          <a:p>
+            <a:pPr lvl="1"/>
+            <a:r>
+              <a:rPr lang="en-US" u="sng" dirty="0">
+                <a:solidFill>
+                  <a:schemeClr val="bg1"/>
+                </a:solidFill>
+              </a:rPr>
+              <a:t>Arbiter</a:t>
+            </a:r>
+            <a:r>
+              <a:rPr lang="en-US" dirty="0">
+                <a:solidFill>
+                  <a:schemeClr val="bg1"/>
+                </a:solidFill>
+              </a:rPr>
+              <a:t> (participates in master election)</a:t>
+            </a:r>
+            <a:endParaRPr lang="el-GR" dirty="0">
+              <a:solidFill>
+                <a:schemeClr val="bg1"/>
+              </a:solidFill>
+            </a:endParaRPr>
+          </a:p>
+          <a:p>
+            <a:r>
+              <a:rPr lang="en-US" dirty="0">
+                <a:solidFill>
+                  <a:schemeClr val="bg1"/>
+                </a:solidFill>
+              </a:rPr>
+              <a:t>More Secondaries can be added</a:t>
+            </a:r>
+          </a:p>
+          <a:p>
+            <a:r>
+              <a:rPr lang="en-US" dirty="0">
+                <a:solidFill>
+                  <a:schemeClr val="bg1"/>
+                </a:solidFill>
+              </a:rPr>
+              <a:t>Can use </a:t>
+            </a:r>
+            <a:r>
+              <a:rPr lang="en-US" b="1" u="sng" dirty="0" err="1">
+                <a:solidFill>
+                  <a:schemeClr val="bg1"/>
+                </a:solidFill>
+              </a:rPr>
+              <a:t>sharding</a:t>
+            </a:r>
+            <a:r>
+              <a:rPr lang="en-US" dirty="0">
+                <a:solidFill>
+                  <a:schemeClr val="bg1"/>
+                </a:solidFill>
+              </a:rPr>
+              <a:t> for </a:t>
+            </a:r>
+            <a:r>
+              <a:rPr lang="en-US" u="sng" dirty="0">
+                <a:solidFill>
+                  <a:schemeClr val="bg1"/>
+                </a:solidFill>
+              </a:rPr>
+              <a:t>horizontal scalability</a:t>
+            </a:r>
+          </a:p>
+          <a:p>
+            <a:pPr lvl="1"/>
+            <a:r>
+              <a:rPr lang="en-US" dirty="0">
+                <a:solidFill>
+                  <a:schemeClr val="bg1"/>
+                </a:solidFill>
+              </a:rPr>
+              <a:t>Schema was designed with it in mind</a:t>
+            </a:r>
+          </a:p>
+          <a:p>
+            <a:r>
+              <a:rPr lang="en-US" dirty="0">
+                <a:solidFill>
+                  <a:schemeClr val="bg1"/>
+                </a:solidFill>
+              </a:rPr>
+              <a:t>When Primary dies:</a:t>
+            </a:r>
+          </a:p>
+          <a:p>
+            <a:pPr lvl="1"/>
+            <a:r>
+              <a:rPr lang="en-US" dirty="0">
+                <a:solidFill>
+                  <a:schemeClr val="bg1"/>
+                </a:solidFill>
+              </a:rPr>
+              <a:t>New Primary  is elected</a:t>
+            </a:r>
+          </a:p>
+          <a:p>
+            <a:pPr lvl="1"/>
+            <a:r>
+              <a:rPr lang="en-US" dirty="0">
+                <a:solidFill>
+                  <a:schemeClr val="bg1"/>
+                </a:solidFill>
+              </a:rPr>
+              <a:t>Driver redirects reads/writes to new Primary</a:t>
+            </a:r>
+          </a:p>
+          <a:p>
+            <a:pPr lvl="1"/>
+            <a:endParaRPr lang="en-US" dirty="0"/>
+          </a:p>
+          <a:p>
+            <a:pPr lvl="2"/>
+            <a:endParaRPr lang="en-US" dirty="0"/>
+          </a:p>
+        </p:txBody>
+      </p:sp>
     </p:spTree>
     <p:extLst>
       <p:ext uri="{BB962C8B-B14F-4D97-AF65-F5344CB8AC3E}">
-        <p14:creationId xmlns:p14="http://schemas.microsoft.com/office/powerpoint/2010/main" val="2090730872"/>
+        <p14:creationId xmlns:p14="http://schemas.microsoft.com/office/powerpoint/2010/main" val="1045715201"/>
       </p:ext>
     </p:extLst>
   </p:cSld>
@@ -5242,10 +5569,10 @@
       </p:grpSpPr>
       <p:sp>
         <p:nvSpPr>
-          <p:cNvPr id="7" name="Rectangle 6">
+          <p:cNvPr id="4" name="Rectangle 3">
             <a:extLst>
               <a:ext uri="{FF2B5EF4-FFF2-40B4-BE49-F238E27FC236}">
-                <a16:creationId xmlns:a16="http://schemas.microsoft.com/office/drawing/2014/main" id="{CFA61B19-E0E2-4948-8579-BE5BF0966A67}"/>
+                <a16:creationId xmlns:a16="http://schemas.microsoft.com/office/drawing/2014/main" id="{A96523E4-E59C-44EE-B06C-7A2DEA5B7E1B}"/>
               </a:ext>
             </a:extLst>
           </p:cNvPr>
@@ -5254,8 +5581,8 @@
         </p:nvSpPr>
         <p:spPr>
           <a:xfrm>
-            <a:off x="6455296" y="2139466"/>
-            <a:ext cx="5584304" cy="4223233"/>
+            <a:off x="8465821" y="929640"/>
+            <a:ext cx="3291840" cy="4137660"/>
           </a:xfrm>
           <a:prstGeom prst="rect">
             <a:avLst/>
@@ -5302,7 +5629,7 @@
           <p:cNvPr id="2" name="Title 1">
             <a:extLst>
               <a:ext uri="{FF2B5EF4-FFF2-40B4-BE49-F238E27FC236}">
-                <a16:creationId xmlns:a16="http://schemas.microsoft.com/office/drawing/2014/main" id="{6D19D697-DA6E-4AC6-859A-8B734D34C3F2}"/>
+                <a16:creationId xmlns:a16="http://schemas.microsoft.com/office/drawing/2014/main" id="{B2862A27-9D40-4804-B616-6CD624D13E98}"/>
               </a:ext>
             </a:extLst>
           </p:cNvPr>
@@ -5319,51 +5646,218 @@
           <a:lstStyle/>
           <a:p>
             <a:r>
+              <a:rPr lang="en-US" dirty="0">
+                <a:solidFill>
+                  <a:schemeClr val="bg1"/>
+                </a:solidFill>
+              </a:rPr>
+              <a:t>Gamemaster</a:t>
+            </a:r>
+            <a:br>
+              <a:rPr lang="en-US" dirty="0"/>
+            </a:br>
+            <a:endParaRPr lang="en-US" dirty="0"/>
+          </a:p>
+        </p:txBody>
+      </p:sp>
+      <p:sp>
+        <p:nvSpPr>
+          <p:cNvPr id="3" name="Content Placeholder 2">
+            <a:extLst>
+              <a:ext uri="{FF2B5EF4-FFF2-40B4-BE49-F238E27FC236}">
+                <a16:creationId xmlns:a16="http://schemas.microsoft.com/office/drawing/2014/main" id="{1D458F2B-4CB3-41F6-98AA-EDF13F84EFE9}"/>
+              </a:ext>
+            </a:extLst>
+          </p:cNvPr>
+          <p:cNvSpPr>
+            <a:spLocks noGrp="1"/>
+          </p:cNvSpPr>
+          <p:nvPr>
+            <p:ph idx="1"/>
+          </p:nvPr>
+        </p:nvSpPr>
+        <p:spPr>
+          <a:xfrm>
+            <a:off x="581192" y="1769364"/>
+            <a:ext cx="11029615" cy="4623816"/>
+          </a:xfrm>
+        </p:spPr>
+        <p:txBody>
+          <a:bodyPr>
+            <a:normAutofit fontScale="92500" lnSpcReduction="20000"/>
+          </a:bodyPr>
+          <a:lstStyle/>
+          <a:p>
+            <a:r>
+              <a:rPr lang="en-US" dirty="0">
+                <a:solidFill>
+                  <a:schemeClr val="bg1"/>
+                </a:solidFill>
+              </a:rPr>
+              <a:t>Written in NodeJS</a:t>
+            </a:r>
+          </a:p>
+          <a:p>
+            <a:r>
+              <a:rPr lang="en-US" dirty="0">
+                <a:solidFill>
+                  <a:schemeClr val="bg1"/>
+                </a:solidFill>
+              </a:rPr>
+              <a:t>Utilizes Express framework for REST API implementation</a:t>
+            </a:r>
+          </a:p>
+          <a:p>
+            <a:r>
+              <a:rPr lang="en-US" dirty="0">
+                <a:solidFill>
+                  <a:schemeClr val="bg1"/>
+                </a:solidFill>
+              </a:rPr>
+              <a:t>Communicates with Zookeeper to assign plays to </a:t>
+            </a:r>
+            <a:r>
               <a:rPr lang="en-US" dirty="0" err="1">
                 <a:solidFill>
                   <a:schemeClr val="bg1"/>
                 </a:solidFill>
               </a:rPr>
-              <a:t>Mongodb</a:t>
-            </a:r>
-            <a:r>
-              <a:rPr lang="en-US" dirty="0">
-                <a:solidFill>
-                  <a:schemeClr val="bg1"/>
-                </a:solidFill>
-              </a:rPr>
-              <a:t> Replica set</a:t>
-            </a:r>
-            <a:br>
-              <a:rPr lang="en-US" dirty="0">
-                <a:solidFill>
-                  <a:schemeClr val="bg1"/>
-                </a:solidFill>
-              </a:rPr>
-            </a:br>
+              <a:t>Playmasters</a:t>
+            </a:r>
             <a:endParaRPr lang="en-US" dirty="0">
               <a:solidFill>
                 <a:schemeClr val="bg1"/>
               </a:solidFill>
             </a:endParaRPr>
           </a:p>
+          <a:p>
+            <a:r>
+              <a:rPr lang="en-US" dirty="0">
+                <a:solidFill>
+                  <a:schemeClr val="bg1"/>
+                </a:solidFill>
+              </a:rPr>
+              <a:t>Uses a MongoDB replicated cluster for persistent storage</a:t>
+            </a:r>
+          </a:p>
+          <a:p>
+            <a:r>
+              <a:rPr lang="en-US" dirty="0">
+                <a:solidFill>
+                  <a:schemeClr val="bg1"/>
+                </a:solidFill>
+              </a:rPr>
+              <a:t>Responsibilities:</a:t>
+            </a:r>
+          </a:p>
+          <a:p>
+            <a:pPr lvl="1"/>
+            <a:r>
+              <a:rPr lang="en-US" dirty="0">
+                <a:solidFill>
+                  <a:schemeClr val="bg1"/>
+                </a:solidFill>
+              </a:rPr>
+              <a:t>Tournament creation &amp; Management</a:t>
+            </a:r>
+          </a:p>
+          <a:p>
+            <a:pPr lvl="1"/>
+            <a:r>
+              <a:rPr lang="en-US" dirty="0">
+                <a:solidFill>
+                  <a:schemeClr val="bg1"/>
+                </a:solidFill>
+              </a:rPr>
+              <a:t>Tournament pairing &amp; winner announcing</a:t>
+            </a:r>
+          </a:p>
+          <a:p>
+            <a:pPr lvl="1"/>
+            <a:r>
+              <a:rPr lang="en-US" dirty="0">
+                <a:solidFill>
+                  <a:schemeClr val="bg1"/>
+                </a:solidFill>
+              </a:rPr>
+              <a:t>Matchmaking (practice plays, tournaments)</a:t>
+            </a:r>
+          </a:p>
+          <a:p>
+            <a:pPr lvl="1"/>
+            <a:r>
+              <a:rPr lang="en-US" dirty="0">
+                <a:solidFill>
+                  <a:schemeClr val="bg1"/>
+                </a:solidFill>
+              </a:rPr>
+              <a:t>Player stats (game scores, tournament scores, number wins/losses/ties, ELO)</a:t>
+            </a:r>
+          </a:p>
+          <a:p>
+            <a:r>
+              <a:rPr lang="en-US" dirty="0">
+                <a:solidFill>
+                  <a:schemeClr val="bg1"/>
+                </a:solidFill>
+              </a:rPr>
+              <a:t>Uses de-normalized schema for faster reads</a:t>
+            </a:r>
+          </a:p>
+          <a:p>
+            <a:r>
+              <a:rPr lang="en-US" dirty="0">
+                <a:solidFill>
+                  <a:schemeClr val="bg1"/>
+                </a:solidFill>
+              </a:rPr>
+              <a:t>Writes use MongoDB Primary Node and frequent reads use MongoDB Secondary node</a:t>
+            </a:r>
+          </a:p>
+          <a:p>
+            <a:r>
+              <a:rPr lang="en-US" dirty="0">
+                <a:solidFill>
+                  <a:schemeClr val="bg1"/>
+                </a:solidFill>
+              </a:rPr>
+              <a:t>Can be very </a:t>
+            </a:r>
+            <a:r>
+              <a:rPr lang="en-US" b="1" u="sng" dirty="0">
+                <a:solidFill>
+                  <a:schemeClr val="bg1"/>
+                </a:solidFill>
+              </a:rPr>
+              <a:t>easily replicated </a:t>
+            </a:r>
+            <a:r>
+              <a:rPr lang="en-US" dirty="0">
+                <a:solidFill>
+                  <a:schemeClr val="bg1"/>
+                </a:solidFill>
+              </a:rPr>
+              <a:t>(stateless container)</a:t>
+            </a:r>
+          </a:p>
+          <a:p>
+            <a:endParaRPr lang="en-US" dirty="0"/>
+          </a:p>
         </p:txBody>
       </p:sp>
       <p:pic>
         <p:nvPicPr>
-          <p:cNvPr id="25" name="Content Placeholder 24">
+          <p:cNvPr id="1028" name="Picture 4" descr="Building a simple app using NodeJS, MongoDB, and ExpressJS">
             <a:extLst>
               <a:ext uri="{FF2B5EF4-FFF2-40B4-BE49-F238E27FC236}">
-                <a16:creationId xmlns:a16="http://schemas.microsoft.com/office/drawing/2014/main" id="{170D5B40-52A6-4BE3-BB5D-186166F96A87}"/>
+                <a16:creationId xmlns:a16="http://schemas.microsoft.com/office/drawing/2014/main" id="{BDC1F005-9082-4E8A-9304-0B438D1C1BD6}"/>
               </a:ext>
             </a:extLst>
           </p:cNvPr>
           <p:cNvPicPr>
-            <a:picLocks noGrp="1" noChangeAspect="1"/>
+            <a:picLocks noChangeAspect="1" noChangeArrowheads="1"/>
           </p:cNvPicPr>
-          <p:nvPr>
-            <p:ph idx="1"/>
-          </p:nvPr>
+          <p:nvPr/>
         </p:nvPicPr>
         <p:blipFill>
           <a:blip r:embed="rId2">
@@ -5373,537 +5867,127 @@
               </a:ext>
             </a:extLst>
           </a:blip>
+          <a:srcRect/>
           <a:stretch>
             <a:fillRect/>
           </a:stretch>
         </p:blipFill>
-        <p:spPr>
+        <p:spPr bwMode="auto">
           <a:xfrm>
-            <a:off x="6677425" y="2237892"/>
-            <a:ext cx="5123649" cy="3940811"/>
-          </a:xfrm>
-        </p:spPr>
-      </p:pic>
-      <p:sp>
-        <p:nvSpPr>
-          <p:cNvPr id="22" name="Rectangle 21">
-            <a:extLst>
-              <a:ext uri="{FF2B5EF4-FFF2-40B4-BE49-F238E27FC236}">
-                <a16:creationId xmlns:a16="http://schemas.microsoft.com/office/drawing/2014/main" id="{C406A56F-1CE3-4E8F-AF1E-B409A0B197AE}"/>
-              </a:ext>
-            </a:extLst>
-          </p:cNvPr>
-          <p:cNvSpPr/>
-          <p:nvPr/>
-        </p:nvSpPr>
-        <p:spPr>
-          <a:xfrm>
-            <a:off x="6621780" y="3886200"/>
-            <a:ext cx="5257800" cy="2362200"/>
+            <a:off x="8547567" y="1079550"/>
+            <a:ext cx="3063240" cy="2042160"/>
           </a:xfrm>
           <a:prstGeom prst="rect">
             <a:avLst/>
           </a:prstGeom>
           <a:noFill/>
-          <a:ln>
-            <a:solidFill>
-              <a:schemeClr val="tx1"/>
-            </a:solidFill>
-          </a:ln>
+          <a:extLst>
+            <a:ext uri="{909E8E84-426E-40DD-AFC4-6F175D3DCCD1}">
+              <a14:hiddenFill xmlns:a14="http://schemas.microsoft.com/office/drawing/2010/main">
+                <a:solidFill>
+                  <a:srgbClr val="FFFFFF"/>
+                </a:solidFill>
+              </a14:hiddenFill>
+            </a:ext>
+          </a:extLst>
         </p:spPr>
-        <p:style>
-          <a:lnRef idx="2">
-            <a:schemeClr val="accent1">
-              <a:shade val="50000"/>
-            </a:schemeClr>
-          </a:lnRef>
-          <a:fillRef idx="1">
-            <a:schemeClr val="accent1"/>
-          </a:fillRef>
-          <a:effectRef idx="0">
-            <a:schemeClr val="accent1"/>
-          </a:effectRef>
-          <a:fontRef idx="minor">
-            <a:schemeClr val="lt1"/>
-          </a:fontRef>
-        </p:style>
-        <p:txBody>
-          <a:bodyPr rtlCol="0" anchor="ctr"/>
-          <a:lstStyle/>
-          <a:p>
-            <a:pPr algn="ctr"/>
-            <a:endParaRPr lang="en-US"/>
-          </a:p>
-        </p:txBody>
-      </p:sp>
-      <p:sp>
-        <p:nvSpPr>
-          <p:cNvPr id="26" name="TextBox 25">
+      </p:pic>
+      <p:pic>
+        <p:nvPicPr>
+          <p:cNvPr id="1030" name="Picture 6" descr="Apache ZooKeeper - Wikipedia">
             <a:extLst>
               <a:ext uri="{FF2B5EF4-FFF2-40B4-BE49-F238E27FC236}">
-                <a16:creationId xmlns:a16="http://schemas.microsoft.com/office/drawing/2014/main" id="{64685D18-A2E7-4759-B80A-BBB408F769B5}"/>
+                <a16:creationId xmlns:a16="http://schemas.microsoft.com/office/drawing/2014/main" id="{934E6F11-F264-4F81-95B5-AD4072CF9567}"/>
               </a:ext>
             </a:extLst>
           </p:cNvPr>
-          <p:cNvSpPr txBox="1"/>
+          <p:cNvPicPr>
+            <a:picLocks noChangeAspect="1" noChangeArrowheads="1"/>
+          </p:cNvPicPr>
           <p:nvPr/>
-        </p:nvSpPr>
-        <p:spPr>
+        </p:nvPicPr>
+        <p:blipFill>
+          <a:blip r:embed="rId3">
+            <a:extLst>
+              <a:ext uri="{28A0092B-C50C-407E-A947-70E740481C1C}">
+                <a14:useLocalDpi xmlns:a14="http://schemas.microsoft.com/office/drawing/2010/main" val="0"/>
+              </a:ext>
+            </a:extLst>
+          </a:blip>
+          <a:srcRect/>
+          <a:stretch>
+            <a:fillRect/>
+          </a:stretch>
+        </p:blipFill>
+        <p:spPr bwMode="auto">
           <a:xfrm>
-            <a:off x="8702723" y="3816105"/>
-            <a:ext cx="1073051" cy="338554"/>
+            <a:off x="8656538" y="3264333"/>
+            <a:ext cx="2845298" cy="1538832"/>
           </a:xfrm>
           <a:prstGeom prst="rect">
             <a:avLst/>
           </a:prstGeom>
           <a:noFill/>
+          <a:extLst>
+            <a:ext uri="{909E8E84-426E-40DD-AFC4-6F175D3DCCD1}">
+              <a14:hiddenFill xmlns:a14="http://schemas.microsoft.com/office/drawing/2010/main">
+                <a:solidFill>
+                  <a:srgbClr val="FFFFFF"/>
+                </a:solidFill>
+              </a14:hiddenFill>
+            </a:ext>
+          </a:extLst>
         </p:spPr>
-        <p:txBody>
-          <a:bodyPr wrap="none" rtlCol="0">
-            <a:spAutoFit/>
-          </a:bodyPr>
-          <a:lstStyle/>
-          <a:p>
-            <a:r>
-              <a:rPr lang="en-US" sz="1600" dirty="0">
-                <a:solidFill>
-                  <a:srgbClr val="00B0F0"/>
-                </a:solidFill>
-              </a:rPr>
-              <a:t>Replication</a:t>
-            </a:r>
-          </a:p>
-        </p:txBody>
-      </p:sp>
-      <p:sp>
-        <p:nvSpPr>
-          <p:cNvPr id="30" name="Content Placeholder 2">
+      </p:pic>
+      <p:pic>
+        <p:nvPicPr>
+          <p:cNvPr id="7" name="Picture 4" descr="Building a simple app using NodeJS, MongoDB, and ExpressJS">
             <a:extLst>
               <a:ext uri="{FF2B5EF4-FFF2-40B4-BE49-F238E27FC236}">
-                <a16:creationId xmlns:a16="http://schemas.microsoft.com/office/drawing/2014/main" id="{CD12CA01-54D5-4BF8-B245-80BBFABEC68B}"/>
+                <a16:creationId xmlns:a16="http://schemas.microsoft.com/office/drawing/2014/main" id="{033F55CA-F49F-4D64-81D7-C755FEDDDCA7}"/>
               </a:ext>
             </a:extLst>
           </p:cNvPr>
-          <p:cNvSpPr txBox="1">
-            <a:spLocks/>
-          </p:cNvSpPr>
+          <p:cNvPicPr>
+            <a:picLocks noChangeAspect="1" noChangeArrowheads="1"/>
+          </p:cNvPicPr>
           <p:nvPr/>
-        </p:nvSpPr>
-        <p:spPr>
+        </p:nvPicPr>
+        <p:blipFill rotWithShape="1">
+          <a:blip r:embed="rId2">
+            <a:extLst>
+              <a:ext uri="{28A0092B-C50C-407E-A947-70E740481C1C}">
+                <a14:useLocalDpi xmlns:a14="http://schemas.microsoft.com/office/drawing/2010/main" val="0"/>
+              </a:ext>
+            </a:extLst>
+          </a:blip>
+          <a:srcRect l="46336" t="65048" r="42968" b="24878"/>
+          <a:stretch/>
+        </p:blipFill>
+        <p:spPr bwMode="auto">
           <a:xfrm>
-            <a:off x="620447" y="1815084"/>
-            <a:ext cx="5795594" cy="4433316"/>
+            <a:off x="10012680" y="3457398"/>
+            <a:ext cx="327660" cy="205740"/>
           </a:xfrm>
           <a:prstGeom prst="rect">
             <a:avLst/>
           </a:prstGeom>
+          <a:noFill/>
+          <a:extLst>
+            <a:ext uri="{909E8E84-426E-40DD-AFC4-6F175D3DCCD1}">
+              <a14:hiddenFill xmlns:a14="http://schemas.microsoft.com/office/drawing/2010/main">
+                <a:solidFill>
+                  <a:srgbClr val="FFFFFF"/>
+                </a:solidFill>
+              </a14:hiddenFill>
+            </a:ext>
+          </a:extLst>
         </p:spPr>
-        <p:txBody>
-          <a:bodyPr vert="horz" lIns="91440" tIns="45720" rIns="91440" bIns="45720" rtlCol="0" anchor="ctr">
-            <a:normAutofit lnSpcReduction="10000"/>
-          </a:bodyPr>
-          <a:lstStyle>
-            <a:lvl1pPr marL="306000" indent="-306000" algn="l" defTabSz="457200" rtl="0" eaLnBrk="1" latinLnBrk="0" hangingPunct="1">
-              <a:lnSpc>
-                <a:spcPct val="110000"/>
-              </a:lnSpc>
-              <a:spcBef>
-                <a:spcPct val="20000"/>
-              </a:spcBef>
-              <a:spcAft>
-                <a:spcPts val="600"/>
-              </a:spcAft>
-              <a:buClr>
-                <a:schemeClr val="accent1"/>
-              </a:buClr>
-              <a:buSzPct val="92000"/>
-              <a:buFont typeface="Wingdings 2" panose="05020102010507070707" pitchFamily="18" charset="2"/>
-              <a:buChar char=""/>
-              <a:defRPr sz="1900" kern="1200">
-                <a:solidFill>
-                  <a:schemeClr val="tx1">
-                    <a:lumMod val="75000"/>
-                    <a:lumOff val="25000"/>
-                  </a:schemeClr>
-                </a:solidFill>
-                <a:latin typeface="+mn-lt"/>
-                <a:ea typeface="+mn-ea"/>
-                <a:cs typeface="+mn-cs"/>
-              </a:defRPr>
-            </a:lvl1pPr>
-            <a:lvl2pPr marL="630000" indent="-306000" algn="l" defTabSz="457200" rtl="0" eaLnBrk="1" latinLnBrk="0" hangingPunct="1">
-              <a:spcBef>
-                <a:spcPct val="20000"/>
-              </a:spcBef>
-              <a:spcAft>
-                <a:spcPts val="600"/>
-              </a:spcAft>
-              <a:buClr>
-                <a:schemeClr val="accent1"/>
-              </a:buClr>
-              <a:buSzPct val="92000"/>
-              <a:buFont typeface="Wingdings 2" panose="05020102010507070707" pitchFamily="18" charset="2"/>
-              <a:buChar char=""/>
-              <a:defRPr sz="1700" kern="1200">
-                <a:solidFill>
-                  <a:schemeClr val="tx1">
-                    <a:lumMod val="75000"/>
-                    <a:lumOff val="25000"/>
-                  </a:schemeClr>
-                </a:solidFill>
-                <a:latin typeface="+mn-lt"/>
-                <a:ea typeface="+mn-ea"/>
-                <a:cs typeface="+mn-cs"/>
-              </a:defRPr>
-            </a:lvl2pPr>
-            <a:lvl3pPr marL="900000" indent="-270000" algn="l" defTabSz="457200" rtl="0" eaLnBrk="1" latinLnBrk="0" hangingPunct="1">
-              <a:spcBef>
-                <a:spcPct val="20000"/>
-              </a:spcBef>
-              <a:spcAft>
-                <a:spcPts val="600"/>
-              </a:spcAft>
-              <a:buClr>
-                <a:schemeClr val="accent1"/>
-              </a:buClr>
-              <a:buSzPct val="92000"/>
-              <a:buFont typeface="Wingdings 2" panose="05020102010507070707" pitchFamily="18" charset="2"/>
-              <a:buChar char=""/>
-              <a:defRPr sz="1500" kern="1200">
-                <a:solidFill>
-                  <a:schemeClr val="tx1">
-                    <a:lumMod val="75000"/>
-                    <a:lumOff val="25000"/>
-                  </a:schemeClr>
-                </a:solidFill>
-                <a:latin typeface="+mn-lt"/>
-                <a:ea typeface="+mn-ea"/>
-                <a:cs typeface="+mn-cs"/>
-              </a:defRPr>
-            </a:lvl3pPr>
-            <a:lvl4pPr marL="1242000" indent="-234000" algn="l" defTabSz="457200" rtl="0" eaLnBrk="1" latinLnBrk="0" hangingPunct="1">
-              <a:spcBef>
-                <a:spcPct val="20000"/>
-              </a:spcBef>
-              <a:spcAft>
-                <a:spcPts val="600"/>
-              </a:spcAft>
-              <a:buClr>
-                <a:schemeClr val="accent1"/>
-              </a:buClr>
-              <a:buSzPct val="92000"/>
-              <a:buFont typeface="Wingdings 2" panose="05020102010507070707" pitchFamily="18" charset="2"/>
-              <a:buChar char=""/>
-              <a:defRPr sz="1300" kern="1200">
-                <a:solidFill>
-                  <a:schemeClr val="tx1">
-                    <a:lumMod val="75000"/>
-                    <a:lumOff val="25000"/>
-                  </a:schemeClr>
-                </a:solidFill>
-                <a:latin typeface="+mn-lt"/>
-                <a:ea typeface="+mn-ea"/>
-                <a:cs typeface="+mn-cs"/>
-              </a:defRPr>
-            </a:lvl4pPr>
-            <a:lvl5pPr marL="1602000" indent="-234000" algn="l" defTabSz="457200" rtl="0" eaLnBrk="1" latinLnBrk="0" hangingPunct="1">
-              <a:spcBef>
-                <a:spcPct val="20000"/>
-              </a:spcBef>
-              <a:spcAft>
-                <a:spcPts val="600"/>
-              </a:spcAft>
-              <a:buClr>
-                <a:schemeClr val="accent1"/>
-              </a:buClr>
-              <a:buSzPct val="92000"/>
-              <a:buFont typeface="Wingdings 2" panose="05020102010507070707" pitchFamily="18" charset="2"/>
-              <a:buChar char=""/>
-              <a:defRPr sz="1300" kern="1200">
-                <a:solidFill>
-                  <a:schemeClr val="tx1">
-                    <a:lumMod val="75000"/>
-                    <a:lumOff val="25000"/>
-                  </a:schemeClr>
-                </a:solidFill>
-                <a:latin typeface="+mn-lt"/>
-                <a:ea typeface="+mn-ea"/>
-                <a:cs typeface="+mn-cs"/>
-              </a:defRPr>
-            </a:lvl5pPr>
-            <a:lvl6pPr marL="1900000" indent="-228600" algn="l" defTabSz="457200" rtl="0" eaLnBrk="1" latinLnBrk="0" hangingPunct="1">
-              <a:spcBef>
-                <a:spcPct val="20000"/>
-              </a:spcBef>
-              <a:spcAft>
-                <a:spcPts val="600"/>
-              </a:spcAft>
-              <a:buClr>
-                <a:schemeClr val="accent2"/>
-              </a:buClr>
-              <a:buSzPct val="92000"/>
-              <a:buFont typeface="Wingdings 2" panose="05020102010507070707" pitchFamily="18" charset="2"/>
-              <a:buChar char=""/>
-              <a:defRPr sz="1200" kern="1200">
-                <a:solidFill>
-                  <a:schemeClr val="tx2"/>
-                </a:solidFill>
-                <a:latin typeface="+mn-lt"/>
-                <a:ea typeface="+mn-ea"/>
-                <a:cs typeface="+mn-cs"/>
-              </a:defRPr>
-            </a:lvl6pPr>
-            <a:lvl7pPr marL="2200000" indent="-228600" algn="l" defTabSz="457200" rtl="0" eaLnBrk="1" latinLnBrk="0" hangingPunct="1">
-              <a:spcBef>
-                <a:spcPct val="20000"/>
-              </a:spcBef>
-              <a:spcAft>
-                <a:spcPts val="600"/>
-              </a:spcAft>
-              <a:buClr>
-                <a:schemeClr val="accent2"/>
-              </a:buClr>
-              <a:buSzPct val="92000"/>
-              <a:buFont typeface="Wingdings 2" panose="05020102010507070707" pitchFamily="18" charset="2"/>
-              <a:buChar char=""/>
-              <a:defRPr sz="1200" kern="1200">
-                <a:solidFill>
-                  <a:schemeClr val="tx2"/>
-                </a:solidFill>
-                <a:latin typeface="+mn-lt"/>
-                <a:ea typeface="+mn-ea"/>
-                <a:cs typeface="+mn-cs"/>
-              </a:defRPr>
-            </a:lvl7pPr>
-            <a:lvl8pPr marL="2500000" indent="-228600" algn="l" defTabSz="457200" rtl="0" eaLnBrk="1" latinLnBrk="0" hangingPunct="1">
-              <a:spcBef>
-                <a:spcPct val="20000"/>
-              </a:spcBef>
-              <a:spcAft>
-                <a:spcPts val="600"/>
-              </a:spcAft>
-              <a:buClr>
-                <a:schemeClr val="accent2"/>
-              </a:buClr>
-              <a:buSzPct val="92000"/>
-              <a:buFont typeface="Wingdings 2" panose="05020102010507070707" pitchFamily="18" charset="2"/>
-              <a:buChar char=""/>
-              <a:defRPr sz="1200" kern="1200">
-                <a:solidFill>
-                  <a:schemeClr val="tx2"/>
-                </a:solidFill>
-                <a:latin typeface="+mn-lt"/>
-                <a:ea typeface="+mn-ea"/>
-                <a:cs typeface="+mn-cs"/>
-              </a:defRPr>
-            </a:lvl8pPr>
-            <a:lvl9pPr marL="2800000" indent="-228600" algn="l" defTabSz="457200" rtl="0" eaLnBrk="1" latinLnBrk="0" hangingPunct="1">
-              <a:spcBef>
-                <a:spcPct val="20000"/>
-              </a:spcBef>
-              <a:spcAft>
-                <a:spcPts val="600"/>
-              </a:spcAft>
-              <a:buClr>
-                <a:schemeClr val="accent2"/>
-              </a:buClr>
-              <a:buSzPct val="92000"/>
-              <a:buFont typeface="Wingdings 2" panose="05020102010507070707" pitchFamily="18" charset="2"/>
-              <a:buChar char=""/>
-              <a:defRPr sz="1200" kern="1200">
-                <a:solidFill>
-                  <a:schemeClr val="tx2"/>
-                </a:solidFill>
-                <a:latin typeface="+mn-lt"/>
-                <a:ea typeface="+mn-ea"/>
-                <a:cs typeface="+mn-cs"/>
-              </a:defRPr>
-            </a:lvl9pPr>
-          </a:lstStyle>
-          <a:p>
-            <a:pPr marL="0" indent="0">
-              <a:buFont typeface="Wingdings 2" panose="05020102010507070707" pitchFamily="18" charset="2"/>
-              <a:buNone/>
-            </a:pPr>
-            <a:endParaRPr lang="en-US" dirty="0">
-              <a:solidFill>
-                <a:schemeClr val="bg1"/>
-              </a:solidFill>
-            </a:endParaRPr>
-          </a:p>
-          <a:p>
-            <a:r>
-              <a:rPr lang="en-US" dirty="0">
-                <a:solidFill>
-                  <a:schemeClr val="bg1"/>
-                </a:solidFill>
-              </a:rPr>
-              <a:t>Replica set consists of the following nodes:</a:t>
-            </a:r>
-          </a:p>
-          <a:p>
-            <a:pPr lvl="1"/>
-            <a:r>
-              <a:rPr lang="en-US" u="sng" dirty="0">
-                <a:solidFill>
-                  <a:schemeClr val="bg1"/>
-                </a:solidFill>
-              </a:rPr>
-              <a:t>Primary</a:t>
-            </a:r>
-            <a:r>
-              <a:rPr lang="en-US" dirty="0">
-                <a:solidFill>
-                  <a:schemeClr val="bg1"/>
-                </a:solidFill>
-              </a:rPr>
-              <a:t> (Reads/Writes/Transactions)</a:t>
-            </a:r>
-          </a:p>
-          <a:p>
-            <a:pPr lvl="1"/>
-            <a:r>
-              <a:rPr lang="en-US" u="sng" dirty="0">
-                <a:solidFill>
-                  <a:schemeClr val="bg1"/>
-                </a:solidFill>
-              </a:rPr>
-              <a:t>Secondary</a:t>
-            </a:r>
-            <a:r>
-              <a:rPr lang="en-US" dirty="0">
-                <a:solidFill>
-                  <a:schemeClr val="bg1"/>
-                </a:solidFill>
-              </a:rPr>
-              <a:t> (Reads)</a:t>
-            </a:r>
-          </a:p>
-          <a:p>
-            <a:pPr lvl="1"/>
-            <a:r>
-              <a:rPr lang="en-US" u="sng" dirty="0">
-                <a:solidFill>
-                  <a:schemeClr val="bg1"/>
-                </a:solidFill>
-              </a:rPr>
-              <a:t>Arbiter</a:t>
-            </a:r>
-            <a:r>
-              <a:rPr lang="en-US" dirty="0">
-                <a:solidFill>
-                  <a:schemeClr val="bg1"/>
-                </a:solidFill>
-              </a:rPr>
-              <a:t> (participates in master election)</a:t>
-            </a:r>
-            <a:endParaRPr lang="el-GR" dirty="0">
-              <a:solidFill>
-                <a:schemeClr val="bg1"/>
-              </a:solidFill>
-            </a:endParaRPr>
-          </a:p>
-          <a:p>
-            <a:r>
-              <a:rPr lang="en-US" dirty="0">
-                <a:solidFill>
-                  <a:schemeClr val="bg1"/>
-                </a:solidFill>
-              </a:rPr>
-              <a:t>More Secondaries can be added</a:t>
-            </a:r>
-          </a:p>
-          <a:p>
-            <a:r>
-              <a:rPr lang="en-US" dirty="0">
-                <a:solidFill>
-                  <a:schemeClr val="bg1"/>
-                </a:solidFill>
-              </a:rPr>
-              <a:t>Can use </a:t>
-            </a:r>
-            <a:r>
-              <a:rPr lang="en-US" b="1" u="sng" dirty="0" err="1">
-                <a:solidFill>
-                  <a:schemeClr val="bg1"/>
-                </a:solidFill>
-              </a:rPr>
-              <a:t>sharding</a:t>
-            </a:r>
-            <a:r>
-              <a:rPr lang="en-US" dirty="0">
-                <a:solidFill>
-                  <a:schemeClr val="bg1"/>
-                </a:solidFill>
-              </a:rPr>
-              <a:t> for </a:t>
-            </a:r>
-            <a:r>
-              <a:rPr lang="en-US" u="sng" dirty="0">
-                <a:solidFill>
-                  <a:schemeClr val="bg1"/>
-                </a:solidFill>
-              </a:rPr>
-              <a:t>horizontal scalability</a:t>
-            </a:r>
-          </a:p>
-          <a:p>
-            <a:pPr lvl="1"/>
-            <a:r>
-              <a:rPr lang="en-US" dirty="0">
-                <a:solidFill>
-                  <a:schemeClr val="bg1"/>
-                </a:solidFill>
-              </a:rPr>
-              <a:t>Schema was designed with it in mind</a:t>
-            </a:r>
-          </a:p>
-          <a:p>
-            <a:r>
-              <a:rPr lang="en-US" dirty="0">
-                <a:solidFill>
-                  <a:schemeClr val="bg1"/>
-                </a:solidFill>
-              </a:rPr>
-              <a:t>When Primary dies:</a:t>
-            </a:r>
-          </a:p>
-          <a:p>
-            <a:pPr lvl="1"/>
-            <a:r>
-              <a:rPr lang="en-US" dirty="0">
-                <a:solidFill>
-                  <a:schemeClr val="bg1"/>
-                </a:solidFill>
-              </a:rPr>
-              <a:t>New Primary  is elected</a:t>
-            </a:r>
-          </a:p>
-          <a:p>
-            <a:pPr lvl="1"/>
-            <a:r>
-              <a:rPr lang="en-US" dirty="0">
-                <a:solidFill>
-                  <a:schemeClr val="bg1"/>
-                </a:solidFill>
-              </a:rPr>
-              <a:t>Driver redirects reads/writes to new Primary</a:t>
-            </a:r>
-          </a:p>
-          <a:p>
-            <a:pPr lvl="1"/>
-            <a:endParaRPr lang="en-US" dirty="0"/>
-          </a:p>
-          <a:p>
-            <a:pPr lvl="2"/>
-            <a:endParaRPr lang="en-US" dirty="0"/>
-          </a:p>
-        </p:txBody>
-      </p:sp>
+      </p:pic>
     </p:spTree>
     <p:extLst>
       <p:ext uri="{BB962C8B-B14F-4D97-AF65-F5344CB8AC3E}">
-        <p14:creationId xmlns:p14="http://schemas.microsoft.com/office/powerpoint/2010/main" val="1045715201"/>
+        <p14:creationId xmlns:p14="http://schemas.microsoft.com/office/powerpoint/2010/main" val="2090730872"/>
       </p:ext>
     </p:extLst>
   </p:cSld>
@@ -6109,149 +6193,54 @@
                 </a:r>
                 <a14:m>
                   <m:oMath xmlns:m="http://schemas.openxmlformats.org/officeDocument/2006/math">
-                    <m:sSup>
-                      <m:sSupPr>
-                        <m:ctrlPr>
-                          <a:rPr lang="en-US" b="0" i="1" smtClean="0">
-                            <a:solidFill>
-                              <a:schemeClr val="bg1"/>
-                            </a:solidFill>
-                            <a:latin typeface="Cambria Math" panose="02040503050406030204" pitchFamily="18" charset="0"/>
-                          </a:rPr>
-                        </m:ctrlPr>
-                      </m:sSupPr>
-                      <m:e>
-                        <m:r>
-                          <a:rPr lang="en-US" b="0" i="1" smtClean="0">
-                            <a:solidFill>
-                              <a:schemeClr val="bg1"/>
-                            </a:solidFill>
-                            <a:latin typeface="Cambria Math" panose="02040503050406030204" pitchFamily="18" charset="0"/>
-                          </a:rPr>
-                          <m:t>2</m:t>
-                        </m:r>
-                      </m:e>
-                      <m:sup>
-                        <m:d>
-                          <m:dPr>
-                            <m:begChr m:val="⌊"/>
-                            <m:endChr m:val="⌋"/>
-                            <m:ctrlPr>
-                              <a:rPr lang="en-US" b="0" i="1" smtClean="0">
-                                <a:solidFill>
-                                  <a:schemeClr val="bg1"/>
-                                </a:solidFill>
-                                <a:latin typeface="Cambria Math" panose="02040503050406030204" pitchFamily="18" charset="0"/>
-                              </a:rPr>
-                            </m:ctrlPr>
-                          </m:dPr>
-                          <m:e>
-                            <m:func>
-                              <m:funcPr>
-                                <m:ctrlPr>
-                                  <a:rPr lang="en-US" b="0" i="1" smtClean="0">
-                                    <a:solidFill>
-                                      <a:schemeClr val="bg1"/>
-                                    </a:solidFill>
-                                    <a:latin typeface="Cambria Math" panose="02040503050406030204" pitchFamily="18" charset="0"/>
-                                  </a:rPr>
-                                </m:ctrlPr>
-                              </m:funcPr>
-                              <m:fName>
-                                <m:sSub>
-                                  <m:sSubPr>
-                                    <m:ctrlPr>
-                                      <a:rPr lang="en-US" b="0" i="1" smtClean="0">
-                                        <a:solidFill>
-                                          <a:schemeClr val="bg1"/>
-                                        </a:solidFill>
-                                        <a:latin typeface="Cambria Math" panose="02040503050406030204" pitchFamily="18" charset="0"/>
-                                      </a:rPr>
-                                    </m:ctrlPr>
-                                  </m:sSubPr>
-                                  <m:e>
-                                    <m:r>
-                                      <m:rPr>
-                                        <m:sty m:val="p"/>
-                                      </m:rPr>
-                                      <a:rPr lang="en-US" b="0" i="0" smtClean="0">
-                                        <a:solidFill>
-                                          <a:schemeClr val="bg1"/>
-                                        </a:solidFill>
-                                        <a:latin typeface="Cambria Math" panose="02040503050406030204" pitchFamily="18" charset="0"/>
-                                      </a:rPr>
-                                      <m:t>log</m:t>
-                                    </m:r>
-                                  </m:e>
-                                  <m:sub>
-                                    <m:r>
-                                      <a:rPr lang="en-US" b="0" i="1" smtClean="0">
-                                        <a:solidFill>
-                                          <a:schemeClr val="bg1"/>
-                                        </a:solidFill>
-                                        <a:latin typeface="Cambria Math" panose="02040503050406030204" pitchFamily="18" charset="0"/>
-                                      </a:rPr>
-                                      <m:t>2</m:t>
-                                    </m:r>
-                                  </m:sub>
-                                </m:sSub>
-                              </m:fName>
-                              <m:e>
-                                <m:r>
-                                  <a:rPr lang="en-US" b="0" i="1" smtClean="0">
-                                    <a:solidFill>
-                                      <a:schemeClr val="bg1"/>
-                                    </a:solidFill>
-                                    <a:latin typeface="Cambria Math" panose="02040503050406030204" pitchFamily="18" charset="0"/>
-                                  </a:rPr>
-                                  <m:t>𝑛</m:t>
-                                </m:r>
-                              </m:e>
-                            </m:func>
-                          </m:e>
-                        </m:d>
-                      </m:sup>
-                    </m:sSup>
-                  </m:oMath>
-                </a14:m>
-                <a:r>
-                  <a:rPr lang="en-US" dirty="0">
-                    <a:solidFill>
-                      <a:schemeClr val="bg1"/>
-                    </a:solidFill>
-                  </a:rPr>
-                  <a:t> players are paired.</a:t>
-                </a:r>
-              </a:p>
-              <a:p>
-                <a:pPr lvl="1">
-                  <a:buFont typeface="Wingdings" panose="05000000000000000000" pitchFamily="2" charset="2"/>
-                  <a:buChar char="§"/>
-                </a:pPr>
-                <a:r>
-                  <a:rPr lang="en-US" dirty="0">
-                    <a:solidFill>
-                      <a:schemeClr val="bg1"/>
-                    </a:solidFill>
-                  </a:rPr>
-                  <a:t>The winners pass to round 2 (draw leads to a rematch)</a:t>
-                </a:r>
-              </a:p>
-              <a:p>
-                <a:pPr lvl="1">
-                  <a:buFont typeface="Wingdings" panose="05000000000000000000" pitchFamily="2" charset="2"/>
-                  <a:buChar char="§"/>
-                </a:pPr>
-                <a:r>
-                  <a:rPr lang="en-US" dirty="0">
-                    <a:solidFill>
-                      <a:schemeClr val="bg1"/>
-                    </a:solidFill>
-                  </a:rPr>
-                  <a:t>The rest </a:t>
-                </a:r>
-                <a14:m>
-                  <m:oMath xmlns:m="http://schemas.openxmlformats.org/officeDocument/2006/math">
+                    <m:r>
+                      <m:rPr>
+                        <m:sty m:val="p"/>
+                      </m:rPr>
+                      <a:rPr lang="en-US">
+                        <a:solidFill>
+                          <a:schemeClr val="bg1"/>
+                        </a:solidFill>
+                        <a:latin typeface="Cambria Math" panose="02040503050406030204" pitchFamily="18" charset="0"/>
+                      </a:rPr>
+                      <m:t>A</m:t>
+                    </m:r>
+                    <m:r>
+                      <a:rPr lang="en-US" b="0" i="0" smtClean="0">
+                        <a:solidFill>
+                          <a:schemeClr val="bg1"/>
+                        </a:solidFill>
+                        <a:latin typeface="Cambria Math" panose="02040503050406030204" pitchFamily="18" charset="0"/>
+                      </a:rPr>
+                      <m:t>=</m:t>
+                    </m:r>
+                    <m:r>
+                      <a:rPr lang="en-US" b="0" i="1" smtClean="0">
+                        <a:solidFill>
+                          <a:schemeClr val="bg1"/>
+                        </a:solidFill>
+                        <a:latin typeface="Cambria Math" panose="02040503050406030204" pitchFamily="18" charset="0"/>
+                      </a:rPr>
+                      <m:t>2</m:t>
+                    </m:r>
+                    <m:r>
+                      <a:rPr lang="en-US" b="0" i="1" smtClean="0">
+                        <a:solidFill>
+                          <a:schemeClr val="bg1"/>
+                        </a:solidFill>
+                        <a:latin typeface="Cambria Math" panose="02040503050406030204" pitchFamily="18" charset="0"/>
+                      </a:rPr>
+                      <m:t>𝑛</m:t>
+                    </m:r>
+                    <m:r>
+                      <a:rPr lang="en-US" b="0" i="1" smtClean="0">
+                        <a:solidFill>
+                          <a:schemeClr val="bg1"/>
+                        </a:solidFill>
+                        <a:latin typeface="Cambria Math" panose="02040503050406030204" pitchFamily="18" charset="0"/>
+                      </a:rPr>
+                      <m:t> −</m:t>
+                    </m:r>
                     <m:sSup>
                       <m:sSupPr>
                         <m:ctrlPr>
@@ -6265,29 +6254,20 @@
                       </m:sSupPr>
                       <m:e>
                         <m:r>
-                          <a:rPr lang="en-US" b="0" i="1" smtClean="0">
+                          <a:rPr lang="en-US" i="1">
                             <a:solidFill>
                               <a:schemeClr val="bg1"/>
                             </a:solidFill>
                             <a:latin typeface="Cambria Math" panose="02040503050406030204" pitchFamily="18" charset="0"/>
                           </a:rPr>
-                          <m:t>𝑛</m:t>
-                        </m:r>
-                        <m:r>
-                          <a:rPr lang="en-US" b="0" i="1" smtClean="0">
-                            <a:solidFill>
-                              <a:schemeClr val="bg1"/>
-                            </a:solidFill>
-                            <a:latin typeface="Cambria Math" panose="02040503050406030204" pitchFamily="18" charset="0"/>
-                          </a:rPr>
-                          <m:t>−2</m:t>
+                          <m:t>2</m:t>
                         </m:r>
                       </m:e>
                       <m:sup>
                         <m:d>
                           <m:dPr>
-                            <m:begChr m:val="⌊"/>
-                            <m:endChr m:val="⌋"/>
+                            <m:begChr m:val="⌈"/>
+                            <m:endChr m:val="⌉"/>
                             <m:ctrlPr>
                               <a:rPr lang="en-US" i="1">
                                 <a:solidFill>
@@ -6364,6 +6344,128 @@
                         </m:d>
                       </m:sup>
                     </m:sSup>
+                  </m:oMath>
+                </a14:m>
+                <a:r>
+                  <a:rPr lang="en-US" dirty="0">
+                    <a:solidFill>
+                      <a:schemeClr val="bg1"/>
+                    </a:solidFill>
+                  </a:rPr>
+                  <a:t> players are paired.</a:t>
+                </a:r>
+              </a:p>
+              <a:p>
+                <a:pPr lvl="2">
+                  <a:buFont typeface="Wingdings" panose="05000000000000000000" pitchFamily="2" charset="2"/>
+                  <a:buChar char="Ø"/>
+                </a:pPr>
+                <a:r>
+                  <a:rPr lang="en-US" dirty="0">
+                    <a:solidFill>
+                      <a:schemeClr val="bg1"/>
+                    </a:solidFill>
+                  </a:rPr>
+                  <a:t>Out of those, the </a:t>
+                </a:r>
+                <a14:m>
+                  <m:oMath xmlns:m="http://schemas.openxmlformats.org/officeDocument/2006/math">
+                    <m:f>
+                      <m:fPr>
+                        <m:ctrlPr>
+                          <a:rPr lang="en-US" b="0" i="1" smtClean="0">
+                            <a:solidFill>
+                              <a:schemeClr val="bg1"/>
+                            </a:solidFill>
+                            <a:latin typeface="Cambria Math" panose="02040503050406030204" pitchFamily="18" charset="0"/>
+                          </a:rPr>
+                        </m:ctrlPr>
+                      </m:fPr>
+                      <m:num>
+                        <m:r>
+                          <a:rPr lang="en-US" b="0" i="1" smtClean="0">
+                            <a:solidFill>
+                              <a:schemeClr val="bg1"/>
+                            </a:solidFill>
+                            <a:latin typeface="Cambria Math" panose="02040503050406030204" pitchFamily="18" charset="0"/>
+                          </a:rPr>
+                          <m:t>𝐴</m:t>
+                        </m:r>
+                      </m:num>
+                      <m:den>
+                        <m:r>
+                          <a:rPr lang="en-US" b="0" i="1" smtClean="0">
+                            <a:solidFill>
+                              <a:schemeClr val="bg1"/>
+                            </a:solidFill>
+                            <a:latin typeface="Cambria Math" panose="02040503050406030204" pitchFamily="18" charset="0"/>
+                          </a:rPr>
+                          <m:t>2</m:t>
+                        </m:r>
+                      </m:den>
+                    </m:f>
+                    <m:r>
+                      <a:rPr lang="en-US" i="1">
+                        <a:solidFill>
+                          <a:schemeClr val="bg1"/>
+                        </a:solidFill>
+                        <a:latin typeface="Cambria Math" panose="02040503050406030204" pitchFamily="18" charset="0"/>
+                      </a:rPr>
+                      <m:t> </m:t>
+                    </m:r>
+                  </m:oMath>
+                </a14:m>
+                <a:r>
+                  <a:rPr lang="en-US" dirty="0">
+                    <a:solidFill>
+                      <a:schemeClr val="bg1"/>
+                    </a:solidFill>
+                  </a:rPr>
+                  <a:t>winners pass to round 2 (draw leads to a rematch)</a:t>
+                </a:r>
+              </a:p>
+              <a:p>
+                <a:pPr lvl="1">
+                  <a:buFont typeface="Wingdings" panose="05000000000000000000" pitchFamily="2" charset="2"/>
+                  <a:buChar char="§"/>
+                </a:pPr>
+                <a:r>
+                  <a:rPr lang="en-US" dirty="0">
+                    <a:solidFill>
+                      <a:schemeClr val="bg1"/>
+                    </a:solidFill>
+                  </a:rPr>
+                  <a:t>The rest </a:t>
+                </a:r>
+                <a14:m>
+                  <m:oMath xmlns:m="http://schemas.openxmlformats.org/officeDocument/2006/math">
+                    <m:r>
+                      <a:rPr lang="en-US" i="1" smtClean="0">
+                        <a:solidFill>
+                          <a:schemeClr val="bg1"/>
+                        </a:solidFill>
+                        <a:latin typeface="Cambria Math" panose="02040503050406030204" pitchFamily="18" charset="0"/>
+                      </a:rPr>
+                      <m:t>𝑛</m:t>
+                    </m:r>
+                    <m:r>
+                      <a:rPr lang="en-US" b="0" i="1" smtClean="0">
+                        <a:solidFill>
+                          <a:schemeClr val="bg1"/>
+                        </a:solidFill>
+                        <a:latin typeface="Cambria Math" panose="02040503050406030204" pitchFamily="18" charset="0"/>
+                      </a:rPr>
+                      <m:t>−</m:t>
+                    </m:r>
+                    <m:r>
+                      <a:rPr lang="en-US" b="0" i="1" smtClean="0">
+                        <a:solidFill>
+                          <a:schemeClr val="bg1"/>
+                        </a:solidFill>
+                        <a:latin typeface="Cambria Math" panose="02040503050406030204" pitchFamily="18" charset="0"/>
+                      </a:rPr>
+                      <m:t>𝐴</m:t>
+                    </m:r>
                   </m:oMath>
                 </a14:m>
                 <a:r>
@@ -6542,9 +6644,9 @@
                 <a:ext cx="9126688" cy="4799076"/>
               </a:xfrm>
               <a:blipFill>
-                <a:blip r:embed="rId2"/>
+                <a:blip r:embed="rId3"/>
                 <a:stretch>
-                  <a:fillRect l="-267" t="-2665"/>
+                  <a:fillRect l="-267" t="-3046"/>
                 </a:stretch>
               </a:blipFill>
             </p:spPr>
@@ -6671,7 +6773,7 @@
         </p:blipFill>
         <p:spPr>
           <a:xfrm>
-            <a:off x="2704437" y="888091"/>
+            <a:off x="2695293" y="833582"/>
             <a:ext cx="3518536" cy="5672406"/>
           </a:xfrm>
           <a:prstGeom prst="rect">
@@ -6707,7 +6809,7 @@
         </p:blipFill>
         <p:spPr>
           <a:xfrm>
-            <a:off x="7511414" y="3800359"/>
+            <a:off x="7602854" y="3800359"/>
             <a:ext cx="3391563" cy="2705629"/>
           </a:xfrm>
           <a:prstGeom prst="rect">

--- a/presentation/Distributed.pptx
+++ b/presentation/Distributed.pptx
@@ -5,7 +5,7 @@
     <p:sldMasterId id="2147483811" r:id="rId1"/>
   </p:sldMasterIdLst>
   <p:notesMasterIdLst>
-    <p:notesMasterId r:id="rId23"/>
+    <p:notesMasterId r:id="rId29"/>
   </p:notesMasterIdLst>
   <p:sldIdLst>
     <p:sldId id="256" r:id="rId2"/>
@@ -28,7 +28,13 @@
     <p:sldId id="273" r:id="rId19"/>
     <p:sldId id="266" r:id="rId20"/>
     <p:sldId id="272" r:id="rId21"/>
-    <p:sldId id="271" r:id="rId22"/>
+    <p:sldId id="280" r:id="rId22"/>
+    <p:sldId id="283" r:id="rId23"/>
+    <p:sldId id="281" r:id="rId24"/>
+    <p:sldId id="284" r:id="rId25"/>
+    <p:sldId id="285" r:id="rId26"/>
+    <p:sldId id="286" r:id="rId27"/>
+    <p:sldId id="271" r:id="rId28"/>
   </p:sldIdLst>
   <p:sldSz cx="12192000" cy="6858000"/>
   <p:notesSz cx="6858000" cy="9144000"/>
@@ -217,7 +223,7 @@
           <a:p>
             <a:fld id="{4BA666F6-5881-45C2-B1FB-D83BEFCFBA7A}" type="datetimeFigureOut">
               <a:rPr lang="en-US" smtClean="0"/>
-              <a:t>6/10/2020</a:t>
+              <a:t>6/11/2020</a:t>
             </a:fld>
             <a:endParaRPr lang="en-US"/>
           </a:p>
@@ -652,6 +658,258 @@
 </p:notes>
 </file>
 
+<file path=ppt/notesSlides/notesSlide3.xml><?xml version="1.0" encoding="utf-8"?>
+<p:notes xmlns:a="http://schemas.openxmlformats.org/drawingml/2006/main" xmlns:r="http://schemas.openxmlformats.org/officeDocument/2006/relationships" xmlns:p="http://schemas.openxmlformats.org/presentationml/2006/main">
+  <p:cSld>
+    <p:spTree>
+      <p:nvGrpSpPr>
+        <p:cNvPr id="1" name=""/>
+        <p:cNvGrpSpPr/>
+        <p:nvPr/>
+      </p:nvGrpSpPr>
+      <p:grpSpPr>
+        <a:xfrm>
+          <a:off x="0" y="0"/>
+          <a:ext cx="0" cy="0"/>
+          <a:chOff x="0" y="0"/>
+          <a:chExt cx="0" cy="0"/>
+        </a:xfrm>
+      </p:grpSpPr>
+      <p:sp>
+        <p:nvSpPr>
+          <p:cNvPr id="2" name="Slide Image Placeholder 1"/>
+          <p:cNvSpPr>
+            <a:spLocks noGrp="1" noRot="1" noChangeAspect="1"/>
+          </p:cNvSpPr>
+          <p:nvPr>
+            <p:ph type="sldImg"/>
+          </p:nvPr>
+        </p:nvSpPr>
+        <p:spPr/>
+      </p:sp>
+      <p:sp>
+        <p:nvSpPr>
+          <p:cNvPr id="3" name="Notes Placeholder 2"/>
+          <p:cNvSpPr>
+            <a:spLocks noGrp="1"/>
+          </p:cNvSpPr>
+          <p:nvPr>
+            <p:ph type="body" idx="1"/>
+          </p:nvPr>
+        </p:nvSpPr>
+        <p:spPr/>
+        <p:txBody>
+          <a:bodyPr/>
+          <a:lstStyle/>
+          <a:p>
+            <a:endParaRPr lang="en-US" dirty="0"/>
+          </a:p>
+        </p:txBody>
+      </p:sp>
+      <p:sp>
+        <p:nvSpPr>
+          <p:cNvPr id="4" name="Slide Number Placeholder 3"/>
+          <p:cNvSpPr>
+            <a:spLocks noGrp="1"/>
+          </p:cNvSpPr>
+          <p:nvPr>
+            <p:ph type="sldNum" sz="quarter" idx="5"/>
+          </p:nvPr>
+        </p:nvSpPr>
+        <p:spPr/>
+        <p:txBody>
+          <a:bodyPr/>
+          <a:lstStyle/>
+          <a:p>
+            <a:fld id="{4476979B-806B-4E69-9CE1-4F45EC3D6384}" type="slidenum">
+              <a:rPr lang="en-US" smtClean="0"/>
+              <a:t>24</a:t>
+            </a:fld>
+            <a:endParaRPr lang="en-US"/>
+          </a:p>
+        </p:txBody>
+      </p:sp>
+    </p:spTree>
+    <p:extLst>
+      <p:ext uri="{BB962C8B-B14F-4D97-AF65-F5344CB8AC3E}">
+        <p14:creationId xmlns:p14="http://schemas.microsoft.com/office/powerpoint/2010/main" val="3666896255"/>
+      </p:ext>
+    </p:extLst>
+  </p:cSld>
+  <p:clrMapOvr>
+    <a:masterClrMapping/>
+  </p:clrMapOvr>
+</p:notes>
+</file>
+
+<file path=ppt/notesSlides/notesSlide4.xml><?xml version="1.0" encoding="utf-8"?>
+<p:notes xmlns:a="http://schemas.openxmlformats.org/drawingml/2006/main" xmlns:r="http://schemas.openxmlformats.org/officeDocument/2006/relationships" xmlns:p="http://schemas.openxmlformats.org/presentationml/2006/main">
+  <p:cSld>
+    <p:spTree>
+      <p:nvGrpSpPr>
+        <p:cNvPr id="1" name=""/>
+        <p:cNvGrpSpPr/>
+        <p:nvPr/>
+      </p:nvGrpSpPr>
+      <p:grpSpPr>
+        <a:xfrm>
+          <a:off x="0" y="0"/>
+          <a:ext cx="0" cy="0"/>
+          <a:chOff x="0" y="0"/>
+          <a:chExt cx="0" cy="0"/>
+        </a:xfrm>
+      </p:grpSpPr>
+      <p:sp>
+        <p:nvSpPr>
+          <p:cNvPr id="2" name="Slide Image Placeholder 1"/>
+          <p:cNvSpPr>
+            <a:spLocks noGrp="1" noRot="1" noChangeAspect="1"/>
+          </p:cNvSpPr>
+          <p:nvPr>
+            <p:ph type="sldImg"/>
+          </p:nvPr>
+        </p:nvSpPr>
+        <p:spPr/>
+      </p:sp>
+      <p:sp>
+        <p:nvSpPr>
+          <p:cNvPr id="3" name="Notes Placeholder 2"/>
+          <p:cNvSpPr>
+            <a:spLocks noGrp="1"/>
+          </p:cNvSpPr>
+          <p:nvPr>
+            <p:ph type="body" idx="1"/>
+          </p:nvPr>
+        </p:nvSpPr>
+        <p:spPr/>
+        <p:txBody>
+          <a:bodyPr/>
+          <a:lstStyle/>
+          <a:p>
+            <a:endParaRPr lang="en-US" dirty="0"/>
+          </a:p>
+        </p:txBody>
+      </p:sp>
+      <p:sp>
+        <p:nvSpPr>
+          <p:cNvPr id="4" name="Slide Number Placeholder 3"/>
+          <p:cNvSpPr>
+            <a:spLocks noGrp="1"/>
+          </p:cNvSpPr>
+          <p:nvPr>
+            <p:ph type="sldNum" sz="quarter" idx="5"/>
+          </p:nvPr>
+        </p:nvSpPr>
+        <p:spPr/>
+        <p:txBody>
+          <a:bodyPr/>
+          <a:lstStyle/>
+          <a:p>
+            <a:fld id="{4476979B-806B-4E69-9CE1-4F45EC3D6384}" type="slidenum">
+              <a:rPr lang="en-US" smtClean="0"/>
+              <a:t>25</a:t>
+            </a:fld>
+            <a:endParaRPr lang="en-US"/>
+          </a:p>
+        </p:txBody>
+      </p:sp>
+    </p:spTree>
+    <p:extLst>
+      <p:ext uri="{BB962C8B-B14F-4D97-AF65-F5344CB8AC3E}">
+        <p14:creationId xmlns:p14="http://schemas.microsoft.com/office/powerpoint/2010/main" val="2720746458"/>
+      </p:ext>
+    </p:extLst>
+  </p:cSld>
+  <p:clrMapOvr>
+    <a:masterClrMapping/>
+  </p:clrMapOvr>
+</p:notes>
+</file>
+
+<file path=ppt/notesSlides/notesSlide5.xml><?xml version="1.0" encoding="utf-8"?>
+<p:notes xmlns:a="http://schemas.openxmlformats.org/drawingml/2006/main" xmlns:r="http://schemas.openxmlformats.org/officeDocument/2006/relationships" xmlns:p="http://schemas.openxmlformats.org/presentationml/2006/main">
+  <p:cSld>
+    <p:spTree>
+      <p:nvGrpSpPr>
+        <p:cNvPr id="1" name=""/>
+        <p:cNvGrpSpPr/>
+        <p:nvPr/>
+      </p:nvGrpSpPr>
+      <p:grpSpPr>
+        <a:xfrm>
+          <a:off x="0" y="0"/>
+          <a:ext cx="0" cy="0"/>
+          <a:chOff x="0" y="0"/>
+          <a:chExt cx="0" cy="0"/>
+        </a:xfrm>
+      </p:grpSpPr>
+      <p:sp>
+        <p:nvSpPr>
+          <p:cNvPr id="2" name="Slide Image Placeholder 1"/>
+          <p:cNvSpPr>
+            <a:spLocks noGrp="1" noRot="1" noChangeAspect="1"/>
+          </p:cNvSpPr>
+          <p:nvPr>
+            <p:ph type="sldImg"/>
+          </p:nvPr>
+        </p:nvSpPr>
+        <p:spPr/>
+      </p:sp>
+      <p:sp>
+        <p:nvSpPr>
+          <p:cNvPr id="3" name="Notes Placeholder 2"/>
+          <p:cNvSpPr>
+            <a:spLocks noGrp="1"/>
+          </p:cNvSpPr>
+          <p:nvPr>
+            <p:ph type="body" idx="1"/>
+          </p:nvPr>
+        </p:nvSpPr>
+        <p:spPr/>
+        <p:txBody>
+          <a:bodyPr/>
+          <a:lstStyle/>
+          <a:p>
+            <a:endParaRPr lang="en-US" dirty="0"/>
+          </a:p>
+        </p:txBody>
+      </p:sp>
+      <p:sp>
+        <p:nvSpPr>
+          <p:cNvPr id="4" name="Slide Number Placeholder 3"/>
+          <p:cNvSpPr>
+            <a:spLocks noGrp="1"/>
+          </p:cNvSpPr>
+          <p:nvPr>
+            <p:ph type="sldNum" sz="quarter" idx="5"/>
+          </p:nvPr>
+        </p:nvSpPr>
+        <p:spPr/>
+        <p:txBody>
+          <a:bodyPr/>
+          <a:lstStyle/>
+          <a:p>
+            <a:fld id="{4476979B-806B-4E69-9CE1-4F45EC3D6384}" type="slidenum">
+              <a:rPr lang="en-US" smtClean="0"/>
+              <a:t>26</a:t>
+            </a:fld>
+            <a:endParaRPr lang="en-US"/>
+          </a:p>
+        </p:txBody>
+      </p:sp>
+    </p:spTree>
+    <p:extLst>
+      <p:ext uri="{BB962C8B-B14F-4D97-AF65-F5344CB8AC3E}">
+        <p14:creationId xmlns:p14="http://schemas.microsoft.com/office/powerpoint/2010/main" val="24811524"/>
+      </p:ext>
+    </p:extLst>
+  </p:cSld>
+  <p:clrMapOvr>
+    <a:masterClrMapping/>
+  </p:clrMapOvr>
+</p:notes>
+</file>
+
 <file path=ppt/slideLayouts/slideLayout1.xml><?xml version="1.0" encoding="utf-8"?>
 <p:sldLayout xmlns:a="http://schemas.openxmlformats.org/drawingml/2006/main" xmlns:r="http://schemas.openxmlformats.org/officeDocument/2006/relationships" xmlns:p="http://schemas.openxmlformats.org/presentationml/2006/main" type="title" preserve="1">
   <p:cSld name="Title Slide">
@@ -890,7 +1148,7 @@
           <a:p>
             <a:fld id="{ED291B17-9318-49DB-B28B-6E5994AE9581}" type="datetime1">
               <a:rPr lang="en-US" smtClean="0"/>
-              <a:t>6/10/2020</a:t>
+              <a:t>6/11/2020</a:t>
             </a:fld>
             <a:endParaRPr lang="en-US" dirty="0"/>
           </a:p>
@@ -1093,7 +1351,7 @@
           <a:p>
             <a:fld id="{2CED4963-E985-44C4-B8C4-FDD613B7C2F8}" type="datetime1">
               <a:rPr lang="en-US" smtClean="0"/>
-              <a:t>6/10/2020</a:t>
+              <a:t>6/11/2020</a:t>
             </a:fld>
             <a:endParaRPr lang="en-US" dirty="0"/>
           </a:p>
@@ -1455,7 +1713,7 @@
           <a:p>
             <a:fld id="{ED291B17-9318-49DB-B28B-6E5994AE9581}" type="datetime1">
               <a:rPr lang="en-US" smtClean="0"/>
-              <a:t>6/10/2020</a:t>
+              <a:t>6/11/2020</a:t>
             </a:fld>
             <a:endParaRPr lang="en-US" dirty="0"/>
           </a:p>
@@ -1653,7 +1911,7 @@
           <a:p>
             <a:fld id="{78DD82B9-B8EE-4375-B6FF-88FA6ABB15D9}" type="datetime1">
               <a:rPr lang="en-US" smtClean="0"/>
-              <a:t>6/10/2020</a:t>
+              <a:t>6/11/2020</a:t>
             </a:fld>
             <a:endParaRPr lang="en-US" dirty="0"/>
           </a:p>
@@ -1965,7 +2223,7 @@
           <a:p>
             <a:fld id="{B2497495-0637-405E-AE64-5CC7506D51F5}" type="datetime1">
               <a:rPr lang="en-US" smtClean="0"/>
-              <a:t>6/10/2020</a:t>
+              <a:t>6/11/2020</a:t>
             </a:fld>
             <a:endParaRPr lang="en-US" dirty="0"/>
           </a:p>
@@ -2218,7 +2476,7 @@
           <a:p>
             <a:fld id="{7BFFD690-9426-415D-8B65-26881E07B2D4}" type="datetime1">
               <a:rPr lang="en-US" smtClean="0"/>
-              <a:t>6/10/2020</a:t>
+              <a:t>6/11/2020</a:t>
             </a:fld>
             <a:endParaRPr lang="en-US" dirty="0"/>
           </a:p>
@@ -2640,7 +2898,7 @@
           <a:p>
             <a:fld id="{04C4989A-474C-40DE-95B9-011C28B71673}" type="datetime1">
               <a:rPr lang="en-US" smtClean="0"/>
-              <a:t>6/10/2020</a:t>
+              <a:t>6/11/2020</a:t>
             </a:fld>
             <a:endParaRPr lang="en-US" dirty="0"/>
           </a:p>
@@ -2763,7 +3021,7 @@
           <a:p>
             <a:fld id="{5DB4ED54-5B5E-4A04-93D3-5772E3CE3818}" type="datetime1">
               <a:rPr lang="en-US" smtClean="0"/>
-              <a:t>6/10/2020</a:t>
+              <a:t>6/11/2020</a:t>
             </a:fld>
             <a:endParaRPr lang="en-US" dirty="0"/>
           </a:p>
@@ -2858,7 +3116,7 @@
           <a:p>
             <a:fld id="{4EDE50D6-574B-40AF-946F-D52A04ADE379}" type="datetime1">
               <a:rPr lang="en-US" smtClean="0"/>
-              <a:t>6/10/2020</a:t>
+              <a:t>6/11/2020</a:t>
             </a:fld>
             <a:endParaRPr lang="en-US" dirty="0"/>
           </a:p>
@@ -3235,7 +3493,7 @@
           <a:p>
             <a:fld id="{D82884F1-FFEA-405F-9602-3DCA865EDA4E}" type="datetime1">
               <a:rPr lang="en-US" smtClean="0"/>
-              <a:t>6/10/2020</a:t>
+              <a:t>6/11/2020</a:t>
             </a:fld>
             <a:endParaRPr lang="en-US" dirty="0"/>
           </a:p>
@@ -3528,7 +3786,7 @@
           <a:p>
             <a:fld id="{7E18DB4A-8810-4A10-AD5C-D5E2C667F5B3}" type="datetime1">
               <a:rPr lang="en-US" smtClean="0"/>
-              <a:t>6/10/2020</a:t>
+              <a:t>6/11/2020</a:t>
             </a:fld>
             <a:endParaRPr lang="en-US" dirty="0"/>
           </a:p>
@@ -3746,7 +4004,7 @@
           <a:p>
             <a:fld id="{ED291B17-9318-49DB-B28B-6E5994AE9581}" type="datetime1">
               <a:rPr lang="en-US" smtClean="0"/>
-              <a:t>6/10/2020</a:t>
+              <a:t>6/11/2020</a:t>
             </a:fld>
             <a:endParaRPr lang="en-US" dirty="0"/>
           </a:p>
@@ -6058,8 +6316,8 @@
           </a:p>
         </p:txBody>
       </p:sp>
-      <mc:AlternateContent xmlns:mc="http://schemas.openxmlformats.org/markup-compatibility/2006">
-        <mc:Choice xmlns:a14="http://schemas.microsoft.com/office/drawing/2010/main" Requires="a14">
+      <mc:AlternateContent xmlns:mc="http://schemas.openxmlformats.org/markup-compatibility/2006" xmlns:a14="http://schemas.microsoft.com/office/drawing/2010/main">
+        <mc:Choice Requires="a14">
           <p:sp>
             <p:nvSpPr>
               <p:cNvPr id="3" name="Content Placeholder 2">
@@ -6621,7 +6879,7 @@
             </p:txBody>
           </p:sp>
         </mc:Choice>
-        <mc:Fallback>
+        <mc:Fallback xmlns="">
           <p:sp>
             <p:nvSpPr>
               <p:cNvPr id="3" name="Content Placeholder 2">
@@ -12175,6 +12433,1130 @@
 </file>
 
 <file path=ppt/slides/slide21.xml><?xml version="1.0" encoding="utf-8"?>
+<p:sld xmlns:a="http://schemas.openxmlformats.org/drawingml/2006/main" xmlns:r="http://schemas.openxmlformats.org/officeDocument/2006/relationships" xmlns:p="http://schemas.openxmlformats.org/presentationml/2006/main">
+  <p:cSld>
+    <p:spTree>
+      <p:nvGrpSpPr>
+        <p:cNvPr id="1" name=""/>
+        <p:cNvGrpSpPr/>
+        <p:nvPr/>
+      </p:nvGrpSpPr>
+      <p:grpSpPr>
+        <a:xfrm>
+          <a:off x="0" y="0"/>
+          <a:ext cx="0" cy="0"/>
+          <a:chOff x="0" y="0"/>
+          <a:chExt cx="0" cy="0"/>
+        </a:xfrm>
+      </p:grpSpPr>
+      <p:sp>
+        <p:nvSpPr>
+          <p:cNvPr id="2" name="Title 1">
+            <a:extLst>
+              <a:ext uri="{FF2B5EF4-FFF2-40B4-BE49-F238E27FC236}">
+                <a16:creationId xmlns:a16="http://schemas.microsoft.com/office/drawing/2014/main" id="{888F497E-9F16-4202-BF6B-4BB9EBB5AD2B}"/>
+              </a:ext>
+            </a:extLst>
+          </p:cNvPr>
+          <p:cNvSpPr>
+            <a:spLocks noGrp="1"/>
+          </p:cNvSpPr>
+          <p:nvPr>
+            <p:ph type="title"/>
+          </p:nvPr>
+        </p:nvSpPr>
+        <p:spPr/>
+        <p:txBody>
+          <a:bodyPr/>
+          <a:lstStyle/>
+          <a:p>
+            <a:r>
+              <a:rPr lang="en-US" dirty="0">
+                <a:solidFill>
+                  <a:schemeClr val="bg1"/>
+                </a:solidFill>
+              </a:rPr>
+              <a:t>Benchmarks, UI</a:t>
+            </a:r>
+            <a:br>
+              <a:rPr lang="en-US" dirty="0">
+                <a:solidFill>
+                  <a:schemeClr val="bg1"/>
+                </a:solidFill>
+              </a:rPr>
+            </a:br>
+            <a:endParaRPr lang="en-US" dirty="0">
+              <a:solidFill>
+                <a:schemeClr val="bg1"/>
+              </a:solidFill>
+            </a:endParaRPr>
+          </a:p>
+        </p:txBody>
+      </p:sp>
+      <p:sp>
+        <p:nvSpPr>
+          <p:cNvPr id="3" name="Content Placeholder 2">
+            <a:extLst>
+              <a:ext uri="{FF2B5EF4-FFF2-40B4-BE49-F238E27FC236}">
+                <a16:creationId xmlns:a16="http://schemas.microsoft.com/office/drawing/2014/main" id="{09062427-24B8-45C7-BAB9-2BD54764DBC5}"/>
+              </a:ext>
+            </a:extLst>
+          </p:cNvPr>
+          <p:cNvSpPr>
+            <a:spLocks noGrp="1"/>
+          </p:cNvSpPr>
+          <p:nvPr>
+            <p:ph idx="1"/>
+          </p:nvPr>
+        </p:nvSpPr>
+        <p:spPr>
+          <a:xfrm>
+            <a:off x="581193" y="1600200"/>
+            <a:ext cx="8129670" cy="4808219"/>
+          </a:xfrm>
+        </p:spPr>
+        <p:txBody>
+          <a:bodyPr>
+            <a:normAutofit/>
+          </a:bodyPr>
+          <a:lstStyle/>
+          <a:p>
+            <a:r>
+              <a:rPr lang="en-US" dirty="0">
+                <a:solidFill>
+                  <a:schemeClr val="bg1"/>
+                </a:solidFill>
+              </a:rPr>
+              <a:t>NGINX Capacity: 2GB/s</a:t>
+            </a:r>
+          </a:p>
+          <a:p>
+            <a:pPr lvl="1"/>
+            <a:r>
+              <a:rPr lang="en-US" dirty="0">
+                <a:solidFill>
+                  <a:schemeClr val="bg1"/>
+                </a:solidFill>
+              </a:rPr>
+              <a:t>Can fully saturate a 1gbps uplink 16 times</a:t>
+            </a:r>
+            <a:endParaRPr lang="el-GR" dirty="0">
+              <a:solidFill>
+                <a:schemeClr val="bg1"/>
+              </a:solidFill>
+            </a:endParaRPr>
+          </a:p>
+          <a:p>
+            <a:r>
+              <a:rPr lang="en-US" dirty="0">
+                <a:solidFill>
+                  <a:schemeClr val="bg1"/>
+                </a:solidFill>
+              </a:rPr>
+              <a:t>Asset Size: 400kB + 200kB Chess + 20kB Tic Tac Toe</a:t>
+            </a:r>
+          </a:p>
+          <a:p>
+            <a:pPr lvl="1"/>
+            <a:r>
+              <a:rPr lang="en-US" dirty="0">
+                <a:solidFill>
+                  <a:schemeClr val="bg1"/>
+                </a:solidFill>
+              </a:rPr>
+              <a:t>Asset name contains hash -&gt; can cache until asset update or 30 days</a:t>
+            </a:r>
+          </a:p>
+          <a:p>
+            <a:pPr lvl="1"/>
+            <a:r>
+              <a:rPr lang="en-US" dirty="0">
+                <a:solidFill>
+                  <a:schemeClr val="bg1"/>
+                </a:solidFill>
+              </a:rPr>
+              <a:t>At 1gbps we can serve assets to 700k unique users per hour</a:t>
+            </a:r>
+          </a:p>
+          <a:p>
+            <a:pPr lvl="1"/>
+            <a:r>
+              <a:rPr lang="en-US" dirty="0">
+                <a:solidFill>
+                  <a:schemeClr val="bg1"/>
+                </a:solidFill>
+              </a:rPr>
+              <a:t>A CDN plan of 400gB/month for 5$ can serve 400k users </a:t>
+            </a:r>
+          </a:p>
+          <a:p>
+            <a:pPr lvl="1"/>
+            <a:r>
+              <a:rPr lang="en-US" dirty="0">
+                <a:solidFill>
+                  <a:schemeClr val="bg1"/>
+                </a:solidFill>
+              </a:rPr>
+              <a:t>Estimated Cost: 0.00002$ per user per month for bandwidth</a:t>
+            </a:r>
+          </a:p>
+        </p:txBody>
+      </p:sp>
+    </p:spTree>
+    <p:extLst>
+      <p:ext uri="{BB962C8B-B14F-4D97-AF65-F5344CB8AC3E}">
+        <p14:creationId xmlns:p14="http://schemas.microsoft.com/office/powerpoint/2010/main" val="431189065"/>
+      </p:ext>
+    </p:extLst>
+  </p:cSld>
+  <p:clrMapOvr>
+    <a:masterClrMapping/>
+  </p:clrMapOvr>
+</p:sld>
+</file>
+
+<file path=ppt/slides/slide22.xml><?xml version="1.0" encoding="utf-8"?>
+<p:sld xmlns:a="http://schemas.openxmlformats.org/drawingml/2006/main" xmlns:r="http://schemas.openxmlformats.org/officeDocument/2006/relationships" xmlns:p="http://schemas.openxmlformats.org/presentationml/2006/main">
+  <p:cSld>
+    <p:spTree>
+      <p:nvGrpSpPr>
+        <p:cNvPr id="1" name=""/>
+        <p:cNvGrpSpPr/>
+        <p:nvPr/>
+      </p:nvGrpSpPr>
+      <p:grpSpPr>
+        <a:xfrm>
+          <a:off x="0" y="0"/>
+          <a:ext cx="0" cy="0"/>
+          <a:chOff x="0" y="0"/>
+          <a:chExt cx="0" cy="0"/>
+        </a:xfrm>
+      </p:grpSpPr>
+      <p:sp>
+        <p:nvSpPr>
+          <p:cNvPr id="2" name="Title 1">
+            <a:extLst>
+              <a:ext uri="{FF2B5EF4-FFF2-40B4-BE49-F238E27FC236}">
+                <a16:creationId xmlns:a16="http://schemas.microsoft.com/office/drawing/2014/main" id="{888F497E-9F16-4202-BF6B-4BB9EBB5AD2B}"/>
+              </a:ext>
+            </a:extLst>
+          </p:cNvPr>
+          <p:cNvSpPr>
+            <a:spLocks noGrp="1"/>
+          </p:cNvSpPr>
+          <p:nvPr>
+            <p:ph type="title"/>
+          </p:nvPr>
+        </p:nvSpPr>
+        <p:spPr/>
+        <p:txBody>
+          <a:bodyPr/>
+          <a:lstStyle/>
+          <a:p>
+            <a:r>
+              <a:rPr lang="en-US" dirty="0">
+                <a:solidFill>
+                  <a:schemeClr val="bg1"/>
+                </a:solidFill>
+              </a:rPr>
+              <a:t>Benchmarks, authentication</a:t>
+            </a:r>
+            <a:br>
+              <a:rPr lang="en-US" dirty="0">
+                <a:solidFill>
+                  <a:schemeClr val="bg1"/>
+                </a:solidFill>
+              </a:rPr>
+            </a:br>
+            <a:endParaRPr lang="en-US" dirty="0">
+              <a:solidFill>
+                <a:schemeClr val="bg1"/>
+              </a:solidFill>
+            </a:endParaRPr>
+          </a:p>
+        </p:txBody>
+      </p:sp>
+      <p:sp>
+        <p:nvSpPr>
+          <p:cNvPr id="3" name="Content Placeholder 2">
+            <a:extLst>
+              <a:ext uri="{FF2B5EF4-FFF2-40B4-BE49-F238E27FC236}">
+                <a16:creationId xmlns:a16="http://schemas.microsoft.com/office/drawing/2014/main" id="{09062427-24B8-45C7-BAB9-2BD54764DBC5}"/>
+              </a:ext>
+            </a:extLst>
+          </p:cNvPr>
+          <p:cNvSpPr>
+            <a:spLocks noGrp="1"/>
+          </p:cNvSpPr>
+          <p:nvPr>
+            <p:ph idx="1"/>
+          </p:nvPr>
+        </p:nvSpPr>
+        <p:spPr>
+          <a:xfrm>
+            <a:off x="581193" y="1600200"/>
+            <a:ext cx="9609554" cy="4808219"/>
+          </a:xfrm>
+        </p:spPr>
+        <p:txBody>
+          <a:bodyPr>
+            <a:normAutofit/>
+          </a:bodyPr>
+          <a:lstStyle/>
+          <a:p>
+            <a:r>
+              <a:rPr lang="en-US" dirty="0">
+                <a:solidFill>
+                  <a:schemeClr val="bg1"/>
+                </a:solidFill>
+              </a:rPr>
+              <a:t>Authentication server can handle 1800 login/refresh requests per second</a:t>
+            </a:r>
+          </a:p>
+          <a:p>
+            <a:r>
+              <a:rPr lang="en-US" dirty="0">
+                <a:solidFill>
+                  <a:schemeClr val="bg1"/>
+                </a:solidFill>
+              </a:rPr>
+              <a:t>Each user makes a request only during initial load and every 20 minutes afterwards</a:t>
+            </a:r>
+          </a:p>
+          <a:p>
+            <a:pPr lvl="1"/>
+            <a:r>
+              <a:rPr lang="en-US" dirty="0">
+                <a:solidFill>
+                  <a:schemeClr val="bg1"/>
+                </a:solidFill>
+              </a:rPr>
+              <a:t>Worst case: 10 Requests per hour (User reloads website often)</a:t>
+            </a:r>
+          </a:p>
+          <a:p>
+            <a:pPr lvl="1"/>
+            <a:r>
+              <a:rPr lang="en-US" dirty="0">
+                <a:solidFill>
+                  <a:schemeClr val="bg1"/>
+                </a:solidFill>
+              </a:rPr>
+              <a:t>Can be limited to 4 by storing access token as a cookie as well</a:t>
+            </a:r>
+          </a:p>
+          <a:p>
+            <a:r>
+              <a:rPr lang="en-US" dirty="0">
+                <a:solidFill>
+                  <a:schemeClr val="bg1"/>
+                </a:solidFill>
+              </a:rPr>
+              <a:t>Performance: 650k users per hour</a:t>
+            </a:r>
+          </a:p>
+          <a:p>
+            <a:r>
+              <a:rPr lang="en-US" dirty="0">
+                <a:solidFill>
+                  <a:schemeClr val="bg1"/>
+                </a:solidFill>
+              </a:rPr>
+              <a:t>PHP container is stateless, can be replicated for horizontal scaling</a:t>
+            </a:r>
+          </a:p>
+          <a:p>
+            <a:r>
+              <a:rPr lang="en-US" dirty="0">
+                <a:solidFill>
+                  <a:schemeClr val="bg1"/>
+                </a:solidFill>
+              </a:rPr>
+              <a:t>MYSQL Database cannot be replicated for scalability</a:t>
+            </a:r>
+          </a:p>
+          <a:p>
+            <a:pPr lvl="1"/>
+            <a:r>
+              <a:rPr lang="en-US" dirty="0">
+                <a:solidFill>
+                  <a:schemeClr val="bg1"/>
+                </a:solidFill>
+              </a:rPr>
+              <a:t>All requests write to it</a:t>
+            </a:r>
+          </a:p>
+          <a:p>
+            <a:pPr lvl="1"/>
+            <a:r>
+              <a:rPr lang="en-US" dirty="0">
+                <a:solidFill>
+                  <a:schemeClr val="bg1"/>
+                </a:solidFill>
+              </a:rPr>
+              <a:t>Refresh token changes and is written to database on every access token request</a:t>
+            </a:r>
+          </a:p>
+        </p:txBody>
+      </p:sp>
+    </p:spTree>
+    <p:extLst>
+      <p:ext uri="{BB962C8B-B14F-4D97-AF65-F5344CB8AC3E}">
+        <p14:creationId xmlns:p14="http://schemas.microsoft.com/office/powerpoint/2010/main" val="2960535495"/>
+      </p:ext>
+    </p:extLst>
+  </p:cSld>
+  <p:clrMapOvr>
+    <a:masterClrMapping/>
+  </p:clrMapOvr>
+</p:sld>
+</file>
+
+<file path=ppt/slides/slide23.xml><?xml version="1.0" encoding="utf-8"?>
+<p:sld xmlns:a="http://schemas.openxmlformats.org/drawingml/2006/main" xmlns:r="http://schemas.openxmlformats.org/officeDocument/2006/relationships" xmlns:p="http://schemas.openxmlformats.org/presentationml/2006/main">
+  <p:cSld>
+    <p:spTree>
+      <p:nvGrpSpPr>
+        <p:cNvPr id="1" name=""/>
+        <p:cNvGrpSpPr/>
+        <p:nvPr/>
+      </p:nvGrpSpPr>
+      <p:grpSpPr>
+        <a:xfrm>
+          <a:off x="0" y="0"/>
+          <a:ext cx="0" cy="0"/>
+          <a:chOff x="0" y="0"/>
+          <a:chExt cx="0" cy="0"/>
+        </a:xfrm>
+      </p:grpSpPr>
+      <p:sp>
+        <p:nvSpPr>
+          <p:cNvPr id="2" name="Title 1">
+            <a:extLst>
+              <a:ext uri="{FF2B5EF4-FFF2-40B4-BE49-F238E27FC236}">
+                <a16:creationId xmlns:a16="http://schemas.microsoft.com/office/drawing/2014/main" id="{888F497E-9F16-4202-BF6B-4BB9EBB5AD2B}"/>
+              </a:ext>
+            </a:extLst>
+          </p:cNvPr>
+          <p:cNvSpPr>
+            <a:spLocks noGrp="1"/>
+          </p:cNvSpPr>
+          <p:nvPr>
+            <p:ph type="title"/>
+          </p:nvPr>
+        </p:nvSpPr>
+        <p:spPr/>
+        <p:txBody>
+          <a:bodyPr/>
+          <a:lstStyle/>
+          <a:p>
+            <a:r>
+              <a:rPr lang="en-US" dirty="0">
+                <a:solidFill>
+                  <a:schemeClr val="bg1"/>
+                </a:solidFill>
+              </a:rPr>
+              <a:t>Benchmarks, Gamemaster</a:t>
+            </a:r>
+            <a:br>
+              <a:rPr lang="en-US" dirty="0">
+                <a:solidFill>
+                  <a:schemeClr val="bg1"/>
+                </a:solidFill>
+              </a:rPr>
+            </a:br>
+            <a:endParaRPr lang="en-US" dirty="0">
+              <a:solidFill>
+                <a:schemeClr val="bg1"/>
+              </a:solidFill>
+            </a:endParaRPr>
+          </a:p>
+        </p:txBody>
+      </p:sp>
+      <p:sp>
+        <p:nvSpPr>
+          <p:cNvPr id="3" name="Content Placeholder 2">
+            <a:extLst>
+              <a:ext uri="{FF2B5EF4-FFF2-40B4-BE49-F238E27FC236}">
+                <a16:creationId xmlns:a16="http://schemas.microsoft.com/office/drawing/2014/main" id="{09062427-24B8-45C7-BAB9-2BD54764DBC5}"/>
+              </a:ext>
+            </a:extLst>
+          </p:cNvPr>
+          <p:cNvSpPr>
+            <a:spLocks noGrp="1"/>
+          </p:cNvSpPr>
+          <p:nvPr>
+            <p:ph idx="1"/>
+          </p:nvPr>
+        </p:nvSpPr>
+        <p:spPr>
+          <a:xfrm>
+            <a:off x="581193" y="1600200"/>
+            <a:ext cx="9609554" cy="4808219"/>
+          </a:xfrm>
+        </p:spPr>
+        <p:txBody>
+          <a:bodyPr>
+            <a:normAutofit/>
+          </a:bodyPr>
+          <a:lstStyle/>
+          <a:p>
+            <a:r>
+              <a:rPr lang="en-US" dirty="0">
+                <a:solidFill>
+                  <a:schemeClr val="bg1"/>
+                </a:solidFill>
+              </a:rPr>
+              <a:t>Gamemaster runs on Node.JS -&gt; Single Threaded</a:t>
+            </a:r>
+          </a:p>
+          <a:p>
+            <a:pPr lvl="1"/>
+            <a:r>
+              <a:rPr lang="en-US" dirty="0">
+                <a:solidFill>
+                  <a:schemeClr val="bg1"/>
+                </a:solidFill>
+              </a:rPr>
+              <a:t>Each instance uses one vCPU</a:t>
+            </a:r>
+          </a:p>
+          <a:p>
+            <a:r>
+              <a:rPr lang="en-US" dirty="0">
+                <a:solidFill>
+                  <a:schemeClr val="bg1"/>
+                </a:solidFill>
+              </a:rPr>
+              <a:t>Performance: 500-1500 requests per second (depending on request) for one instance</a:t>
+            </a:r>
+          </a:p>
+          <a:p>
+            <a:r>
+              <a:rPr lang="en-US" dirty="0">
+                <a:solidFill>
+                  <a:schemeClr val="bg1"/>
+                </a:solidFill>
+              </a:rPr>
+              <a:t>By caching lobby polling requests we can reduce requests to worst case 100 per user per hour</a:t>
+            </a:r>
+          </a:p>
+          <a:p>
+            <a:pPr lvl="1"/>
+            <a:r>
+              <a:rPr lang="en-US" dirty="0">
+                <a:solidFill>
+                  <a:schemeClr val="bg1"/>
+                </a:solidFill>
+              </a:rPr>
+              <a:t>User only makes REST requests on lobby load, joining games, and using the admin form</a:t>
+            </a:r>
+          </a:p>
+          <a:p>
+            <a:r>
+              <a:rPr lang="en-US" dirty="0">
+                <a:solidFill>
+                  <a:schemeClr val="bg1"/>
+                </a:solidFill>
+              </a:rPr>
+              <a:t>Total Performance: 18k Active Users per vCPU/instance</a:t>
+            </a:r>
+          </a:p>
+          <a:p>
+            <a:pPr lvl="1"/>
+            <a:r>
+              <a:rPr lang="en-US" dirty="0">
+                <a:solidFill>
+                  <a:schemeClr val="bg1"/>
+                </a:solidFill>
+              </a:rPr>
+              <a:t>Horizontal Scaling is an option since Gamemaster is stateless</a:t>
+            </a:r>
+          </a:p>
+          <a:p>
+            <a:pPr lvl="1"/>
+            <a:r>
+              <a:rPr lang="en-US" dirty="0">
+                <a:solidFill>
+                  <a:schemeClr val="bg1"/>
+                </a:solidFill>
+              </a:rPr>
+              <a:t>Database can be scaled using </a:t>
+            </a:r>
+            <a:r>
+              <a:rPr lang="en-US" dirty="0" err="1">
+                <a:solidFill>
+                  <a:schemeClr val="bg1"/>
+                </a:solidFill>
+              </a:rPr>
+              <a:t>Sharding</a:t>
+            </a:r>
+            <a:endParaRPr lang="en-US" dirty="0">
+              <a:solidFill>
+                <a:schemeClr val="bg1"/>
+              </a:solidFill>
+            </a:endParaRPr>
+          </a:p>
+        </p:txBody>
+      </p:sp>
+    </p:spTree>
+    <p:extLst>
+      <p:ext uri="{BB962C8B-B14F-4D97-AF65-F5344CB8AC3E}">
+        <p14:creationId xmlns:p14="http://schemas.microsoft.com/office/powerpoint/2010/main" val="2001090551"/>
+      </p:ext>
+    </p:extLst>
+  </p:cSld>
+  <p:clrMapOvr>
+    <a:masterClrMapping/>
+  </p:clrMapOvr>
+</p:sld>
+</file>
+
+<file path=ppt/slides/slide24.xml><?xml version="1.0" encoding="utf-8"?>
+<p:sld xmlns:a="http://schemas.openxmlformats.org/drawingml/2006/main" xmlns:r="http://schemas.openxmlformats.org/officeDocument/2006/relationships" xmlns:p="http://schemas.openxmlformats.org/presentationml/2006/main">
+  <p:cSld>
+    <p:spTree>
+      <p:nvGrpSpPr>
+        <p:cNvPr id="1" name=""/>
+        <p:cNvGrpSpPr/>
+        <p:nvPr/>
+      </p:nvGrpSpPr>
+      <p:grpSpPr>
+        <a:xfrm>
+          <a:off x="0" y="0"/>
+          <a:ext cx="0" cy="0"/>
+          <a:chOff x="0" y="0"/>
+          <a:chExt cx="0" cy="0"/>
+        </a:xfrm>
+      </p:grpSpPr>
+      <p:sp>
+        <p:nvSpPr>
+          <p:cNvPr id="2" name="Title 1">
+            <a:extLst>
+              <a:ext uri="{FF2B5EF4-FFF2-40B4-BE49-F238E27FC236}">
+                <a16:creationId xmlns:a16="http://schemas.microsoft.com/office/drawing/2014/main" id="{888F497E-9F16-4202-BF6B-4BB9EBB5AD2B}"/>
+              </a:ext>
+            </a:extLst>
+          </p:cNvPr>
+          <p:cNvSpPr>
+            <a:spLocks noGrp="1"/>
+          </p:cNvSpPr>
+          <p:nvPr>
+            <p:ph type="title"/>
+          </p:nvPr>
+        </p:nvSpPr>
+        <p:spPr/>
+        <p:txBody>
+          <a:bodyPr/>
+          <a:lstStyle/>
+          <a:p>
+            <a:r>
+              <a:rPr lang="en-US" dirty="0">
+                <a:solidFill>
+                  <a:schemeClr val="bg1"/>
+                </a:solidFill>
+              </a:rPr>
+              <a:t>Benchmarks, </a:t>
+            </a:r>
+            <a:r>
+              <a:rPr lang="en-US" dirty="0" err="1">
+                <a:solidFill>
+                  <a:schemeClr val="bg1"/>
+                </a:solidFill>
+              </a:rPr>
+              <a:t>Playmaster</a:t>
+            </a:r>
+            <a:br>
+              <a:rPr lang="en-US" dirty="0">
+                <a:solidFill>
+                  <a:schemeClr val="bg1"/>
+                </a:solidFill>
+              </a:rPr>
+            </a:br>
+            <a:endParaRPr lang="en-US" dirty="0">
+              <a:solidFill>
+                <a:schemeClr val="bg1"/>
+              </a:solidFill>
+            </a:endParaRPr>
+          </a:p>
+        </p:txBody>
+      </p:sp>
+      <p:sp>
+        <p:nvSpPr>
+          <p:cNvPr id="3" name="Content Placeholder 2">
+            <a:extLst>
+              <a:ext uri="{FF2B5EF4-FFF2-40B4-BE49-F238E27FC236}">
+                <a16:creationId xmlns:a16="http://schemas.microsoft.com/office/drawing/2014/main" id="{09062427-24B8-45C7-BAB9-2BD54764DBC5}"/>
+              </a:ext>
+            </a:extLst>
+          </p:cNvPr>
+          <p:cNvSpPr>
+            <a:spLocks noGrp="1"/>
+          </p:cNvSpPr>
+          <p:nvPr>
+            <p:ph idx="1"/>
+          </p:nvPr>
+        </p:nvSpPr>
+        <p:spPr>
+          <a:xfrm>
+            <a:off x="581193" y="1600200"/>
+            <a:ext cx="9609554" cy="4808219"/>
+          </a:xfrm>
+        </p:spPr>
+        <p:txBody>
+          <a:bodyPr>
+            <a:normAutofit/>
+          </a:bodyPr>
+          <a:lstStyle/>
+          <a:p>
+            <a:r>
+              <a:rPr lang="en-US" dirty="0" err="1">
+                <a:solidFill>
+                  <a:schemeClr val="bg1"/>
+                </a:solidFill>
+              </a:rPr>
+              <a:t>Playmaster</a:t>
+            </a:r>
+            <a:r>
+              <a:rPr lang="en-US" dirty="0">
+                <a:solidFill>
+                  <a:schemeClr val="bg1"/>
+                </a:solidFill>
+              </a:rPr>
+              <a:t> uses sockets and cannot be benchmarked using Apache Bench</a:t>
+            </a:r>
+          </a:p>
+          <a:p>
+            <a:r>
+              <a:rPr lang="en-US" dirty="0">
+                <a:solidFill>
+                  <a:schemeClr val="bg1"/>
+                </a:solidFill>
+              </a:rPr>
+              <a:t>Hard Limit: 65k sockets over all </a:t>
+            </a:r>
+            <a:r>
+              <a:rPr lang="en-US" dirty="0" err="1">
+                <a:solidFill>
+                  <a:schemeClr val="bg1"/>
+                </a:solidFill>
+              </a:rPr>
+              <a:t>Playmasters</a:t>
+            </a:r>
+            <a:r>
+              <a:rPr lang="en-US" dirty="0">
+                <a:solidFill>
+                  <a:schemeClr val="bg1"/>
+                </a:solidFill>
+              </a:rPr>
+              <a:t> due to sharing a single NGINX interface</a:t>
+            </a:r>
+          </a:p>
+          <a:p>
+            <a:r>
+              <a:rPr lang="en-US" dirty="0">
+                <a:solidFill>
+                  <a:schemeClr val="bg1"/>
+                </a:solidFill>
+              </a:rPr>
+              <a:t>Ongoing plays are limited to 20k ongoing simultaneously </a:t>
+            </a:r>
+          </a:p>
+          <a:p>
+            <a:pPr lvl="1"/>
+            <a:r>
+              <a:rPr lang="en-US" dirty="0">
+                <a:solidFill>
+                  <a:schemeClr val="bg1"/>
+                </a:solidFill>
+              </a:rPr>
+              <a:t>TCP Requests use sockets as well</a:t>
+            </a:r>
+          </a:p>
+          <a:p>
+            <a:r>
+              <a:rPr lang="en-US" dirty="0">
+                <a:solidFill>
+                  <a:schemeClr val="bg1"/>
+                </a:solidFill>
+              </a:rPr>
+              <a:t>Solution: a domain name, HTTPS, proper CORS headers, and reserving multiple IPv4 IPs</a:t>
+            </a:r>
+          </a:p>
+          <a:p>
+            <a:pPr lvl="1"/>
+            <a:r>
+              <a:rPr lang="en-US" dirty="0">
+                <a:solidFill>
+                  <a:schemeClr val="bg1"/>
+                </a:solidFill>
+              </a:rPr>
+              <a:t>reverse proxies can then be set up for multiple banks of </a:t>
+            </a:r>
+            <a:r>
+              <a:rPr lang="en-US" dirty="0" err="1">
+                <a:solidFill>
+                  <a:schemeClr val="bg1"/>
+                </a:solidFill>
+              </a:rPr>
+              <a:t>Playmasters</a:t>
+            </a:r>
+            <a:r>
+              <a:rPr lang="en-US" dirty="0">
+                <a:solidFill>
+                  <a:schemeClr val="bg1"/>
+                </a:solidFill>
+              </a:rPr>
+              <a:t> in subdomains</a:t>
+            </a:r>
+          </a:p>
+        </p:txBody>
+      </p:sp>
+    </p:spTree>
+    <p:extLst>
+      <p:ext uri="{BB962C8B-B14F-4D97-AF65-F5344CB8AC3E}">
+        <p14:creationId xmlns:p14="http://schemas.microsoft.com/office/powerpoint/2010/main" val="654867390"/>
+      </p:ext>
+    </p:extLst>
+  </p:cSld>
+  <p:clrMapOvr>
+    <a:masterClrMapping/>
+  </p:clrMapOvr>
+</p:sld>
+</file>
+
+<file path=ppt/slides/slide25.xml><?xml version="1.0" encoding="utf-8"?>
+<p:sld xmlns:a="http://schemas.openxmlformats.org/drawingml/2006/main" xmlns:r="http://schemas.openxmlformats.org/officeDocument/2006/relationships" xmlns:p="http://schemas.openxmlformats.org/presentationml/2006/main">
+  <p:cSld>
+    <p:spTree>
+      <p:nvGrpSpPr>
+        <p:cNvPr id="1" name=""/>
+        <p:cNvGrpSpPr/>
+        <p:nvPr/>
+      </p:nvGrpSpPr>
+      <p:grpSpPr>
+        <a:xfrm>
+          <a:off x="0" y="0"/>
+          <a:ext cx="0" cy="0"/>
+          <a:chOff x="0" y="0"/>
+          <a:chExt cx="0" cy="0"/>
+        </a:xfrm>
+      </p:grpSpPr>
+      <p:sp>
+        <p:nvSpPr>
+          <p:cNvPr id="2" name="Title 1">
+            <a:extLst>
+              <a:ext uri="{FF2B5EF4-FFF2-40B4-BE49-F238E27FC236}">
+                <a16:creationId xmlns:a16="http://schemas.microsoft.com/office/drawing/2014/main" id="{888F497E-9F16-4202-BF6B-4BB9EBB5AD2B}"/>
+              </a:ext>
+            </a:extLst>
+          </p:cNvPr>
+          <p:cNvSpPr>
+            <a:spLocks noGrp="1"/>
+          </p:cNvSpPr>
+          <p:nvPr>
+            <p:ph type="title"/>
+          </p:nvPr>
+        </p:nvSpPr>
+        <p:spPr/>
+        <p:txBody>
+          <a:bodyPr/>
+          <a:lstStyle/>
+          <a:p>
+            <a:r>
+              <a:rPr lang="en-US" dirty="0">
+                <a:solidFill>
+                  <a:schemeClr val="bg1"/>
+                </a:solidFill>
+              </a:rPr>
+              <a:t>Project Directory Structure</a:t>
+            </a:r>
+            <a:br>
+              <a:rPr lang="en-US" dirty="0">
+                <a:solidFill>
+                  <a:schemeClr val="bg1"/>
+                </a:solidFill>
+              </a:rPr>
+            </a:br>
+            <a:endParaRPr lang="en-US" dirty="0">
+              <a:solidFill>
+                <a:schemeClr val="bg1"/>
+              </a:solidFill>
+            </a:endParaRPr>
+          </a:p>
+        </p:txBody>
+      </p:sp>
+      <p:sp>
+        <p:nvSpPr>
+          <p:cNvPr id="3" name="Content Placeholder 2">
+            <a:extLst>
+              <a:ext uri="{FF2B5EF4-FFF2-40B4-BE49-F238E27FC236}">
+                <a16:creationId xmlns:a16="http://schemas.microsoft.com/office/drawing/2014/main" id="{09062427-24B8-45C7-BAB9-2BD54764DBC5}"/>
+              </a:ext>
+            </a:extLst>
+          </p:cNvPr>
+          <p:cNvSpPr>
+            <a:spLocks noGrp="1"/>
+          </p:cNvSpPr>
+          <p:nvPr>
+            <p:ph idx="1"/>
+          </p:nvPr>
+        </p:nvSpPr>
+        <p:spPr>
+          <a:xfrm>
+            <a:off x="581193" y="1600200"/>
+            <a:ext cx="9609554" cy="4808219"/>
+          </a:xfrm>
+        </p:spPr>
+        <p:txBody>
+          <a:bodyPr>
+            <a:normAutofit/>
+          </a:bodyPr>
+          <a:lstStyle/>
+          <a:p>
+            <a:r>
+              <a:rPr lang="en-US" dirty="0">
+                <a:solidFill>
+                  <a:schemeClr val="bg1"/>
+                </a:solidFill>
+              </a:rPr>
+              <a:t>Authentication:   ./auth</a:t>
+            </a:r>
+          </a:p>
+          <a:p>
+            <a:r>
+              <a:rPr lang="en-US" dirty="0">
+                <a:solidFill>
+                  <a:schemeClr val="bg1"/>
+                </a:solidFill>
+              </a:rPr>
+              <a:t>Gamemaster:    ./</a:t>
+            </a:r>
+            <a:r>
+              <a:rPr lang="en-US" dirty="0" err="1">
+                <a:solidFill>
+                  <a:schemeClr val="bg1"/>
+                </a:solidFill>
+              </a:rPr>
+              <a:t>api</a:t>
+            </a:r>
+            <a:endParaRPr lang="en-US" dirty="0">
+              <a:solidFill>
+                <a:schemeClr val="bg1"/>
+              </a:solidFill>
+            </a:endParaRPr>
+          </a:p>
+          <a:p>
+            <a:r>
+              <a:rPr lang="en-US" dirty="0" err="1">
+                <a:solidFill>
+                  <a:schemeClr val="bg1"/>
+                </a:solidFill>
+              </a:rPr>
+              <a:t>Playmaster</a:t>
+            </a:r>
+            <a:r>
+              <a:rPr lang="en-US" dirty="0">
+                <a:solidFill>
+                  <a:schemeClr val="bg1"/>
+                </a:solidFill>
+              </a:rPr>
+              <a:t>:       ./game</a:t>
+            </a:r>
+          </a:p>
+          <a:p>
+            <a:r>
+              <a:rPr lang="en-US" dirty="0">
+                <a:solidFill>
+                  <a:schemeClr val="bg1"/>
+                </a:solidFill>
+              </a:rPr>
+              <a:t>Web Interface:  ./web</a:t>
+            </a:r>
+          </a:p>
+          <a:p>
+            <a:endParaRPr lang="en-US" dirty="0">
+              <a:solidFill>
+                <a:schemeClr val="bg1"/>
+              </a:solidFill>
+            </a:endParaRPr>
+          </a:p>
+          <a:p>
+            <a:pPr marL="0" indent="0">
+              <a:buNone/>
+            </a:pPr>
+            <a:endParaRPr lang="en-US" dirty="0">
+              <a:solidFill>
+                <a:schemeClr val="bg1"/>
+              </a:solidFill>
+            </a:endParaRPr>
+          </a:p>
+          <a:p>
+            <a:pPr marL="0" indent="0">
+              <a:buNone/>
+            </a:pPr>
+            <a:endParaRPr lang="en-US" dirty="0">
+              <a:solidFill>
+                <a:schemeClr val="bg1"/>
+              </a:solidFill>
+            </a:endParaRPr>
+          </a:p>
+          <a:p>
+            <a:pPr marL="0" indent="0">
+              <a:buNone/>
+            </a:pPr>
+            <a:endParaRPr lang="en-US" dirty="0">
+              <a:solidFill>
+                <a:schemeClr val="bg1"/>
+              </a:solidFill>
+            </a:endParaRPr>
+          </a:p>
+          <a:p>
+            <a:pPr marL="0" indent="0">
+              <a:buNone/>
+            </a:pPr>
+            <a:r>
+              <a:rPr lang="en-US" dirty="0">
+                <a:solidFill>
+                  <a:schemeClr val="bg1"/>
+                </a:solidFill>
+              </a:rPr>
+              <a:t>To run consult README.md for instructions</a:t>
+            </a:r>
+          </a:p>
+        </p:txBody>
+      </p:sp>
+    </p:spTree>
+    <p:extLst>
+      <p:ext uri="{BB962C8B-B14F-4D97-AF65-F5344CB8AC3E}">
+        <p14:creationId xmlns:p14="http://schemas.microsoft.com/office/powerpoint/2010/main" val="2719774462"/>
+      </p:ext>
+    </p:extLst>
+  </p:cSld>
+  <p:clrMapOvr>
+    <a:masterClrMapping/>
+  </p:clrMapOvr>
+</p:sld>
+</file>
+
+<file path=ppt/slides/slide26.xml><?xml version="1.0" encoding="utf-8"?>
+<p:sld xmlns:a="http://schemas.openxmlformats.org/drawingml/2006/main" xmlns:r="http://schemas.openxmlformats.org/officeDocument/2006/relationships" xmlns:p="http://schemas.openxmlformats.org/presentationml/2006/main">
+  <p:cSld>
+    <p:spTree>
+      <p:nvGrpSpPr>
+        <p:cNvPr id="1" name=""/>
+        <p:cNvGrpSpPr/>
+        <p:nvPr/>
+      </p:nvGrpSpPr>
+      <p:grpSpPr>
+        <a:xfrm>
+          <a:off x="0" y="0"/>
+          <a:ext cx="0" cy="0"/>
+          <a:chOff x="0" y="0"/>
+          <a:chExt cx="0" cy="0"/>
+        </a:xfrm>
+      </p:grpSpPr>
+      <p:sp>
+        <p:nvSpPr>
+          <p:cNvPr id="2" name="Title 1">
+            <a:extLst>
+              <a:ext uri="{FF2B5EF4-FFF2-40B4-BE49-F238E27FC236}">
+                <a16:creationId xmlns:a16="http://schemas.microsoft.com/office/drawing/2014/main" id="{888F497E-9F16-4202-BF6B-4BB9EBB5AD2B}"/>
+              </a:ext>
+            </a:extLst>
+          </p:cNvPr>
+          <p:cNvSpPr>
+            <a:spLocks noGrp="1"/>
+          </p:cNvSpPr>
+          <p:nvPr>
+            <p:ph type="title"/>
+          </p:nvPr>
+        </p:nvSpPr>
+        <p:spPr/>
+        <p:txBody>
+          <a:bodyPr/>
+          <a:lstStyle/>
+          <a:p>
+            <a:r>
+              <a:rPr lang="en-US">
+                <a:solidFill>
+                  <a:schemeClr val="bg1"/>
+                </a:solidFill>
+              </a:rPr>
+              <a:t>Code Lines </a:t>
+            </a:r>
+            <a:r>
+              <a:rPr lang="en-US" dirty="0">
+                <a:solidFill>
+                  <a:schemeClr val="bg1"/>
+                </a:solidFill>
+              </a:rPr>
+              <a:t>Overview</a:t>
+            </a:r>
+            <a:br>
+              <a:rPr lang="en-US" dirty="0">
+                <a:solidFill>
+                  <a:schemeClr val="bg1"/>
+                </a:solidFill>
+              </a:rPr>
+            </a:br>
+            <a:endParaRPr lang="en-US" dirty="0">
+              <a:solidFill>
+                <a:schemeClr val="bg1"/>
+              </a:solidFill>
+            </a:endParaRPr>
+          </a:p>
+        </p:txBody>
+      </p:sp>
+      <p:pic>
+        <p:nvPicPr>
+          <p:cNvPr id="5" name="Content Placeholder 4">
+            <a:extLst>
+              <a:ext uri="{FF2B5EF4-FFF2-40B4-BE49-F238E27FC236}">
+                <a16:creationId xmlns:a16="http://schemas.microsoft.com/office/drawing/2014/main" id="{C4F9EBFF-8969-40DA-9996-77592364D1D8}"/>
+              </a:ext>
+            </a:extLst>
+          </p:cNvPr>
+          <p:cNvPicPr>
+            <a:picLocks noGrp="1" noChangeAspect="1"/>
+          </p:cNvPicPr>
+          <p:nvPr>
+            <p:ph idx="1"/>
+          </p:nvPr>
+        </p:nvPicPr>
+        <p:blipFill>
+          <a:blip r:embed="rId3">
+            <a:extLst>
+              <a:ext uri="{28A0092B-C50C-407E-A947-70E740481C1C}">
+                <a14:useLocalDpi xmlns:a14="http://schemas.microsoft.com/office/drawing/2010/main" val="0"/>
+              </a:ext>
+            </a:extLst>
+          </a:blip>
+          <a:stretch>
+            <a:fillRect/>
+          </a:stretch>
+        </p:blipFill>
+        <p:spPr>
+          <a:xfrm>
+            <a:off x="1897170" y="1957014"/>
+            <a:ext cx="8397659" cy="4198830"/>
+          </a:xfrm>
+        </p:spPr>
+      </p:pic>
+    </p:spTree>
+    <p:extLst>
+      <p:ext uri="{BB962C8B-B14F-4D97-AF65-F5344CB8AC3E}">
+        <p14:creationId xmlns:p14="http://schemas.microsoft.com/office/powerpoint/2010/main" val="587683797"/>
+      </p:ext>
+    </p:extLst>
+  </p:cSld>
+  <p:clrMapOvr>
+    <a:masterClrMapping/>
+  </p:clrMapOvr>
+</p:sld>
+</file>
+
+<file path=ppt/slides/slide27.xml><?xml version="1.0" encoding="utf-8"?>
 <p:sld xmlns:a="http://schemas.openxmlformats.org/drawingml/2006/main" xmlns:r="http://schemas.openxmlformats.org/officeDocument/2006/relationships" xmlns:p="http://schemas.openxmlformats.org/presentationml/2006/main">
   <p:cSld>
     <p:spTree>

--- a/presentation/Distributed.pptx
+++ b/presentation/Distributed.pptx
@@ -223,7 +223,7 @@
           <a:p>
             <a:fld id="{4BA666F6-5881-45C2-B1FB-D83BEFCFBA7A}" type="datetimeFigureOut">
               <a:rPr lang="en-US" smtClean="0"/>
-              <a:t>6/11/2020</a:t>
+              <a:t>6/21/2020</a:t>
             </a:fld>
             <a:endParaRPr lang="en-US"/>
           </a:p>
@@ -1148,7 +1148,7 @@
           <a:p>
             <a:fld id="{ED291B17-9318-49DB-B28B-6E5994AE9581}" type="datetime1">
               <a:rPr lang="en-US" smtClean="0"/>
-              <a:t>6/11/2020</a:t>
+              <a:t>6/21/2020</a:t>
             </a:fld>
             <a:endParaRPr lang="en-US" dirty="0"/>
           </a:p>
@@ -1351,7 +1351,7 @@
           <a:p>
             <a:fld id="{2CED4963-E985-44C4-B8C4-FDD613B7C2F8}" type="datetime1">
               <a:rPr lang="en-US" smtClean="0"/>
-              <a:t>6/11/2020</a:t>
+              <a:t>6/21/2020</a:t>
             </a:fld>
             <a:endParaRPr lang="en-US" dirty="0"/>
           </a:p>
@@ -1713,7 +1713,7 @@
           <a:p>
             <a:fld id="{ED291B17-9318-49DB-B28B-6E5994AE9581}" type="datetime1">
               <a:rPr lang="en-US" smtClean="0"/>
-              <a:t>6/11/2020</a:t>
+              <a:t>6/21/2020</a:t>
             </a:fld>
             <a:endParaRPr lang="en-US" dirty="0"/>
           </a:p>
@@ -1911,7 +1911,7 @@
           <a:p>
             <a:fld id="{78DD82B9-B8EE-4375-B6FF-88FA6ABB15D9}" type="datetime1">
               <a:rPr lang="en-US" smtClean="0"/>
-              <a:t>6/11/2020</a:t>
+              <a:t>6/21/2020</a:t>
             </a:fld>
             <a:endParaRPr lang="en-US" dirty="0"/>
           </a:p>
@@ -2223,7 +2223,7 @@
           <a:p>
             <a:fld id="{B2497495-0637-405E-AE64-5CC7506D51F5}" type="datetime1">
               <a:rPr lang="en-US" smtClean="0"/>
-              <a:t>6/11/2020</a:t>
+              <a:t>6/21/2020</a:t>
             </a:fld>
             <a:endParaRPr lang="en-US" dirty="0"/>
           </a:p>
@@ -2476,7 +2476,7 @@
           <a:p>
             <a:fld id="{7BFFD690-9426-415D-8B65-26881E07B2D4}" type="datetime1">
               <a:rPr lang="en-US" smtClean="0"/>
-              <a:t>6/11/2020</a:t>
+              <a:t>6/21/2020</a:t>
             </a:fld>
             <a:endParaRPr lang="en-US" dirty="0"/>
           </a:p>
@@ -2898,7 +2898,7 @@
           <a:p>
             <a:fld id="{04C4989A-474C-40DE-95B9-011C28B71673}" type="datetime1">
               <a:rPr lang="en-US" smtClean="0"/>
-              <a:t>6/11/2020</a:t>
+              <a:t>6/21/2020</a:t>
             </a:fld>
             <a:endParaRPr lang="en-US" dirty="0"/>
           </a:p>
@@ -3021,7 +3021,7 @@
           <a:p>
             <a:fld id="{5DB4ED54-5B5E-4A04-93D3-5772E3CE3818}" type="datetime1">
               <a:rPr lang="en-US" smtClean="0"/>
-              <a:t>6/11/2020</a:t>
+              <a:t>6/21/2020</a:t>
             </a:fld>
             <a:endParaRPr lang="en-US" dirty="0"/>
           </a:p>
@@ -3116,7 +3116,7 @@
           <a:p>
             <a:fld id="{4EDE50D6-574B-40AF-946F-D52A04ADE379}" type="datetime1">
               <a:rPr lang="en-US" smtClean="0"/>
-              <a:t>6/11/2020</a:t>
+              <a:t>6/21/2020</a:t>
             </a:fld>
             <a:endParaRPr lang="en-US" dirty="0"/>
           </a:p>
@@ -3493,7 +3493,7 @@
           <a:p>
             <a:fld id="{D82884F1-FFEA-405F-9602-3DCA865EDA4E}" type="datetime1">
               <a:rPr lang="en-US" smtClean="0"/>
-              <a:t>6/11/2020</a:t>
+              <a:t>6/21/2020</a:t>
             </a:fld>
             <a:endParaRPr lang="en-US" dirty="0"/>
           </a:p>
@@ -3786,7 +3786,7 @@
           <a:p>
             <a:fld id="{7E18DB4A-8810-4A10-AD5C-D5E2C667F5B3}" type="datetime1">
               <a:rPr lang="en-US" smtClean="0"/>
-              <a:t>6/11/2020</a:t>
+              <a:t>6/21/2020</a:t>
             </a:fld>
             <a:endParaRPr lang="en-US" dirty="0"/>
           </a:p>
@@ -4004,7 +4004,7 @@
           <a:p>
             <a:fld id="{ED291B17-9318-49DB-B28B-6E5994AE9581}" type="datetime1">
               <a:rPr lang="en-US" smtClean="0"/>
-              <a:t>6/11/2020</a:t>
+              <a:t>6/21/2020</a:t>
             </a:fld>
             <a:endParaRPr lang="en-US" dirty="0"/>
           </a:p>
@@ -12981,7 +12981,23 @@
                   <a:schemeClr val="bg1"/>
                 </a:solidFill>
               </a:rPr>
-              <a:t>Database can be scaled using </a:t>
+              <a:t>Database can </a:t>
+            </a:r>
+            <a:r>
+              <a:rPr lang="en-US">
+                <a:solidFill>
+                  <a:schemeClr val="bg1"/>
+                </a:solidFill>
+              </a:rPr>
+              <a:t>be horizontally scaled </a:t>
+            </a:r>
+            <a:r>
+              <a:rPr lang="en-US" dirty="0">
+                <a:solidFill>
+                  <a:schemeClr val="bg1"/>
+                </a:solidFill>
+              </a:rPr>
+              <a:t>using </a:t>
             </a:r>
             <a:r>
               <a:rPr lang="en-US" dirty="0" err="1">
